--- a/HW2/Homework 2.pptx
+++ b/HW2/Homework 2.pptx
@@ -1,45 +1,52 @@
 
 <file path=ppt/presentation.xml><?xml version="1.0" encoding="utf-8"?>
-<p:presentation xmlns:a="http://schemas.openxmlformats.org/drawingml/2006/main" xmlns:r="http://schemas.openxmlformats.org/officeDocument/2006/relationships" xmlns:mc="http://schemas.openxmlformats.org/markup-compatibility/2006" xmlns:mv="urn:schemas-microsoft-com:mac:vml" xmlns:p="http://schemas.openxmlformats.org/presentationml/2006/main" xmlns:c="http://schemas.openxmlformats.org/drawingml/2006/chart" xmlns:dgm="http://schemas.openxmlformats.org/drawingml/2006/diagram" xmlns:o="urn:schemas-microsoft-com:office:office" xmlns:v="urn:schemas-microsoft-com:vml" xmlns:pvml="urn:schemas-microsoft-com:office:powerpoint" xmlns:com="http://schemas.openxmlformats.org/drawingml/2006/compatibility" xmlns:p14="http://schemas.microsoft.com/office/powerpoint/2010/main" xmlns:p15="http://schemas.microsoft.com/office/powerpoint/2012/main" xmlns:ahyp="http://schemas.microsoft.com/office/drawing/2018/hyperlinkcolor" autoCompressPictures="0" embedTrueTypeFonts="1" strictFirstAndLastChars="0" saveSubsetFonts="1">
+<p:presentation xmlns:a="http://schemas.openxmlformats.org/drawingml/2006/main" xmlns:r="http://schemas.openxmlformats.org/officeDocument/2006/relationships" xmlns:p="http://schemas.openxmlformats.org/presentationml/2006/main" strictFirstAndLastChars="0" embedTrueTypeFonts="1" saveSubsetFonts="1" autoCompressPictures="0">
   <p:sldMasterIdLst>
-    <p:sldMasterId id="2147483659" r:id="rId4"/>
+    <p:sldMasterId id="2147483659" r:id="rId1"/>
   </p:sldMasterIdLst>
   <p:notesMasterIdLst>
-    <p:notesMasterId r:id="rId5"/>
+    <p:notesMasterId r:id="rId13"/>
   </p:notesMasterIdLst>
   <p:sldIdLst>
-    <p:sldId id="256" r:id="rId6"/>
-    <p:sldId id="257" r:id="rId7"/>
-    <p:sldId id="258" r:id="rId8"/>
-    <p:sldId id="259" r:id="rId9"/>
-    <p:sldId id="260" r:id="rId10"/>
-    <p:sldId id="261" r:id="rId11"/>
-    <p:sldId id="262" r:id="rId12"/>
-    <p:sldId id="263" r:id="rId13"/>
-    <p:sldId id="264" r:id="rId14"/>
-    <p:sldId id="265" r:id="rId15"/>
-    <p:sldId id="266" r:id="rId16"/>
+    <p:sldId id="256" r:id="rId2"/>
+    <p:sldId id="257" r:id="rId3"/>
+    <p:sldId id="258" r:id="rId4"/>
+    <p:sldId id="259" r:id="rId5"/>
+    <p:sldId id="260" r:id="rId6"/>
+    <p:sldId id="261" r:id="rId7"/>
+    <p:sldId id="262" r:id="rId8"/>
+    <p:sldId id="263" r:id="rId9"/>
+    <p:sldId id="264" r:id="rId10"/>
+    <p:sldId id="265" r:id="rId11"/>
+    <p:sldId id="266" r:id="rId12"/>
   </p:sldIdLst>
-  <p:sldSz cy="5143500" cx="9144000"/>
+  <p:sldSz cx="9144000" cy="5143500" type="screen16x9"/>
   <p:notesSz cx="6858000" cy="9144000"/>
   <p:embeddedFontLst>
     <p:embeddedFont>
-      <p:font typeface="Raleway"/>
-      <p:regular r:id="rId17"/>
-      <p:bold r:id="rId18"/>
-      <p:italic r:id="rId19"/>
-      <p:boldItalic r:id="rId20"/>
+      <p:font typeface="Consolas" panose="020B0609020204030204" pitchFamily="49" charset="0"/>
+      <p:regular r:id="rId14"/>
+      <p:bold r:id="rId15"/>
+      <p:italic r:id="rId16"/>
+      <p:boldItalic r:id="rId17"/>
     </p:embeddedFont>
     <p:embeddedFont>
-      <p:font typeface="Lato"/>
-      <p:regular r:id="rId21"/>
-      <p:bold r:id="rId22"/>
-      <p:italic r:id="rId23"/>
-      <p:boldItalic r:id="rId24"/>
+      <p:font typeface="Lato" panose="020F0502020204030203" pitchFamily="34" charset="0"/>
+      <p:regular r:id="rId18"/>
+      <p:bold r:id="rId19"/>
+      <p:italic r:id="rId20"/>
+      <p:boldItalic r:id="rId21"/>
+    </p:embeddedFont>
+    <p:embeddedFont>
+      <p:font typeface="Raleway" pitchFamily="2" charset="0"/>
+      <p:regular r:id="rId22"/>
+      <p:bold r:id="rId23"/>
+      <p:italic r:id="rId24"/>
+      <p:boldItalic r:id="rId25"/>
     </p:embeddedFont>
   </p:embeddedFontLst>
   <p:defaultTextStyle>
-    <a:defPPr lvl="0" marR="0" rtl="0" algn="l">
+    <a:defPPr marR="0" lvl="0" algn="l" rtl="0">
       <a:lnSpc>
         <a:spcPct val="100000"/>
       </a:lnSpc>
@@ -50,7 +57,7 @@
         <a:spcPts val="0"/>
       </a:spcAft>
     </a:defPPr>
-    <a:lvl1pPr lvl="0" marR="0" rtl="0" algn="l">
+    <a:lvl1pPr marR="0" lvl="0" algn="l" rtl="0">
       <a:lnSpc>
         <a:spcPct val="100000"/>
       </a:lnSpc>
@@ -64,7 +71,7 @@
         <a:srgbClr val="000000"/>
       </a:buClr>
       <a:buFont typeface="Arial"/>
-      <a:defRPr b="0" i="0" sz="1400" u="none" cap="none" strike="noStrike">
+      <a:defRPr sz="1400" b="0" i="0" u="none" strike="noStrike" cap="none">
         <a:solidFill>
           <a:srgbClr val="000000"/>
         </a:solidFill>
@@ -74,7 +81,7 @@
         <a:sym typeface="Arial"/>
       </a:defRPr>
     </a:lvl1pPr>
-    <a:lvl2pPr lvl="1" marR="0" rtl="0" algn="l">
+    <a:lvl2pPr marR="0" lvl="1" algn="l" rtl="0">
       <a:lnSpc>
         <a:spcPct val="100000"/>
       </a:lnSpc>
@@ -88,7 +95,7 @@
         <a:srgbClr val="000000"/>
       </a:buClr>
       <a:buFont typeface="Arial"/>
-      <a:defRPr b="0" i="0" sz="1400" u="none" cap="none" strike="noStrike">
+      <a:defRPr sz="1400" b="0" i="0" u="none" strike="noStrike" cap="none">
         <a:solidFill>
           <a:srgbClr val="000000"/>
         </a:solidFill>
@@ -98,7 +105,7 @@
         <a:sym typeface="Arial"/>
       </a:defRPr>
     </a:lvl2pPr>
-    <a:lvl3pPr lvl="2" marR="0" rtl="0" algn="l">
+    <a:lvl3pPr marR="0" lvl="2" algn="l" rtl="0">
       <a:lnSpc>
         <a:spcPct val="100000"/>
       </a:lnSpc>
@@ -112,7 +119,7 @@
         <a:srgbClr val="000000"/>
       </a:buClr>
       <a:buFont typeface="Arial"/>
-      <a:defRPr b="0" i="0" sz="1400" u="none" cap="none" strike="noStrike">
+      <a:defRPr sz="1400" b="0" i="0" u="none" strike="noStrike" cap="none">
         <a:solidFill>
           <a:srgbClr val="000000"/>
         </a:solidFill>
@@ -122,7 +129,7 @@
         <a:sym typeface="Arial"/>
       </a:defRPr>
     </a:lvl3pPr>
-    <a:lvl4pPr lvl="3" marR="0" rtl="0" algn="l">
+    <a:lvl4pPr marR="0" lvl="3" algn="l" rtl="0">
       <a:lnSpc>
         <a:spcPct val="100000"/>
       </a:lnSpc>
@@ -136,7 +143,7 @@
         <a:srgbClr val="000000"/>
       </a:buClr>
       <a:buFont typeface="Arial"/>
-      <a:defRPr b="0" i="0" sz="1400" u="none" cap="none" strike="noStrike">
+      <a:defRPr sz="1400" b="0" i="0" u="none" strike="noStrike" cap="none">
         <a:solidFill>
           <a:srgbClr val="000000"/>
         </a:solidFill>
@@ -146,7 +153,7 @@
         <a:sym typeface="Arial"/>
       </a:defRPr>
     </a:lvl4pPr>
-    <a:lvl5pPr lvl="4" marR="0" rtl="0" algn="l">
+    <a:lvl5pPr marR="0" lvl="4" algn="l" rtl="0">
       <a:lnSpc>
         <a:spcPct val="100000"/>
       </a:lnSpc>
@@ -160,7 +167,7 @@
         <a:srgbClr val="000000"/>
       </a:buClr>
       <a:buFont typeface="Arial"/>
-      <a:defRPr b="0" i="0" sz="1400" u="none" cap="none" strike="noStrike">
+      <a:defRPr sz="1400" b="0" i="0" u="none" strike="noStrike" cap="none">
         <a:solidFill>
           <a:srgbClr val="000000"/>
         </a:solidFill>
@@ -170,7 +177,7 @@
         <a:sym typeface="Arial"/>
       </a:defRPr>
     </a:lvl5pPr>
-    <a:lvl6pPr lvl="5" marR="0" rtl="0" algn="l">
+    <a:lvl6pPr marR="0" lvl="5" algn="l" rtl="0">
       <a:lnSpc>
         <a:spcPct val="100000"/>
       </a:lnSpc>
@@ -184,7 +191,7 @@
         <a:srgbClr val="000000"/>
       </a:buClr>
       <a:buFont typeface="Arial"/>
-      <a:defRPr b="0" i="0" sz="1400" u="none" cap="none" strike="noStrike">
+      <a:defRPr sz="1400" b="0" i="0" u="none" strike="noStrike" cap="none">
         <a:solidFill>
           <a:srgbClr val="000000"/>
         </a:solidFill>
@@ -194,7 +201,7 @@
         <a:sym typeface="Arial"/>
       </a:defRPr>
     </a:lvl6pPr>
-    <a:lvl7pPr lvl="6" marR="0" rtl="0" algn="l">
+    <a:lvl7pPr marR="0" lvl="6" algn="l" rtl="0">
       <a:lnSpc>
         <a:spcPct val="100000"/>
       </a:lnSpc>
@@ -208,7 +215,7 @@
         <a:srgbClr val="000000"/>
       </a:buClr>
       <a:buFont typeface="Arial"/>
-      <a:defRPr b="0" i="0" sz="1400" u="none" cap="none" strike="noStrike">
+      <a:defRPr sz="1400" b="0" i="0" u="none" strike="noStrike" cap="none">
         <a:solidFill>
           <a:srgbClr val="000000"/>
         </a:solidFill>
@@ -218,7 +225,7 @@
         <a:sym typeface="Arial"/>
       </a:defRPr>
     </a:lvl7pPr>
-    <a:lvl8pPr lvl="7" marR="0" rtl="0" algn="l">
+    <a:lvl8pPr marR="0" lvl="7" algn="l" rtl="0">
       <a:lnSpc>
         <a:spcPct val="100000"/>
       </a:lnSpc>
@@ -232,7 +239,7 @@
         <a:srgbClr val="000000"/>
       </a:buClr>
       <a:buFont typeface="Arial"/>
-      <a:defRPr b="0" i="0" sz="1400" u="none" cap="none" strike="noStrike">
+      <a:defRPr sz="1400" b="0" i="0" u="none" strike="noStrike" cap="none">
         <a:solidFill>
           <a:srgbClr val="000000"/>
         </a:solidFill>
@@ -242,7 +249,7 @@
         <a:sym typeface="Arial"/>
       </a:defRPr>
     </a:lvl8pPr>
-    <a:lvl9pPr lvl="8" marR="0" rtl="0" algn="l">
+    <a:lvl9pPr marR="0" lvl="8" algn="l" rtl="0">
       <a:lnSpc>
         <a:spcPct val="100000"/>
       </a:lnSpc>
@@ -256,7 +263,7 @@
         <a:srgbClr val="000000"/>
       </a:buClr>
       <a:buFont typeface="Arial"/>
-      <a:defRPr b="0" i="0" sz="1400" u="none" cap="none" strike="noStrike">
+      <a:defRPr sz="1400" b="0" i="0" u="none" strike="noStrike" cap="none">
         <a:solidFill>
           <a:srgbClr val="000000"/>
         </a:solidFill>
@@ -269,7 +276,7 @@
   </p:defaultTextStyle>
   <p:extLst>
     <p:ext uri="{EFAFB233-063F-42B5-8137-9DF3F51BA10A}">
-      <p15:sldGuideLst>
+      <p15:sldGuideLst xmlns:p15="http://schemas.microsoft.com/office/powerpoint/2012/main">
         <p15:guide id="1" orient="horz" pos="1620">
           <p15:clr>
             <a:srgbClr val="A4A3A4"/>
@@ -287,11 +294,16 @@
 </file>
 
 <file path=ppt/notesMasters/notesMaster1.xml><?xml version="1.0" encoding="utf-8"?>
-<p:notesMaster xmlns:a="http://schemas.openxmlformats.org/drawingml/2006/main" xmlns:r="http://schemas.openxmlformats.org/officeDocument/2006/relationships" xmlns:mc="http://schemas.openxmlformats.org/markup-compatibility/2006" xmlns:mv="urn:schemas-microsoft-com:mac:vml" xmlns:p="http://schemas.openxmlformats.org/presentationml/2006/main" xmlns:c="http://schemas.openxmlformats.org/drawingml/2006/chart" xmlns:dgm="http://schemas.openxmlformats.org/drawingml/2006/diagram" xmlns:o="urn:schemas-microsoft-com:office:office" xmlns:v="urn:schemas-microsoft-com:vml" xmlns:pvml="urn:schemas-microsoft-com:office:powerpoint" xmlns:com="http://schemas.openxmlformats.org/drawingml/2006/compatibility" xmlns:p14="http://schemas.microsoft.com/office/powerpoint/2010/main" xmlns:p15="http://schemas.microsoft.com/office/powerpoint/2012/main" xmlns:ahyp="http://schemas.microsoft.com/office/drawing/2018/hyperlinkcolor">
+<p:notesMaster xmlns:a="http://schemas.openxmlformats.org/drawingml/2006/main" xmlns:r="http://schemas.openxmlformats.org/officeDocument/2006/relationships" xmlns:p="http://schemas.openxmlformats.org/presentationml/2006/main">
   <p:cSld>
+    <p:bg>
+      <p:bgRef idx="1001">
+        <a:schemeClr val="bg1"/>
+      </p:bgRef>
+    </p:bg>
     <p:spTree>
       <p:nvGrpSpPr>
-        <p:cNvPr id="2" name="Shape 2"/>
+        <p:cNvPr id="1" name="Shape 2"/>
         <p:cNvGrpSpPr/>
         <p:nvPr/>
       </p:nvGrpSpPr>
@@ -306,9 +318,11 @@
       <p:sp>
         <p:nvSpPr>
           <p:cNvPr id="3" name="Google Shape;3;n"/>
-          <p:cNvSpPr/>
+          <p:cNvSpPr>
+            <a:spLocks noGrp="1" noRot="1" noChangeAspect="1"/>
+          </p:cNvSpPr>
           <p:nvPr>
-            <p:ph idx="2" type="sldImg"/>
+            <p:ph type="sldImg" idx="2"/>
           </p:nvPr>
         </p:nvSpPr>
         <p:spPr>
@@ -317,9 +331,13 @@
             <a:ext cx="6096075" cy="3429000"/>
           </a:xfrm>
           <a:custGeom>
-            <a:rect b="b" l="l" r="r" t="t"/>
+            <a:avLst/>
+            <a:gdLst/>
+            <a:ahLst/>
+            <a:cxnLst/>
+            <a:rect l="l" t="t" r="r" b="b"/>
             <a:pathLst>
-              <a:path extrusionOk="0" h="120000" w="120000">
+              <a:path w="120000" h="120000" extrusionOk="0">
                 <a:moveTo>
                   <a:pt x="0" y="0"/>
                 </a:moveTo>
@@ -337,23 +355,25 @@
             </a:pathLst>
           </a:custGeom>
           <a:noFill/>
-          <a:ln cap="flat" cmpd="sng" w="9525">
+          <a:ln w="9525" cap="flat" cmpd="sng">
             <a:solidFill>
               <a:srgbClr val="000000"/>
             </a:solidFill>
             <a:prstDash val="solid"/>
             <a:round/>
-            <a:headEnd len="sm" w="sm" type="none"/>
-            <a:tailEnd len="sm" w="sm" type="none"/>
+            <a:headEnd type="none" w="sm" len="sm"/>
+            <a:tailEnd type="none" w="sm" len="sm"/>
           </a:ln>
         </p:spPr>
       </p:sp>
       <p:sp>
         <p:nvSpPr>
           <p:cNvPr id="4" name="Google Shape;4;n"/>
-          <p:cNvSpPr txBox="1"/>
+          <p:cNvSpPr txBox="1">
+            <a:spLocks noGrp="1"/>
+          </p:cNvSpPr>
           <p:nvPr>
-            <p:ph idx="1" type="body"/>
+            <p:ph type="body" idx="1"/>
           </p:nvPr>
         </p:nvSpPr>
         <p:spPr>
@@ -370,11 +390,11 @@
           </a:ln>
         </p:spPr>
         <p:txBody>
-          <a:bodyPr anchorCtr="0" anchor="t" bIns="91425" lIns="91425" spcFirstLastPara="1" rIns="91425" wrap="square" tIns="91425">
+          <a:bodyPr spcFirstLastPara="1" wrap="square" lIns="91425" tIns="91425" rIns="91425" bIns="91425" anchor="t" anchorCtr="0">
             <a:noAutofit/>
           </a:bodyPr>
           <a:lstStyle>
-            <a:lvl1pPr indent="-298450" lvl="0" marL="457200">
+            <a:lvl1pPr marL="457200" lvl="0" indent="-298450">
               <a:spcBef>
                 <a:spcPts val="0"/>
               </a:spcBef>
@@ -385,7 +405,7 @@
               <a:buChar char="●"/>
               <a:defRPr sz="1100"/>
             </a:lvl1pPr>
-            <a:lvl2pPr indent="-298450" lvl="1" marL="914400">
+            <a:lvl2pPr marL="914400" lvl="1" indent="-298450">
               <a:spcBef>
                 <a:spcPts val="0"/>
               </a:spcBef>
@@ -396,7 +416,7 @@
               <a:buChar char="○"/>
               <a:defRPr sz="1100"/>
             </a:lvl2pPr>
-            <a:lvl3pPr indent="-298450" lvl="2" marL="1371600">
+            <a:lvl3pPr marL="1371600" lvl="2" indent="-298450">
               <a:spcBef>
                 <a:spcPts val="0"/>
               </a:spcBef>
@@ -407,7 +427,7 @@
               <a:buChar char="■"/>
               <a:defRPr sz="1100"/>
             </a:lvl3pPr>
-            <a:lvl4pPr indent="-298450" lvl="3" marL="1828800">
+            <a:lvl4pPr marL="1828800" lvl="3" indent="-298450">
               <a:spcBef>
                 <a:spcPts val="0"/>
               </a:spcBef>
@@ -418,7 +438,7 @@
               <a:buChar char="●"/>
               <a:defRPr sz="1100"/>
             </a:lvl4pPr>
-            <a:lvl5pPr indent="-298450" lvl="4" marL="2286000">
+            <a:lvl5pPr marL="2286000" lvl="4" indent="-298450">
               <a:spcBef>
                 <a:spcPts val="0"/>
               </a:spcBef>
@@ -429,7 +449,7 @@
               <a:buChar char="○"/>
               <a:defRPr sz="1100"/>
             </a:lvl5pPr>
-            <a:lvl6pPr indent="-298450" lvl="5" marL="2743200">
+            <a:lvl6pPr marL="2743200" lvl="5" indent="-298450">
               <a:spcBef>
                 <a:spcPts val="0"/>
               </a:spcBef>
@@ -440,7 +460,7 @@
               <a:buChar char="■"/>
               <a:defRPr sz="1100"/>
             </a:lvl6pPr>
-            <a:lvl7pPr indent="-298450" lvl="6" marL="3200400">
+            <a:lvl7pPr marL="3200400" lvl="6" indent="-298450">
               <a:spcBef>
                 <a:spcPts val="0"/>
               </a:spcBef>
@@ -451,7 +471,7 @@
               <a:buChar char="●"/>
               <a:defRPr sz="1100"/>
             </a:lvl7pPr>
-            <a:lvl8pPr indent="-298450" lvl="7" marL="3657600">
+            <a:lvl8pPr marL="3657600" lvl="7" indent="-298450">
               <a:spcBef>
                 <a:spcPts val="0"/>
               </a:spcBef>
@@ -462,7 +482,7 @@
               <a:buChar char="○"/>
               <a:defRPr sz="1100"/>
             </a:lvl8pPr>
-            <a:lvl9pPr indent="-298450" lvl="8" marL="4114800">
+            <a:lvl9pPr marL="4114800" lvl="8" indent="-298450">
               <a:spcBef>
                 <a:spcPts val="0"/>
               </a:spcBef>
@@ -474,14 +494,16 @@
               <a:defRPr sz="1100"/>
             </a:lvl9pPr>
           </a:lstStyle>
-          <a:p/>
+          <a:p>
+            <a:endParaRPr/>
+          </a:p>
         </p:txBody>
       </p:sp>
     </p:spTree>
   </p:cSld>
-  <p:clrMap accent1="accent1" accent2="accent2" accent3="accent3" accent4="accent4" accent5="accent5" accent6="accent6" bg1="lt1" bg2="dk2" tx1="dk1" tx2="lt2" folHlink="folHlink" hlink="hlink"/>
+  <p:clrMap bg1="lt1" tx1="dk1" bg2="dk2" tx2="lt2" accent1="accent1" accent2="accent2" accent3="accent3" accent4="accent4" accent5="accent5" accent6="accent6" hlink="hlink" folHlink="folHlink"/>
   <p:notesStyle>
-    <a:defPPr lvl="0" marR="0" rtl="0" algn="l">
+    <a:defPPr marR="0" lvl="0" algn="l" rtl="0">
       <a:lnSpc>
         <a:spcPct val="100000"/>
       </a:lnSpc>
@@ -492,7 +514,7 @@
         <a:spcPts val="0"/>
       </a:spcAft>
     </a:defPPr>
-    <a:lvl1pPr lvl="0" marR="0" rtl="0" algn="l">
+    <a:lvl1pPr marR="0" lvl="0" algn="l" rtl="0">
       <a:lnSpc>
         <a:spcPct val="100000"/>
       </a:lnSpc>
@@ -506,7 +528,7 @@
         <a:srgbClr val="000000"/>
       </a:buClr>
       <a:buFont typeface="Arial"/>
-      <a:defRPr b="0" i="0" sz="1400" u="none" cap="none" strike="noStrike">
+      <a:defRPr sz="1400" b="0" i="0" u="none" strike="noStrike" cap="none">
         <a:solidFill>
           <a:srgbClr val="000000"/>
         </a:solidFill>
@@ -516,7 +538,7 @@
         <a:sym typeface="Arial"/>
       </a:defRPr>
     </a:lvl1pPr>
-    <a:lvl2pPr lvl="1" marR="0" rtl="0" algn="l">
+    <a:lvl2pPr marR="0" lvl="1" algn="l" rtl="0">
       <a:lnSpc>
         <a:spcPct val="100000"/>
       </a:lnSpc>
@@ -530,7 +552,7 @@
         <a:srgbClr val="000000"/>
       </a:buClr>
       <a:buFont typeface="Arial"/>
-      <a:defRPr b="0" i="0" sz="1400" u="none" cap="none" strike="noStrike">
+      <a:defRPr sz="1400" b="0" i="0" u="none" strike="noStrike" cap="none">
         <a:solidFill>
           <a:srgbClr val="000000"/>
         </a:solidFill>
@@ -540,7 +562,7 @@
         <a:sym typeface="Arial"/>
       </a:defRPr>
     </a:lvl2pPr>
-    <a:lvl3pPr lvl="2" marR="0" rtl="0" algn="l">
+    <a:lvl3pPr marR="0" lvl="2" algn="l" rtl="0">
       <a:lnSpc>
         <a:spcPct val="100000"/>
       </a:lnSpc>
@@ -554,7 +576,7 @@
         <a:srgbClr val="000000"/>
       </a:buClr>
       <a:buFont typeface="Arial"/>
-      <a:defRPr b="0" i="0" sz="1400" u="none" cap="none" strike="noStrike">
+      <a:defRPr sz="1400" b="0" i="0" u="none" strike="noStrike" cap="none">
         <a:solidFill>
           <a:srgbClr val="000000"/>
         </a:solidFill>
@@ -564,7 +586,7 @@
         <a:sym typeface="Arial"/>
       </a:defRPr>
     </a:lvl3pPr>
-    <a:lvl4pPr lvl="3" marR="0" rtl="0" algn="l">
+    <a:lvl4pPr marR="0" lvl="3" algn="l" rtl="0">
       <a:lnSpc>
         <a:spcPct val="100000"/>
       </a:lnSpc>
@@ -578,7 +600,7 @@
         <a:srgbClr val="000000"/>
       </a:buClr>
       <a:buFont typeface="Arial"/>
-      <a:defRPr b="0" i="0" sz="1400" u="none" cap="none" strike="noStrike">
+      <a:defRPr sz="1400" b="0" i="0" u="none" strike="noStrike" cap="none">
         <a:solidFill>
           <a:srgbClr val="000000"/>
         </a:solidFill>
@@ -588,7 +610,7 @@
         <a:sym typeface="Arial"/>
       </a:defRPr>
     </a:lvl4pPr>
-    <a:lvl5pPr lvl="4" marR="0" rtl="0" algn="l">
+    <a:lvl5pPr marR="0" lvl="4" algn="l" rtl="0">
       <a:lnSpc>
         <a:spcPct val="100000"/>
       </a:lnSpc>
@@ -602,7 +624,7 @@
         <a:srgbClr val="000000"/>
       </a:buClr>
       <a:buFont typeface="Arial"/>
-      <a:defRPr b="0" i="0" sz="1400" u="none" cap="none" strike="noStrike">
+      <a:defRPr sz="1400" b="0" i="0" u="none" strike="noStrike" cap="none">
         <a:solidFill>
           <a:srgbClr val="000000"/>
         </a:solidFill>
@@ -612,7 +634,7 @@
         <a:sym typeface="Arial"/>
       </a:defRPr>
     </a:lvl5pPr>
-    <a:lvl6pPr lvl="5" marR="0" rtl="0" algn="l">
+    <a:lvl6pPr marR="0" lvl="5" algn="l" rtl="0">
       <a:lnSpc>
         <a:spcPct val="100000"/>
       </a:lnSpc>
@@ -626,7 +648,7 @@
         <a:srgbClr val="000000"/>
       </a:buClr>
       <a:buFont typeface="Arial"/>
-      <a:defRPr b="0" i="0" sz="1400" u="none" cap="none" strike="noStrike">
+      <a:defRPr sz="1400" b="0" i="0" u="none" strike="noStrike" cap="none">
         <a:solidFill>
           <a:srgbClr val="000000"/>
         </a:solidFill>
@@ -636,7 +658,7 @@
         <a:sym typeface="Arial"/>
       </a:defRPr>
     </a:lvl6pPr>
-    <a:lvl7pPr lvl="6" marR="0" rtl="0" algn="l">
+    <a:lvl7pPr marR="0" lvl="6" algn="l" rtl="0">
       <a:lnSpc>
         <a:spcPct val="100000"/>
       </a:lnSpc>
@@ -650,7 +672,7 @@
         <a:srgbClr val="000000"/>
       </a:buClr>
       <a:buFont typeface="Arial"/>
-      <a:defRPr b="0" i="0" sz="1400" u="none" cap="none" strike="noStrike">
+      <a:defRPr sz="1400" b="0" i="0" u="none" strike="noStrike" cap="none">
         <a:solidFill>
           <a:srgbClr val="000000"/>
         </a:solidFill>
@@ -660,7 +682,7 @@
         <a:sym typeface="Arial"/>
       </a:defRPr>
     </a:lvl7pPr>
-    <a:lvl8pPr lvl="7" marR="0" rtl="0" algn="l">
+    <a:lvl8pPr marR="0" lvl="7" algn="l" rtl="0">
       <a:lnSpc>
         <a:spcPct val="100000"/>
       </a:lnSpc>
@@ -674,7 +696,7 @@
         <a:srgbClr val="000000"/>
       </a:buClr>
       <a:buFont typeface="Arial"/>
-      <a:defRPr b="0" i="0" sz="1400" u="none" cap="none" strike="noStrike">
+      <a:defRPr sz="1400" b="0" i="0" u="none" strike="noStrike" cap="none">
         <a:solidFill>
           <a:srgbClr val="000000"/>
         </a:solidFill>
@@ -684,7 +706,7 @@
         <a:sym typeface="Arial"/>
       </a:defRPr>
     </a:lvl8pPr>
-    <a:lvl9pPr lvl="8" marR="0" rtl="0" algn="l">
+    <a:lvl9pPr marR="0" lvl="8" algn="l" rtl="0">
       <a:lnSpc>
         <a:spcPct val="100000"/>
       </a:lnSpc>
@@ -698,7 +720,7 @@
         <a:srgbClr val="000000"/>
       </a:buClr>
       <a:buFont typeface="Arial"/>
-      <a:defRPr b="0" i="0" sz="1400" u="none" cap="none" strike="noStrike">
+      <a:defRPr sz="1400" b="0" i="0" u="none" strike="noStrike" cap="none">
         <a:solidFill>
           <a:srgbClr val="000000"/>
         </a:solidFill>
@@ -713,11 +735,11 @@
 </file>
 
 <file path=ppt/notesSlides/notesSlide1.xml><?xml version="1.0" encoding="utf-8"?>
-<p:notes xmlns:a="http://schemas.openxmlformats.org/drawingml/2006/main" xmlns:r="http://schemas.openxmlformats.org/officeDocument/2006/relationships" xmlns:mc="http://schemas.openxmlformats.org/markup-compatibility/2006" xmlns:mv="urn:schemas-microsoft-com:mac:vml" xmlns:p="http://schemas.openxmlformats.org/presentationml/2006/main" xmlns:c="http://schemas.openxmlformats.org/drawingml/2006/chart" xmlns:dgm="http://schemas.openxmlformats.org/drawingml/2006/diagram" xmlns:o="urn:schemas-microsoft-com:office:office" xmlns:v="urn:schemas-microsoft-com:vml" xmlns:pvml="urn:schemas-microsoft-com:office:powerpoint" xmlns:com="http://schemas.openxmlformats.org/drawingml/2006/compatibility" xmlns:p14="http://schemas.microsoft.com/office/powerpoint/2010/main" xmlns:p15="http://schemas.microsoft.com/office/powerpoint/2012/main" xmlns:ahyp="http://schemas.microsoft.com/office/drawing/2018/hyperlinkcolor" showMasterPhAnim="0" showMasterSp="0">
+<p:notes xmlns:a="http://schemas.openxmlformats.org/drawingml/2006/main" xmlns:r="http://schemas.openxmlformats.org/officeDocument/2006/relationships" xmlns:p="http://schemas.openxmlformats.org/presentationml/2006/main" showMasterSp="0" showMasterPhAnim="0">
   <p:cSld>
     <p:spTree>
       <p:nvGrpSpPr>
-        <p:cNvPr id="82" name="Shape 82"/>
+        <p:cNvPr id="1" name="Shape 82"/>
         <p:cNvGrpSpPr/>
         <p:nvPr/>
       </p:nvGrpSpPr>
@@ -732,9 +754,11 @@
       <p:sp>
         <p:nvSpPr>
           <p:cNvPr id="83" name="Google Shape;83;p:notes"/>
-          <p:cNvSpPr/>
+          <p:cNvSpPr>
+            <a:spLocks noGrp="1" noRot="1" noChangeAspect="1"/>
+          </p:cNvSpPr>
           <p:nvPr>
-            <p:ph idx="2" type="sldImg"/>
+            <p:ph type="sldImg" idx="2"/>
           </p:nvPr>
         </p:nvSpPr>
         <p:spPr>
@@ -743,9 +767,13 @@
             <a:ext cx="6096075" cy="3429000"/>
           </a:xfrm>
           <a:custGeom>
-            <a:rect b="b" l="l" r="r" t="t"/>
+            <a:avLst/>
+            <a:gdLst/>
+            <a:ahLst/>
+            <a:cxnLst/>
+            <a:rect l="l" t="t" r="r" b="b"/>
             <a:pathLst>
-              <a:path extrusionOk="0" h="120000" w="120000">
+              <a:path w="120000" h="120000" extrusionOk="0">
                 <a:moveTo>
                   <a:pt x="0" y="0"/>
                 </a:moveTo>
@@ -767,9 +795,11 @@
       <p:sp>
         <p:nvSpPr>
           <p:cNvPr id="84" name="Google Shape;84;p:notes"/>
-          <p:cNvSpPr txBox="1"/>
+          <p:cNvSpPr txBox="1">
+            <a:spLocks noGrp="1"/>
+          </p:cNvSpPr>
           <p:nvPr>
-            <p:ph idx="1" type="body"/>
+            <p:ph type="body" idx="1"/>
           </p:nvPr>
         </p:nvSpPr>
         <p:spPr>
@@ -782,12 +812,12 @@
           </a:prstGeom>
         </p:spPr>
         <p:txBody>
-          <a:bodyPr anchorCtr="0" anchor="t" bIns="91425" lIns="91425" spcFirstLastPara="1" rIns="91425" wrap="square" tIns="91425">
+          <a:bodyPr spcFirstLastPara="1" wrap="square" lIns="91425" tIns="91425" rIns="91425" bIns="91425" anchor="t" anchorCtr="0">
             <a:noAutofit/>
           </a:bodyPr>
           <a:lstStyle/>
           <a:p>
-            <a:pPr indent="0" lvl="0" marL="0" rtl="0" algn="l">
+            <a:pPr marL="0" lvl="0" indent="0" algn="l" rtl="0">
               <a:spcBef>
                 <a:spcPts val="0"/>
               </a:spcBef>
@@ -796,9 +826,6 @@
               </a:spcAft>
               <a:buNone/>
             </a:pPr>
-            <a:r>
-              <a:t/>
-            </a:r>
             <a:endParaRPr/>
           </a:p>
         </p:txBody>
@@ -812,11 +839,11 @@
 </file>
 
 <file path=ppt/notesSlides/notesSlide10.xml><?xml version="1.0" encoding="utf-8"?>
-<p:notes xmlns:a="http://schemas.openxmlformats.org/drawingml/2006/main" xmlns:r="http://schemas.openxmlformats.org/officeDocument/2006/relationships" xmlns:mc="http://schemas.openxmlformats.org/markup-compatibility/2006" xmlns:mv="urn:schemas-microsoft-com:mac:vml" xmlns:p="http://schemas.openxmlformats.org/presentationml/2006/main" xmlns:c="http://schemas.openxmlformats.org/drawingml/2006/chart" xmlns:dgm="http://schemas.openxmlformats.org/drawingml/2006/diagram" xmlns:o="urn:schemas-microsoft-com:office:office" xmlns:v="urn:schemas-microsoft-com:vml" xmlns:pvml="urn:schemas-microsoft-com:office:powerpoint" xmlns:com="http://schemas.openxmlformats.org/drawingml/2006/compatibility" xmlns:p14="http://schemas.microsoft.com/office/powerpoint/2010/main" xmlns:p15="http://schemas.microsoft.com/office/powerpoint/2012/main" xmlns:ahyp="http://schemas.microsoft.com/office/drawing/2018/hyperlinkcolor" showMasterPhAnim="0" showMasterSp="0">
+<p:notes xmlns:a="http://schemas.openxmlformats.org/drawingml/2006/main" xmlns:r="http://schemas.openxmlformats.org/officeDocument/2006/relationships" xmlns:p="http://schemas.openxmlformats.org/presentationml/2006/main" showMasterSp="0" showMasterPhAnim="0">
   <p:cSld>
     <p:spTree>
       <p:nvGrpSpPr>
-        <p:cNvPr id="137" name="Shape 137"/>
+        <p:cNvPr id="1" name="Shape 137"/>
         <p:cNvGrpSpPr/>
         <p:nvPr/>
       </p:nvGrpSpPr>
@@ -831,9 +858,11 @@
       <p:sp>
         <p:nvSpPr>
           <p:cNvPr id="138" name="Google Shape;138;g22c5853b040_0_6:notes"/>
-          <p:cNvSpPr/>
+          <p:cNvSpPr>
+            <a:spLocks noGrp="1" noRot="1" noChangeAspect="1"/>
+          </p:cNvSpPr>
           <p:nvPr>
-            <p:ph idx="2" type="sldImg"/>
+            <p:ph type="sldImg" idx="2"/>
           </p:nvPr>
         </p:nvSpPr>
         <p:spPr>
@@ -842,9 +871,13 @@
             <a:ext cx="6096000" cy="3429000"/>
           </a:xfrm>
           <a:custGeom>
-            <a:rect b="b" l="l" r="r" t="t"/>
+            <a:avLst/>
+            <a:gdLst/>
+            <a:ahLst/>
+            <a:cxnLst/>
+            <a:rect l="l" t="t" r="r" b="b"/>
             <a:pathLst>
-              <a:path extrusionOk="0" h="120000" w="120000">
+              <a:path w="120000" h="120000" extrusionOk="0">
                 <a:moveTo>
                   <a:pt x="0" y="0"/>
                 </a:moveTo>
@@ -866,9 +899,11 @@
       <p:sp>
         <p:nvSpPr>
           <p:cNvPr id="139" name="Google Shape;139;g22c5853b040_0_6:notes"/>
-          <p:cNvSpPr txBox="1"/>
+          <p:cNvSpPr txBox="1">
+            <a:spLocks noGrp="1"/>
+          </p:cNvSpPr>
           <p:nvPr>
-            <p:ph idx="1" type="body"/>
+            <p:ph type="body" idx="1"/>
           </p:nvPr>
         </p:nvSpPr>
         <p:spPr>
@@ -881,12 +916,12 @@
           </a:prstGeom>
         </p:spPr>
         <p:txBody>
-          <a:bodyPr anchorCtr="0" anchor="t" bIns="91425" lIns="91425" spcFirstLastPara="1" rIns="91425" wrap="square" tIns="91425">
+          <a:bodyPr spcFirstLastPara="1" wrap="square" lIns="91425" tIns="91425" rIns="91425" bIns="91425" anchor="t" anchorCtr="0">
             <a:noAutofit/>
           </a:bodyPr>
           <a:lstStyle/>
           <a:p>
-            <a:pPr indent="0" lvl="0" marL="0" rtl="0" algn="l">
+            <a:pPr marL="0" lvl="0" indent="0" algn="l" rtl="0">
               <a:spcBef>
                 <a:spcPts val="0"/>
               </a:spcBef>
@@ -895,9 +930,6 @@
               </a:spcAft>
               <a:buNone/>
             </a:pPr>
-            <a:r>
-              <a:t/>
-            </a:r>
             <a:endParaRPr/>
           </a:p>
         </p:txBody>
@@ -911,11 +943,11 @@
 </file>
 
 <file path=ppt/notesSlides/notesSlide11.xml><?xml version="1.0" encoding="utf-8"?>
-<p:notes xmlns:a="http://schemas.openxmlformats.org/drawingml/2006/main" xmlns:r="http://schemas.openxmlformats.org/officeDocument/2006/relationships" xmlns:mc="http://schemas.openxmlformats.org/markup-compatibility/2006" xmlns:mv="urn:schemas-microsoft-com:mac:vml" xmlns:p="http://schemas.openxmlformats.org/presentationml/2006/main" xmlns:c="http://schemas.openxmlformats.org/drawingml/2006/chart" xmlns:dgm="http://schemas.openxmlformats.org/drawingml/2006/diagram" xmlns:o="urn:schemas-microsoft-com:office:office" xmlns:v="urn:schemas-microsoft-com:vml" xmlns:pvml="urn:schemas-microsoft-com:office:powerpoint" xmlns:com="http://schemas.openxmlformats.org/drawingml/2006/compatibility" xmlns:p14="http://schemas.microsoft.com/office/powerpoint/2010/main" xmlns:p15="http://schemas.microsoft.com/office/powerpoint/2012/main" xmlns:ahyp="http://schemas.microsoft.com/office/drawing/2018/hyperlinkcolor" showMasterPhAnim="0" showMasterSp="0">
+<p:notes xmlns:a="http://schemas.openxmlformats.org/drawingml/2006/main" xmlns:r="http://schemas.openxmlformats.org/officeDocument/2006/relationships" xmlns:p="http://schemas.openxmlformats.org/presentationml/2006/main" showMasterSp="0" showMasterPhAnim="0">
   <p:cSld>
     <p:spTree>
       <p:nvGrpSpPr>
-        <p:cNvPr id="143" name="Shape 143"/>
+        <p:cNvPr id="1" name="Shape 143"/>
         <p:cNvGrpSpPr/>
         <p:nvPr/>
       </p:nvGrpSpPr>
@@ -930,9 +962,11 @@
       <p:sp>
         <p:nvSpPr>
           <p:cNvPr id="144" name="Google Shape;144;g1188fc2de3a_0_0:notes"/>
-          <p:cNvSpPr/>
+          <p:cNvSpPr>
+            <a:spLocks noGrp="1" noRot="1" noChangeAspect="1"/>
+          </p:cNvSpPr>
           <p:nvPr>
-            <p:ph idx="2" type="sldImg"/>
+            <p:ph type="sldImg" idx="2"/>
           </p:nvPr>
         </p:nvSpPr>
         <p:spPr>
@@ -941,9 +975,13 @@
             <a:ext cx="6096000" cy="3429000"/>
           </a:xfrm>
           <a:custGeom>
-            <a:rect b="b" l="l" r="r" t="t"/>
+            <a:avLst/>
+            <a:gdLst/>
+            <a:ahLst/>
+            <a:cxnLst/>
+            <a:rect l="l" t="t" r="r" b="b"/>
             <a:pathLst>
-              <a:path extrusionOk="0" h="120000" w="120000">
+              <a:path w="120000" h="120000" extrusionOk="0">
                 <a:moveTo>
                   <a:pt x="0" y="0"/>
                 </a:moveTo>
@@ -965,9 +1003,11 @@
       <p:sp>
         <p:nvSpPr>
           <p:cNvPr id="145" name="Google Shape;145;g1188fc2de3a_0_0:notes"/>
-          <p:cNvSpPr txBox="1"/>
+          <p:cNvSpPr txBox="1">
+            <a:spLocks noGrp="1"/>
+          </p:cNvSpPr>
           <p:nvPr>
-            <p:ph idx="1" type="body"/>
+            <p:ph type="body" idx="1"/>
           </p:nvPr>
         </p:nvSpPr>
         <p:spPr>
@@ -980,12 +1020,12 @@
           </a:prstGeom>
         </p:spPr>
         <p:txBody>
-          <a:bodyPr anchorCtr="0" anchor="t" bIns="91425" lIns="91425" spcFirstLastPara="1" rIns="91425" wrap="square" tIns="91425">
+          <a:bodyPr spcFirstLastPara="1" wrap="square" lIns="91425" tIns="91425" rIns="91425" bIns="91425" anchor="t" anchorCtr="0">
             <a:noAutofit/>
           </a:bodyPr>
           <a:lstStyle/>
           <a:p>
-            <a:pPr indent="0" lvl="0" marL="0" rtl="0" algn="l">
+            <a:pPr marL="0" lvl="0" indent="0" algn="l" rtl="0">
               <a:spcBef>
                 <a:spcPts val="0"/>
               </a:spcBef>
@@ -996,16 +1036,12 @@
             </a:pPr>
             <a:r>
               <a:rPr lang="en"/>
-              <a:t>Overleaf </a:t>
-            </a:r>
-            <a:r>
-              <a:rPr lang="en"/>
-              <a:t>早開始學早享受</a:t>
+              <a:t>Overleaf 早開始學早享受</a:t>
             </a:r>
             <a:endParaRPr/>
           </a:p>
           <a:p>
-            <a:pPr indent="0" lvl="0" marL="0" rtl="0" algn="l">
+            <a:pPr marL="0" lvl="0" indent="0" algn="l" rtl="0">
               <a:spcBef>
                 <a:spcPts val="0"/>
               </a:spcBef>
@@ -1031,11 +1067,11 @@
 </file>
 
 <file path=ppt/notesSlides/notesSlide2.xml><?xml version="1.0" encoding="utf-8"?>
-<p:notes xmlns:a="http://schemas.openxmlformats.org/drawingml/2006/main" xmlns:r="http://schemas.openxmlformats.org/officeDocument/2006/relationships" xmlns:mc="http://schemas.openxmlformats.org/markup-compatibility/2006" xmlns:mv="urn:schemas-microsoft-com:mac:vml" xmlns:p="http://schemas.openxmlformats.org/presentationml/2006/main" xmlns:c="http://schemas.openxmlformats.org/drawingml/2006/chart" xmlns:dgm="http://schemas.openxmlformats.org/drawingml/2006/diagram" xmlns:o="urn:schemas-microsoft-com:office:office" xmlns:v="urn:schemas-microsoft-com:vml" xmlns:pvml="urn:schemas-microsoft-com:office:powerpoint" xmlns:com="http://schemas.openxmlformats.org/drawingml/2006/compatibility" xmlns:p14="http://schemas.microsoft.com/office/powerpoint/2010/main" xmlns:p15="http://schemas.microsoft.com/office/powerpoint/2012/main" xmlns:ahyp="http://schemas.microsoft.com/office/drawing/2018/hyperlinkcolor" showMasterPhAnim="0" showMasterSp="0">
+<p:notes xmlns:a="http://schemas.openxmlformats.org/drawingml/2006/main" xmlns:r="http://schemas.openxmlformats.org/officeDocument/2006/relationships" xmlns:p="http://schemas.openxmlformats.org/presentationml/2006/main" showMasterSp="0" showMasterPhAnim="0">
   <p:cSld>
     <p:spTree>
       <p:nvGrpSpPr>
-        <p:cNvPr id="88" name="Shape 88"/>
+        <p:cNvPr id="1" name="Shape 88"/>
         <p:cNvGrpSpPr/>
         <p:nvPr/>
       </p:nvGrpSpPr>
@@ -1050,9 +1086,11 @@
       <p:sp>
         <p:nvSpPr>
           <p:cNvPr id="89" name="Google Shape;89;gc5f44a0c86_0_78:notes"/>
-          <p:cNvSpPr/>
+          <p:cNvSpPr>
+            <a:spLocks noGrp="1" noRot="1" noChangeAspect="1"/>
+          </p:cNvSpPr>
           <p:nvPr>
-            <p:ph idx="2" type="sldImg"/>
+            <p:ph type="sldImg" idx="2"/>
           </p:nvPr>
         </p:nvSpPr>
         <p:spPr>
@@ -1061,9 +1099,13 @@
             <a:ext cx="6096000" cy="3429000"/>
           </a:xfrm>
           <a:custGeom>
-            <a:rect b="b" l="l" r="r" t="t"/>
+            <a:avLst/>
+            <a:gdLst/>
+            <a:ahLst/>
+            <a:cxnLst/>
+            <a:rect l="l" t="t" r="r" b="b"/>
             <a:pathLst>
-              <a:path extrusionOk="0" h="120000" w="120000">
+              <a:path w="120000" h="120000" extrusionOk="0">
                 <a:moveTo>
                   <a:pt x="0" y="0"/>
                 </a:moveTo>
@@ -1085,9 +1127,11 @@
       <p:sp>
         <p:nvSpPr>
           <p:cNvPr id="90" name="Google Shape;90;gc5f44a0c86_0_78:notes"/>
-          <p:cNvSpPr txBox="1"/>
+          <p:cNvSpPr txBox="1">
+            <a:spLocks noGrp="1"/>
+          </p:cNvSpPr>
           <p:nvPr>
-            <p:ph idx="1" type="body"/>
+            <p:ph type="body" idx="1"/>
           </p:nvPr>
         </p:nvSpPr>
         <p:spPr>
@@ -1100,12 +1144,12 @@
           </a:prstGeom>
         </p:spPr>
         <p:txBody>
-          <a:bodyPr anchorCtr="0" anchor="t" bIns="91425" lIns="91425" spcFirstLastPara="1" rIns="91425" wrap="square" tIns="91425">
+          <a:bodyPr spcFirstLastPara="1" wrap="square" lIns="91425" tIns="91425" rIns="91425" bIns="91425" anchor="t" anchorCtr="0">
             <a:noAutofit/>
           </a:bodyPr>
           <a:lstStyle/>
           <a:p>
-            <a:pPr indent="0" lvl="0" marL="0" rtl="0" algn="l">
+            <a:pPr marL="0" lvl="0" indent="0" algn="l" rtl="0">
               <a:spcBef>
                 <a:spcPts val="0"/>
               </a:spcBef>
@@ -1114,9 +1158,6 @@
               </a:spcAft>
               <a:buNone/>
             </a:pPr>
-            <a:r>
-              <a:t/>
-            </a:r>
             <a:endParaRPr/>
           </a:p>
         </p:txBody>
@@ -1130,11 +1171,11 @@
 </file>
 
 <file path=ppt/notesSlides/notesSlide3.xml><?xml version="1.0" encoding="utf-8"?>
-<p:notes xmlns:a="http://schemas.openxmlformats.org/drawingml/2006/main" xmlns:r="http://schemas.openxmlformats.org/officeDocument/2006/relationships" xmlns:mc="http://schemas.openxmlformats.org/markup-compatibility/2006" xmlns:mv="urn:schemas-microsoft-com:mac:vml" xmlns:p="http://schemas.openxmlformats.org/presentationml/2006/main" xmlns:c="http://schemas.openxmlformats.org/drawingml/2006/chart" xmlns:dgm="http://schemas.openxmlformats.org/drawingml/2006/diagram" xmlns:o="urn:schemas-microsoft-com:office:office" xmlns:v="urn:schemas-microsoft-com:vml" xmlns:pvml="urn:schemas-microsoft-com:office:powerpoint" xmlns:com="http://schemas.openxmlformats.org/drawingml/2006/compatibility" xmlns:p14="http://schemas.microsoft.com/office/powerpoint/2010/main" xmlns:p15="http://schemas.microsoft.com/office/powerpoint/2012/main" xmlns:ahyp="http://schemas.microsoft.com/office/drawing/2018/hyperlinkcolor" showMasterPhAnim="0" showMasterSp="0">
+<p:notes xmlns:a="http://schemas.openxmlformats.org/drawingml/2006/main" xmlns:r="http://schemas.openxmlformats.org/officeDocument/2006/relationships" xmlns:p="http://schemas.openxmlformats.org/presentationml/2006/main" showMasterSp="0" showMasterPhAnim="0">
   <p:cSld>
     <p:spTree>
       <p:nvGrpSpPr>
-        <p:cNvPr id="94" name="Shape 94"/>
+        <p:cNvPr id="1" name="Shape 94"/>
         <p:cNvGrpSpPr/>
         <p:nvPr/>
       </p:nvGrpSpPr>
@@ -1149,9 +1190,11 @@
       <p:sp>
         <p:nvSpPr>
           <p:cNvPr id="95" name="Google Shape;95;gc5f44a0c86_0_83:notes"/>
-          <p:cNvSpPr/>
+          <p:cNvSpPr>
+            <a:spLocks noGrp="1" noRot="1" noChangeAspect="1"/>
+          </p:cNvSpPr>
           <p:nvPr>
-            <p:ph idx="2" type="sldImg"/>
+            <p:ph type="sldImg" idx="2"/>
           </p:nvPr>
         </p:nvSpPr>
         <p:spPr>
@@ -1160,9 +1203,13 @@
             <a:ext cx="6096000" cy="3429000"/>
           </a:xfrm>
           <a:custGeom>
-            <a:rect b="b" l="l" r="r" t="t"/>
+            <a:avLst/>
+            <a:gdLst/>
+            <a:ahLst/>
+            <a:cxnLst/>
+            <a:rect l="l" t="t" r="r" b="b"/>
             <a:pathLst>
-              <a:path extrusionOk="0" h="120000" w="120000">
+              <a:path w="120000" h="120000" extrusionOk="0">
                 <a:moveTo>
                   <a:pt x="0" y="0"/>
                 </a:moveTo>
@@ -1184,9 +1231,11 @@
       <p:sp>
         <p:nvSpPr>
           <p:cNvPr id="96" name="Google Shape;96;gc5f44a0c86_0_83:notes"/>
-          <p:cNvSpPr txBox="1"/>
+          <p:cNvSpPr txBox="1">
+            <a:spLocks noGrp="1"/>
+          </p:cNvSpPr>
           <p:nvPr>
-            <p:ph idx="1" type="body"/>
+            <p:ph type="body" idx="1"/>
           </p:nvPr>
         </p:nvSpPr>
         <p:spPr>
@@ -1199,12 +1248,12 @@
           </a:prstGeom>
         </p:spPr>
         <p:txBody>
-          <a:bodyPr anchorCtr="0" anchor="t" bIns="91425" lIns="91425" spcFirstLastPara="1" rIns="91425" wrap="square" tIns="91425">
+          <a:bodyPr spcFirstLastPara="1" wrap="square" lIns="91425" tIns="91425" rIns="91425" bIns="91425" anchor="t" anchorCtr="0">
             <a:noAutofit/>
           </a:bodyPr>
           <a:lstStyle/>
           <a:p>
-            <a:pPr indent="0" lvl="0" marL="0" rtl="0" algn="l">
+            <a:pPr marL="0" lvl="0" indent="0" algn="l" rtl="0">
               <a:spcBef>
                 <a:spcPts val="0"/>
               </a:spcBef>
@@ -1213,9 +1262,6 @@
               </a:spcAft>
               <a:buNone/>
             </a:pPr>
-            <a:r>
-              <a:t/>
-            </a:r>
             <a:endParaRPr/>
           </a:p>
         </p:txBody>
@@ -1229,11 +1275,11 @@
 </file>
 
 <file path=ppt/notesSlides/notesSlide4.xml><?xml version="1.0" encoding="utf-8"?>
-<p:notes xmlns:a="http://schemas.openxmlformats.org/drawingml/2006/main" xmlns:r="http://schemas.openxmlformats.org/officeDocument/2006/relationships" xmlns:mc="http://schemas.openxmlformats.org/markup-compatibility/2006" xmlns:mv="urn:schemas-microsoft-com:mac:vml" xmlns:p="http://schemas.openxmlformats.org/presentationml/2006/main" xmlns:c="http://schemas.openxmlformats.org/drawingml/2006/chart" xmlns:dgm="http://schemas.openxmlformats.org/drawingml/2006/diagram" xmlns:o="urn:schemas-microsoft-com:office:office" xmlns:v="urn:schemas-microsoft-com:vml" xmlns:pvml="urn:schemas-microsoft-com:office:powerpoint" xmlns:com="http://schemas.openxmlformats.org/drawingml/2006/compatibility" xmlns:p14="http://schemas.microsoft.com/office/powerpoint/2010/main" xmlns:p15="http://schemas.microsoft.com/office/powerpoint/2012/main" xmlns:ahyp="http://schemas.microsoft.com/office/drawing/2018/hyperlinkcolor" showMasterPhAnim="0" showMasterSp="0">
+<p:notes xmlns:a="http://schemas.openxmlformats.org/drawingml/2006/main" xmlns:r="http://schemas.openxmlformats.org/officeDocument/2006/relationships" xmlns:p="http://schemas.openxmlformats.org/presentationml/2006/main" showMasterSp="0" showMasterPhAnim="0">
   <p:cSld>
     <p:spTree>
       <p:nvGrpSpPr>
-        <p:cNvPr id="100" name="Shape 100"/>
+        <p:cNvPr id="1" name="Shape 100"/>
         <p:cNvGrpSpPr/>
         <p:nvPr/>
       </p:nvGrpSpPr>
@@ -1248,9 +1294,11 @@
       <p:sp>
         <p:nvSpPr>
           <p:cNvPr id="101" name="Google Shape;101;gc5f44a0c86_0_99:notes"/>
-          <p:cNvSpPr/>
+          <p:cNvSpPr>
+            <a:spLocks noGrp="1" noRot="1" noChangeAspect="1"/>
+          </p:cNvSpPr>
           <p:nvPr>
-            <p:ph idx="2" type="sldImg"/>
+            <p:ph type="sldImg" idx="2"/>
           </p:nvPr>
         </p:nvSpPr>
         <p:spPr>
@@ -1259,9 +1307,13 @@
             <a:ext cx="6096000" cy="3429000"/>
           </a:xfrm>
           <a:custGeom>
-            <a:rect b="b" l="l" r="r" t="t"/>
+            <a:avLst/>
+            <a:gdLst/>
+            <a:ahLst/>
+            <a:cxnLst/>
+            <a:rect l="l" t="t" r="r" b="b"/>
             <a:pathLst>
-              <a:path extrusionOk="0" h="120000" w="120000">
+              <a:path w="120000" h="120000" extrusionOk="0">
                 <a:moveTo>
                   <a:pt x="0" y="0"/>
                 </a:moveTo>
@@ -1283,9 +1335,11 @@
       <p:sp>
         <p:nvSpPr>
           <p:cNvPr id="102" name="Google Shape;102;gc5f44a0c86_0_99:notes"/>
-          <p:cNvSpPr txBox="1"/>
+          <p:cNvSpPr txBox="1">
+            <a:spLocks noGrp="1"/>
+          </p:cNvSpPr>
           <p:nvPr>
-            <p:ph idx="1" type="body"/>
+            <p:ph type="body" idx="1"/>
           </p:nvPr>
         </p:nvSpPr>
         <p:spPr>
@@ -1298,12 +1352,12 @@
           </a:prstGeom>
         </p:spPr>
         <p:txBody>
-          <a:bodyPr anchorCtr="0" anchor="t" bIns="91425" lIns="91425" spcFirstLastPara="1" rIns="91425" wrap="square" tIns="91425">
+          <a:bodyPr spcFirstLastPara="1" wrap="square" lIns="91425" tIns="91425" rIns="91425" bIns="91425" anchor="t" anchorCtr="0">
             <a:noAutofit/>
           </a:bodyPr>
           <a:lstStyle/>
           <a:p>
-            <a:pPr indent="0" lvl="0" marL="0" rtl="0" algn="l">
+            <a:pPr marL="0" lvl="0" indent="0" algn="l" rtl="0">
               <a:spcBef>
                 <a:spcPts val="0"/>
               </a:spcBef>
@@ -1312,9 +1366,6 @@
               </a:spcAft>
               <a:buNone/>
             </a:pPr>
-            <a:r>
-              <a:t/>
-            </a:r>
             <a:endParaRPr/>
           </a:p>
         </p:txBody>
@@ -1328,11 +1379,11 @@
 </file>
 
 <file path=ppt/notesSlides/notesSlide5.xml><?xml version="1.0" encoding="utf-8"?>
-<p:notes xmlns:a="http://schemas.openxmlformats.org/drawingml/2006/main" xmlns:r="http://schemas.openxmlformats.org/officeDocument/2006/relationships" xmlns:mc="http://schemas.openxmlformats.org/markup-compatibility/2006" xmlns:mv="urn:schemas-microsoft-com:mac:vml" xmlns:p="http://schemas.openxmlformats.org/presentationml/2006/main" xmlns:c="http://schemas.openxmlformats.org/drawingml/2006/chart" xmlns:dgm="http://schemas.openxmlformats.org/drawingml/2006/diagram" xmlns:o="urn:schemas-microsoft-com:office:office" xmlns:v="urn:schemas-microsoft-com:vml" xmlns:pvml="urn:schemas-microsoft-com:office:powerpoint" xmlns:com="http://schemas.openxmlformats.org/drawingml/2006/compatibility" xmlns:p14="http://schemas.microsoft.com/office/powerpoint/2010/main" xmlns:p15="http://schemas.microsoft.com/office/powerpoint/2012/main" xmlns:ahyp="http://schemas.microsoft.com/office/drawing/2018/hyperlinkcolor" showMasterPhAnim="0" showMasterSp="0">
+<p:notes xmlns:a="http://schemas.openxmlformats.org/drawingml/2006/main" xmlns:r="http://schemas.openxmlformats.org/officeDocument/2006/relationships" xmlns:p="http://schemas.openxmlformats.org/presentationml/2006/main" showMasterSp="0" showMasterPhAnim="0">
   <p:cSld>
     <p:spTree>
       <p:nvGrpSpPr>
-        <p:cNvPr id="106" name="Shape 106"/>
+        <p:cNvPr id="1" name="Shape 106"/>
         <p:cNvGrpSpPr/>
         <p:nvPr/>
       </p:nvGrpSpPr>
@@ -1347,9 +1398,11 @@
       <p:sp>
         <p:nvSpPr>
           <p:cNvPr id="107" name="Google Shape;107;gc5f44a0c86_0_104:notes"/>
-          <p:cNvSpPr/>
+          <p:cNvSpPr>
+            <a:spLocks noGrp="1" noRot="1" noChangeAspect="1"/>
+          </p:cNvSpPr>
           <p:nvPr>
-            <p:ph idx="2" type="sldImg"/>
+            <p:ph type="sldImg" idx="2"/>
           </p:nvPr>
         </p:nvSpPr>
         <p:spPr>
@@ -1358,9 +1411,13 @@
             <a:ext cx="6096000" cy="3429000"/>
           </a:xfrm>
           <a:custGeom>
-            <a:rect b="b" l="l" r="r" t="t"/>
+            <a:avLst/>
+            <a:gdLst/>
+            <a:ahLst/>
+            <a:cxnLst/>
+            <a:rect l="l" t="t" r="r" b="b"/>
             <a:pathLst>
-              <a:path extrusionOk="0" h="120000" w="120000">
+              <a:path w="120000" h="120000" extrusionOk="0">
                 <a:moveTo>
                   <a:pt x="0" y="0"/>
                 </a:moveTo>
@@ -1382,9 +1439,11 @@
       <p:sp>
         <p:nvSpPr>
           <p:cNvPr id="108" name="Google Shape;108;gc5f44a0c86_0_104:notes"/>
-          <p:cNvSpPr txBox="1"/>
+          <p:cNvSpPr txBox="1">
+            <a:spLocks noGrp="1"/>
+          </p:cNvSpPr>
           <p:nvPr>
-            <p:ph idx="1" type="body"/>
+            <p:ph type="body" idx="1"/>
           </p:nvPr>
         </p:nvSpPr>
         <p:spPr>
@@ -1397,12 +1456,12 @@
           </a:prstGeom>
         </p:spPr>
         <p:txBody>
-          <a:bodyPr anchorCtr="0" anchor="t" bIns="91425" lIns="91425" spcFirstLastPara="1" rIns="91425" wrap="square" tIns="91425">
+          <a:bodyPr spcFirstLastPara="1" wrap="square" lIns="91425" tIns="91425" rIns="91425" bIns="91425" anchor="t" anchorCtr="0">
             <a:noAutofit/>
           </a:bodyPr>
           <a:lstStyle/>
           <a:p>
-            <a:pPr indent="0" lvl="0" marL="0" rtl="0" algn="l">
+            <a:pPr marL="0" lvl="0" indent="0" algn="l" rtl="0">
               <a:spcBef>
                 <a:spcPts val="0"/>
               </a:spcBef>
@@ -1411,9 +1470,6 @@
               </a:spcAft>
               <a:buNone/>
             </a:pPr>
-            <a:r>
-              <a:t/>
-            </a:r>
             <a:endParaRPr/>
           </a:p>
         </p:txBody>
@@ -1427,11 +1483,11 @@
 </file>
 
 <file path=ppt/notesSlides/notesSlide6.xml><?xml version="1.0" encoding="utf-8"?>
-<p:notes xmlns:a="http://schemas.openxmlformats.org/drawingml/2006/main" xmlns:r="http://schemas.openxmlformats.org/officeDocument/2006/relationships" xmlns:mc="http://schemas.openxmlformats.org/markup-compatibility/2006" xmlns:mv="urn:schemas-microsoft-com:mac:vml" xmlns:p="http://schemas.openxmlformats.org/presentationml/2006/main" xmlns:c="http://schemas.openxmlformats.org/drawingml/2006/chart" xmlns:dgm="http://schemas.openxmlformats.org/drawingml/2006/diagram" xmlns:o="urn:schemas-microsoft-com:office:office" xmlns:v="urn:schemas-microsoft-com:vml" xmlns:pvml="urn:schemas-microsoft-com:office:powerpoint" xmlns:com="http://schemas.openxmlformats.org/drawingml/2006/compatibility" xmlns:p14="http://schemas.microsoft.com/office/powerpoint/2010/main" xmlns:p15="http://schemas.microsoft.com/office/powerpoint/2012/main" xmlns:ahyp="http://schemas.microsoft.com/office/drawing/2018/hyperlinkcolor" showMasterPhAnim="0" showMasterSp="0">
+<p:notes xmlns:a="http://schemas.openxmlformats.org/drawingml/2006/main" xmlns:r="http://schemas.openxmlformats.org/officeDocument/2006/relationships" xmlns:p="http://schemas.openxmlformats.org/presentationml/2006/main" showMasterSp="0" showMasterPhAnim="0">
   <p:cSld>
     <p:spTree>
       <p:nvGrpSpPr>
-        <p:cNvPr id="112" name="Shape 112"/>
+        <p:cNvPr id="1" name="Shape 112"/>
         <p:cNvGrpSpPr/>
         <p:nvPr/>
       </p:nvGrpSpPr>
@@ -1446,9 +1502,11 @@
       <p:sp>
         <p:nvSpPr>
           <p:cNvPr id="113" name="Google Shape;113;g11a1ba6c4e0_0_0:notes"/>
-          <p:cNvSpPr/>
+          <p:cNvSpPr>
+            <a:spLocks noGrp="1" noRot="1" noChangeAspect="1"/>
+          </p:cNvSpPr>
           <p:nvPr>
-            <p:ph idx="2" type="sldImg"/>
+            <p:ph type="sldImg" idx="2"/>
           </p:nvPr>
         </p:nvSpPr>
         <p:spPr>
@@ -1457,9 +1515,13 @@
             <a:ext cx="6096000" cy="3429000"/>
           </a:xfrm>
           <a:custGeom>
-            <a:rect b="b" l="l" r="r" t="t"/>
+            <a:avLst/>
+            <a:gdLst/>
+            <a:ahLst/>
+            <a:cxnLst/>
+            <a:rect l="l" t="t" r="r" b="b"/>
             <a:pathLst>
-              <a:path extrusionOk="0" h="120000" w="120000">
+              <a:path w="120000" h="120000" extrusionOk="0">
                 <a:moveTo>
                   <a:pt x="0" y="0"/>
                 </a:moveTo>
@@ -1481,9 +1543,11 @@
       <p:sp>
         <p:nvSpPr>
           <p:cNvPr id="114" name="Google Shape;114;g11a1ba6c4e0_0_0:notes"/>
-          <p:cNvSpPr txBox="1"/>
+          <p:cNvSpPr txBox="1">
+            <a:spLocks noGrp="1"/>
+          </p:cNvSpPr>
           <p:nvPr>
-            <p:ph idx="1" type="body"/>
+            <p:ph type="body" idx="1"/>
           </p:nvPr>
         </p:nvSpPr>
         <p:spPr>
@@ -1496,12 +1560,12 @@
           </a:prstGeom>
         </p:spPr>
         <p:txBody>
-          <a:bodyPr anchorCtr="0" anchor="t" bIns="91425" lIns="91425" spcFirstLastPara="1" rIns="91425" wrap="square" tIns="91425">
+          <a:bodyPr spcFirstLastPara="1" wrap="square" lIns="91425" tIns="91425" rIns="91425" bIns="91425" anchor="t" anchorCtr="0">
             <a:noAutofit/>
           </a:bodyPr>
           <a:lstStyle/>
           <a:p>
-            <a:pPr indent="0" lvl="0" marL="0" rtl="0" algn="l">
+            <a:pPr marL="0" lvl="0" indent="0" algn="l" rtl="0">
               <a:spcBef>
                 <a:spcPts val="0"/>
               </a:spcBef>
@@ -1510,9 +1574,6 @@
               </a:spcAft>
               <a:buNone/>
             </a:pPr>
-            <a:r>
-              <a:t/>
-            </a:r>
             <a:endParaRPr/>
           </a:p>
         </p:txBody>
@@ -1526,11 +1587,11 @@
 </file>
 
 <file path=ppt/notesSlides/notesSlide7.xml><?xml version="1.0" encoding="utf-8"?>
-<p:notes xmlns:a="http://schemas.openxmlformats.org/drawingml/2006/main" xmlns:r="http://schemas.openxmlformats.org/officeDocument/2006/relationships" xmlns:mc="http://schemas.openxmlformats.org/markup-compatibility/2006" xmlns:mv="urn:schemas-microsoft-com:mac:vml" xmlns:p="http://schemas.openxmlformats.org/presentationml/2006/main" xmlns:c="http://schemas.openxmlformats.org/drawingml/2006/chart" xmlns:dgm="http://schemas.openxmlformats.org/drawingml/2006/diagram" xmlns:o="urn:schemas-microsoft-com:office:office" xmlns:v="urn:schemas-microsoft-com:vml" xmlns:pvml="urn:schemas-microsoft-com:office:powerpoint" xmlns:com="http://schemas.openxmlformats.org/drawingml/2006/compatibility" xmlns:p14="http://schemas.microsoft.com/office/powerpoint/2010/main" xmlns:p15="http://schemas.microsoft.com/office/powerpoint/2012/main" xmlns:ahyp="http://schemas.microsoft.com/office/drawing/2018/hyperlinkcolor" showMasterPhAnim="0" showMasterSp="0">
+<p:notes xmlns:a="http://schemas.openxmlformats.org/drawingml/2006/main" xmlns:r="http://schemas.openxmlformats.org/officeDocument/2006/relationships" xmlns:p="http://schemas.openxmlformats.org/presentationml/2006/main" showMasterSp="0" showMasterPhAnim="0">
   <p:cSld>
     <p:spTree>
       <p:nvGrpSpPr>
-        <p:cNvPr id="118" name="Shape 118"/>
+        <p:cNvPr id="1" name="Shape 118"/>
         <p:cNvGrpSpPr/>
         <p:nvPr/>
       </p:nvGrpSpPr>
@@ -1545,9 +1606,11 @@
       <p:sp>
         <p:nvSpPr>
           <p:cNvPr id="119" name="Google Shape;119;gc5f44a0c86_0_111:notes"/>
-          <p:cNvSpPr/>
+          <p:cNvSpPr>
+            <a:spLocks noGrp="1" noRot="1" noChangeAspect="1"/>
+          </p:cNvSpPr>
           <p:nvPr>
-            <p:ph idx="2" type="sldImg"/>
+            <p:ph type="sldImg" idx="2"/>
           </p:nvPr>
         </p:nvSpPr>
         <p:spPr>
@@ -1556,9 +1619,13 @@
             <a:ext cx="6096000" cy="3429000"/>
           </a:xfrm>
           <a:custGeom>
-            <a:rect b="b" l="l" r="r" t="t"/>
+            <a:avLst/>
+            <a:gdLst/>
+            <a:ahLst/>
+            <a:cxnLst/>
+            <a:rect l="l" t="t" r="r" b="b"/>
             <a:pathLst>
-              <a:path extrusionOk="0" h="120000" w="120000">
+              <a:path w="120000" h="120000" extrusionOk="0">
                 <a:moveTo>
                   <a:pt x="0" y="0"/>
                 </a:moveTo>
@@ -1580,9 +1647,11 @@
       <p:sp>
         <p:nvSpPr>
           <p:cNvPr id="120" name="Google Shape;120;gc5f44a0c86_0_111:notes"/>
-          <p:cNvSpPr txBox="1"/>
+          <p:cNvSpPr txBox="1">
+            <a:spLocks noGrp="1"/>
+          </p:cNvSpPr>
           <p:nvPr>
-            <p:ph idx="1" type="body"/>
+            <p:ph type="body" idx="1"/>
           </p:nvPr>
         </p:nvSpPr>
         <p:spPr>
@@ -1595,12 +1664,12 @@
           </a:prstGeom>
         </p:spPr>
         <p:txBody>
-          <a:bodyPr anchorCtr="0" anchor="t" bIns="91425" lIns="91425" spcFirstLastPara="1" rIns="91425" wrap="square" tIns="91425">
+          <a:bodyPr spcFirstLastPara="1" wrap="square" lIns="91425" tIns="91425" rIns="91425" bIns="91425" anchor="t" anchorCtr="0">
             <a:noAutofit/>
           </a:bodyPr>
           <a:lstStyle/>
           <a:p>
-            <a:pPr indent="0" lvl="0" marL="0" rtl="0" algn="l">
+            <a:pPr marL="0" lvl="0" indent="0" algn="l" rtl="0">
               <a:spcBef>
                 <a:spcPts val="0"/>
               </a:spcBef>
@@ -1609,9 +1678,6 @@
               </a:spcAft>
               <a:buNone/>
             </a:pPr>
-            <a:r>
-              <a:t/>
-            </a:r>
             <a:endParaRPr/>
           </a:p>
         </p:txBody>
@@ -1625,11 +1691,11 @@
 </file>
 
 <file path=ppt/notesSlides/notesSlide8.xml><?xml version="1.0" encoding="utf-8"?>
-<p:notes xmlns:a="http://schemas.openxmlformats.org/drawingml/2006/main" xmlns:r="http://schemas.openxmlformats.org/officeDocument/2006/relationships" xmlns:mc="http://schemas.openxmlformats.org/markup-compatibility/2006" xmlns:mv="urn:schemas-microsoft-com:mac:vml" xmlns:p="http://schemas.openxmlformats.org/presentationml/2006/main" xmlns:c="http://schemas.openxmlformats.org/drawingml/2006/chart" xmlns:dgm="http://schemas.openxmlformats.org/drawingml/2006/diagram" xmlns:o="urn:schemas-microsoft-com:office:office" xmlns:v="urn:schemas-microsoft-com:vml" xmlns:pvml="urn:schemas-microsoft-com:office:powerpoint" xmlns:com="http://schemas.openxmlformats.org/drawingml/2006/compatibility" xmlns:p14="http://schemas.microsoft.com/office/powerpoint/2010/main" xmlns:p15="http://schemas.microsoft.com/office/powerpoint/2012/main" xmlns:ahyp="http://schemas.microsoft.com/office/drawing/2018/hyperlinkcolor" showMasterPhAnim="0" showMasterSp="0">
+<p:notes xmlns:a="http://schemas.openxmlformats.org/drawingml/2006/main" xmlns:r="http://schemas.openxmlformats.org/officeDocument/2006/relationships" xmlns:p="http://schemas.openxmlformats.org/presentationml/2006/main" showMasterSp="0" showMasterPhAnim="0">
   <p:cSld>
     <p:spTree>
       <p:nvGrpSpPr>
-        <p:cNvPr id="123" name="Shape 123"/>
+        <p:cNvPr id="1" name="Shape 123"/>
         <p:cNvGrpSpPr/>
         <p:nvPr/>
       </p:nvGrpSpPr>
@@ -1644,9 +1710,11 @@
       <p:sp>
         <p:nvSpPr>
           <p:cNvPr id="124" name="Google Shape;124;g22c504928a9_0_0:notes"/>
-          <p:cNvSpPr/>
+          <p:cNvSpPr>
+            <a:spLocks noGrp="1" noRot="1" noChangeAspect="1"/>
+          </p:cNvSpPr>
           <p:nvPr>
-            <p:ph idx="2" type="sldImg"/>
+            <p:ph type="sldImg" idx="2"/>
           </p:nvPr>
         </p:nvSpPr>
         <p:spPr>
@@ -1655,9 +1723,13 @@
             <a:ext cx="6096000" cy="3429000"/>
           </a:xfrm>
           <a:custGeom>
-            <a:rect b="b" l="l" r="r" t="t"/>
+            <a:avLst/>
+            <a:gdLst/>
+            <a:ahLst/>
+            <a:cxnLst/>
+            <a:rect l="l" t="t" r="r" b="b"/>
             <a:pathLst>
-              <a:path extrusionOk="0" h="120000" w="120000">
+              <a:path w="120000" h="120000" extrusionOk="0">
                 <a:moveTo>
                   <a:pt x="0" y="0"/>
                 </a:moveTo>
@@ -1679,9 +1751,11 @@
       <p:sp>
         <p:nvSpPr>
           <p:cNvPr id="125" name="Google Shape;125;g22c504928a9_0_0:notes"/>
-          <p:cNvSpPr txBox="1"/>
+          <p:cNvSpPr txBox="1">
+            <a:spLocks noGrp="1"/>
+          </p:cNvSpPr>
           <p:nvPr>
-            <p:ph idx="1" type="body"/>
+            <p:ph type="body" idx="1"/>
           </p:nvPr>
         </p:nvSpPr>
         <p:spPr>
@@ -1694,12 +1768,12 @@
           </a:prstGeom>
         </p:spPr>
         <p:txBody>
-          <a:bodyPr anchorCtr="0" anchor="t" bIns="91425" lIns="91425" spcFirstLastPara="1" rIns="91425" wrap="square" tIns="91425">
+          <a:bodyPr spcFirstLastPara="1" wrap="square" lIns="91425" tIns="91425" rIns="91425" bIns="91425" anchor="t" anchorCtr="0">
             <a:noAutofit/>
           </a:bodyPr>
           <a:lstStyle/>
           <a:p>
-            <a:pPr indent="0" lvl="0" marL="0" rtl="0" algn="l">
+            <a:pPr marL="0" lvl="0" indent="0" algn="l" rtl="0">
               <a:spcBef>
                 <a:spcPts val="0"/>
               </a:spcBef>
@@ -1708,9 +1782,6 @@
               </a:spcAft>
               <a:buNone/>
             </a:pPr>
-            <a:r>
-              <a:t/>
-            </a:r>
             <a:endParaRPr/>
           </a:p>
         </p:txBody>
@@ -1724,11 +1795,11 @@
 </file>
 
 <file path=ppt/notesSlides/notesSlide9.xml><?xml version="1.0" encoding="utf-8"?>
-<p:notes xmlns:a="http://schemas.openxmlformats.org/drawingml/2006/main" xmlns:r="http://schemas.openxmlformats.org/officeDocument/2006/relationships" xmlns:mc="http://schemas.openxmlformats.org/markup-compatibility/2006" xmlns:mv="urn:schemas-microsoft-com:mac:vml" xmlns:p="http://schemas.openxmlformats.org/presentationml/2006/main" xmlns:c="http://schemas.openxmlformats.org/drawingml/2006/chart" xmlns:dgm="http://schemas.openxmlformats.org/drawingml/2006/diagram" xmlns:o="urn:schemas-microsoft-com:office:office" xmlns:v="urn:schemas-microsoft-com:vml" xmlns:pvml="urn:schemas-microsoft-com:office:powerpoint" xmlns:com="http://schemas.openxmlformats.org/drawingml/2006/compatibility" xmlns:p14="http://schemas.microsoft.com/office/powerpoint/2010/main" xmlns:p15="http://schemas.microsoft.com/office/powerpoint/2012/main" xmlns:ahyp="http://schemas.microsoft.com/office/drawing/2018/hyperlinkcolor" showMasterPhAnim="0" showMasterSp="0">
+<p:notes xmlns:a="http://schemas.openxmlformats.org/drawingml/2006/main" xmlns:r="http://schemas.openxmlformats.org/officeDocument/2006/relationships" xmlns:p="http://schemas.openxmlformats.org/presentationml/2006/main" showMasterSp="0" showMasterPhAnim="0">
   <p:cSld>
     <p:spTree>
       <p:nvGrpSpPr>
-        <p:cNvPr id="130" name="Shape 130"/>
+        <p:cNvPr id="1" name="Shape 130"/>
         <p:cNvGrpSpPr/>
         <p:nvPr/>
       </p:nvGrpSpPr>
@@ -1743,9 +1814,11 @@
       <p:sp>
         <p:nvSpPr>
           <p:cNvPr id="131" name="Google Shape;131;g22c5853b040_0_0:notes"/>
-          <p:cNvSpPr/>
+          <p:cNvSpPr>
+            <a:spLocks noGrp="1" noRot="1" noChangeAspect="1"/>
+          </p:cNvSpPr>
           <p:nvPr>
-            <p:ph idx="2" type="sldImg"/>
+            <p:ph type="sldImg" idx="2"/>
           </p:nvPr>
         </p:nvSpPr>
         <p:spPr>
@@ -1754,9 +1827,13 @@
             <a:ext cx="6096000" cy="3429000"/>
           </a:xfrm>
           <a:custGeom>
-            <a:rect b="b" l="l" r="r" t="t"/>
+            <a:avLst/>
+            <a:gdLst/>
+            <a:ahLst/>
+            <a:cxnLst/>
+            <a:rect l="l" t="t" r="r" b="b"/>
             <a:pathLst>
-              <a:path extrusionOk="0" h="120000" w="120000">
+              <a:path w="120000" h="120000" extrusionOk="0">
                 <a:moveTo>
                   <a:pt x="0" y="0"/>
                 </a:moveTo>
@@ -1778,9 +1855,11 @@
       <p:sp>
         <p:nvSpPr>
           <p:cNvPr id="132" name="Google Shape;132;g22c5853b040_0_0:notes"/>
-          <p:cNvSpPr txBox="1"/>
+          <p:cNvSpPr txBox="1">
+            <a:spLocks noGrp="1"/>
+          </p:cNvSpPr>
           <p:nvPr>
-            <p:ph idx="1" type="body"/>
+            <p:ph type="body" idx="1"/>
           </p:nvPr>
         </p:nvSpPr>
         <p:spPr>
@@ -1793,12 +1872,12 @@
           </a:prstGeom>
         </p:spPr>
         <p:txBody>
-          <a:bodyPr anchorCtr="0" anchor="t" bIns="91425" lIns="91425" spcFirstLastPara="1" rIns="91425" wrap="square" tIns="91425">
+          <a:bodyPr spcFirstLastPara="1" wrap="square" lIns="91425" tIns="91425" rIns="91425" bIns="91425" anchor="t" anchorCtr="0">
             <a:noAutofit/>
           </a:bodyPr>
           <a:lstStyle/>
           <a:p>
-            <a:pPr indent="0" lvl="0" marL="0" rtl="0" algn="l">
+            <a:pPr marL="0" lvl="0" indent="0" algn="l" rtl="0">
               <a:spcBef>
                 <a:spcPts val="0"/>
               </a:spcBef>
@@ -1807,9 +1886,6 @@
               </a:spcAft>
               <a:buNone/>
             </a:pPr>
-            <a:r>
-              <a:t/>
-            </a:r>
             <a:endParaRPr/>
           </a:p>
         </p:txBody>
@@ -1823,18 +1899,19 @@
 </file>
 
 <file path=ppt/slideLayouts/slideLayout1.xml><?xml version="1.0" encoding="utf-8"?>
-<p:sldLayout xmlns:a="http://schemas.openxmlformats.org/drawingml/2006/main" xmlns:r="http://schemas.openxmlformats.org/officeDocument/2006/relationships" xmlns:mc="http://schemas.openxmlformats.org/markup-compatibility/2006" xmlns:mv="urn:schemas-microsoft-com:mac:vml" xmlns:p="http://schemas.openxmlformats.org/presentationml/2006/main" xmlns:c="http://schemas.openxmlformats.org/drawingml/2006/chart" xmlns:dgm="http://schemas.openxmlformats.org/drawingml/2006/diagram" xmlns:o="urn:schemas-microsoft-com:office:office" xmlns:v="urn:schemas-microsoft-com:vml" xmlns:pvml="urn:schemas-microsoft-com:office:powerpoint" xmlns:com="http://schemas.openxmlformats.org/drawingml/2006/compatibility" xmlns:p14="http://schemas.microsoft.com/office/powerpoint/2010/main" xmlns:p15="http://schemas.microsoft.com/office/powerpoint/2012/main" xmlns:ahyp="http://schemas.microsoft.com/office/drawing/2018/hyperlinkcolor" matchingName="Title slide" type="title">
+<p:sldLayout xmlns:a="http://schemas.openxmlformats.org/drawingml/2006/main" xmlns:r="http://schemas.openxmlformats.org/officeDocument/2006/relationships" xmlns:p="http://schemas.openxmlformats.org/presentationml/2006/main" matchingName="Title slide" type="title">
   <p:cSld name="TITLE">
     <p:bg>
       <p:bgPr>
         <a:solidFill>
           <a:schemeClr val="lt2"/>
         </a:solidFill>
+        <a:effectLst/>
       </p:bgPr>
     </p:bg>
     <p:spTree>
       <p:nvGrpSpPr>
-        <p:cNvPr id="9" name="Shape 9"/>
+        <p:cNvPr id="1" name="Shape 9"/>
         <p:cNvGrpSpPr/>
         <p:nvPr/>
       </p:nvGrpSpPr>
@@ -1868,12 +1945,12 @@
           </a:ln>
         </p:spPr>
         <p:txBody>
-          <a:bodyPr anchorCtr="0" anchor="ctr" bIns="91425" lIns="91425" spcFirstLastPara="1" rIns="91425" wrap="square" tIns="91425">
+          <a:bodyPr spcFirstLastPara="1" wrap="square" lIns="91425" tIns="91425" rIns="91425" bIns="91425" anchor="ctr" anchorCtr="0">
             <a:noAutofit/>
           </a:bodyPr>
           <a:lstStyle/>
           <a:p>
-            <a:pPr indent="0" lvl="0" marL="0" rtl="0" algn="l">
+            <a:pPr marL="0" lvl="0" indent="0" algn="l" rtl="0">
               <a:spcBef>
                 <a:spcPts val="0"/>
               </a:spcBef>
@@ -1882,9 +1959,6 @@
               </a:spcAft>
               <a:buNone/>
             </a:pPr>
-            <a:r>
-              <a:t/>
-            </a:r>
             <a:endParaRPr/>
           </a:p>
         </p:txBody>
@@ -1925,12 +1999,12 @@
             </a:ln>
           </p:spPr>
           <p:txBody>
-            <a:bodyPr anchorCtr="0" anchor="ctr" bIns="91425" lIns="91425" spcFirstLastPara="1" rIns="91425" wrap="square" tIns="91425">
+            <a:bodyPr spcFirstLastPara="1" wrap="square" lIns="91425" tIns="91425" rIns="91425" bIns="91425" anchor="ctr" anchorCtr="0">
               <a:noAutofit/>
             </a:bodyPr>
             <a:lstStyle/>
             <a:p>
-              <a:pPr indent="0" lvl="0" marL="0" rtl="0" algn="l">
+              <a:pPr marL="0" lvl="0" indent="0" algn="l" rtl="0">
                 <a:spcBef>
                   <a:spcPts val="0"/>
                 </a:spcBef>
@@ -1939,9 +2013,6 @@
                 </a:spcAft>
                 <a:buNone/>
               </a:pPr>
-              <a:r>
-                <a:t/>
-              </a:r>
               <a:endParaRPr/>
             </a:p>
           </p:txBody>
@@ -1968,12 +2039,12 @@
             </a:ln>
           </p:spPr>
           <p:txBody>
-            <a:bodyPr anchorCtr="0" anchor="ctr" bIns="91425" lIns="91425" spcFirstLastPara="1" rIns="91425" wrap="square" tIns="91425">
+            <a:bodyPr spcFirstLastPara="1" wrap="square" lIns="91425" tIns="91425" rIns="91425" bIns="91425" anchor="ctr" anchorCtr="0">
               <a:noAutofit/>
             </a:bodyPr>
             <a:lstStyle/>
             <a:p>
-              <a:pPr indent="0" lvl="0" marL="0" rtl="0" algn="l">
+              <a:pPr marL="0" lvl="0" indent="0" algn="l" rtl="0">
                 <a:spcBef>
                   <a:spcPts val="0"/>
                 </a:spcBef>
@@ -1982,9 +2053,6 @@
                 </a:spcAft>
                 <a:buNone/>
               </a:pPr>
-              <a:r>
-                <a:t/>
-              </a:r>
               <a:endParaRPr/>
             </a:p>
           </p:txBody>
@@ -1993,7 +2061,9 @@
       <p:sp>
         <p:nvSpPr>
           <p:cNvPr id="14" name="Google Shape;14;p2"/>
-          <p:cNvSpPr txBox="1"/>
+          <p:cNvSpPr txBox="1">
+            <a:spLocks noGrp="1"/>
+          </p:cNvSpPr>
           <p:nvPr>
             <p:ph type="ctrTitle"/>
           </p:nvPr>
@@ -2008,7 +2078,7 @@
           </a:prstGeom>
         </p:spPr>
         <p:txBody>
-          <a:bodyPr anchorCtr="0" anchor="t" bIns="91425" lIns="91425" spcFirstLastPara="1" rIns="91425" wrap="square" tIns="91425">
+          <a:bodyPr spcFirstLastPara="1" wrap="square" lIns="91425" tIns="91425" rIns="91425" bIns="91425" anchor="t" anchorCtr="0">
             <a:normAutofit/>
           </a:bodyPr>
           <a:lstStyle>
@@ -2112,15 +2182,19 @@
               <a:defRPr sz="4200"/>
             </a:lvl9pPr>
           </a:lstStyle>
-          <a:p/>
+          <a:p>
+            <a:endParaRPr/>
+          </a:p>
         </p:txBody>
       </p:sp>
       <p:sp>
         <p:nvSpPr>
           <p:cNvPr id="15" name="Google Shape;15;p2"/>
-          <p:cNvSpPr txBox="1"/>
+          <p:cNvSpPr txBox="1">
+            <a:spLocks noGrp="1"/>
+          </p:cNvSpPr>
           <p:nvPr>
-            <p:ph idx="1" type="subTitle"/>
+            <p:ph type="subTitle" idx="1"/>
           </p:nvPr>
         </p:nvSpPr>
         <p:spPr>
@@ -2133,7 +2207,7 @@
           </a:prstGeom>
         </p:spPr>
         <p:txBody>
-          <a:bodyPr anchorCtr="0" anchor="t" bIns="91425" lIns="91425" spcFirstLastPara="1" rIns="91425" wrap="square" tIns="91425">
+          <a:bodyPr spcFirstLastPara="1" wrap="square" lIns="91425" tIns="91425" rIns="91425" bIns="91425" anchor="t" anchorCtr="0">
             <a:normAutofit/>
           </a:bodyPr>
           <a:lstStyle>
@@ -2264,15 +2338,19 @@
               <a:defRPr sz="1600"/>
             </a:lvl9pPr>
           </a:lstStyle>
-          <a:p/>
+          <a:p>
+            <a:endParaRPr/>
+          </a:p>
         </p:txBody>
       </p:sp>
       <p:sp>
         <p:nvSpPr>
           <p:cNvPr id="16" name="Google Shape;16;p2"/>
-          <p:cNvSpPr txBox="1"/>
+          <p:cNvSpPr txBox="1">
+            <a:spLocks noGrp="1"/>
+          </p:cNvSpPr>
           <p:nvPr>
-            <p:ph idx="12" type="sldNum"/>
+            <p:ph type="sldNum" idx="12"/>
           </p:nvPr>
         </p:nvSpPr>
         <p:spPr>
@@ -2285,7 +2363,7 @@
           </a:prstGeom>
         </p:spPr>
         <p:txBody>
-          <a:bodyPr anchorCtr="0" anchor="ctr" bIns="91425" lIns="91425" spcFirstLastPara="1" rIns="91425" wrap="square" tIns="91425">
+          <a:bodyPr spcFirstLastPara="1" wrap="square" lIns="91425" tIns="91425" rIns="91425" bIns="91425" anchor="ctr" anchorCtr="0">
             <a:normAutofit/>
           </a:bodyPr>
           <a:lstStyle>
@@ -2327,7 +2405,7 @@
             </a:lvl9pPr>
           </a:lstStyle>
           <a:p>
-            <a:pPr indent="0" lvl="0" marL="0" rtl="0" algn="r">
+            <a:pPr marL="0" lvl="0" indent="0" algn="r" rtl="0">
               <a:spcBef>
                 <a:spcPts val="0"/>
               </a:spcBef>
@@ -2353,18 +2431,19 @@
 </file>
 
 <file path=ppt/slideLayouts/slideLayout10.xml><?xml version="1.0" encoding="utf-8"?>
-<p:sldLayout xmlns:a="http://schemas.openxmlformats.org/drawingml/2006/main" xmlns:r="http://schemas.openxmlformats.org/officeDocument/2006/relationships" xmlns:mc="http://schemas.openxmlformats.org/markup-compatibility/2006" xmlns:mv="urn:schemas-microsoft-com:mac:vml" xmlns:p="http://schemas.openxmlformats.org/presentationml/2006/main" xmlns:c="http://schemas.openxmlformats.org/drawingml/2006/chart" xmlns:dgm="http://schemas.openxmlformats.org/drawingml/2006/diagram" xmlns:o="urn:schemas-microsoft-com:office:office" xmlns:v="urn:schemas-microsoft-com:vml" xmlns:pvml="urn:schemas-microsoft-com:office:powerpoint" xmlns:com="http://schemas.openxmlformats.org/drawingml/2006/compatibility" xmlns:p14="http://schemas.microsoft.com/office/powerpoint/2010/main" xmlns:p15="http://schemas.microsoft.com/office/powerpoint/2012/main" xmlns:ahyp="http://schemas.microsoft.com/office/drawing/2018/hyperlinkcolor" matchingName="Big number">
+<p:sldLayout xmlns:a="http://schemas.openxmlformats.org/drawingml/2006/main" xmlns:r="http://schemas.openxmlformats.org/officeDocument/2006/relationships" xmlns:p="http://schemas.openxmlformats.org/presentationml/2006/main" matchingName="Big number">
   <p:cSld name="BIG_NUMBER">
     <p:bg>
       <p:bgPr>
         <a:solidFill>
           <a:schemeClr val="dk1"/>
         </a:solidFill>
+        <a:effectLst/>
       </p:bgPr>
     </p:bg>
     <p:spTree>
       <p:nvGrpSpPr>
-        <p:cNvPr id="73" name="Shape 73"/>
+        <p:cNvPr id="1" name="Shape 73"/>
         <p:cNvGrpSpPr/>
         <p:nvPr/>
       </p:nvGrpSpPr>
@@ -2412,12 +2491,12 @@
             </a:ln>
           </p:spPr>
           <p:txBody>
-            <a:bodyPr anchorCtr="0" anchor="ctr" bIns="91425" lIns="91425" spcFirstLastPara="1" rIns="91425" wrap="square" tIns="91425">
+            <a:bodyPr spcFirstLastPara="1" wrap="square" lIns="91425" tIns="91425" rIns="91425" bIns="91425" anchor="ctr" anchorCtr="0">
               <a:noAutofit/>
             </a:bodyPr>
             <a:lstStyle/>
             <a:p>
-              <a:pPr indent="0" lvl="0" marL="0" rtl="0" algn="l">
+              <a:pPr marL="0" lvl="0" indent="0" algn="l" rtl="0">
                 <a:spcBef>
                   <a:spcPts val="0"/>
                 </a:spcBef>
@@ -2426,9 +2505,6 @@
                 </a:spcAft>
                 <a:buNone/>
               </a:pPr>
-              <a:r>
-                <a:t/>
-              </a:r>
               <a:endParaRPr/>
             </a:p>
           </p:txBody>
@@ -2455,12 +2531,12 @@
             </a:ln>
           </p:spPr>
           <p:txBody>
-            <a:bodyPr anchorCtr="0" anchor="ctr" bIns="91425" lIns="91425" spcFirstLastPara="1" rIns="91425" wrap="square" tIns="91425">
+            <a:bodyPr spcFirstLastPara="1" wrap="square" lIns="91425" tIns="91425" rIns="91425" bIns="91425" anchor="ctr" anchorCtr="0">
               <a:noAutofit/>
             </a:bodyPr>
             <a:lstStyle/>
             <a:p>
-              <a:pPr indent="0" lvl="0" marL="0" rtl="0" algn="l">
+              <a:pPr marL="0" lvl="0" indent="0" algn="l" rtl="0">
                 <a:spcBef>
                   <a:spcPts val="0"/>
                 </a:spcBef>
@@ -2469,9 +2545,6 @@
                 </a:spcAft>
                 <a:buNone/>
               </a:pPr>
-              <a:r>
-                <a:t/>
-              </a:r>
               <a:endParaRPr/>
             </a:p>
           </p:txBody>
@@ -2480,9 +2553,11 @@
       <p:sp>
         <p:nvSpPr>
           <p:cNvPr id="77" name="Google Shape;77;p11"/>
-          <p:cNvSpPr txBox="1"/>
+          <p:cNvSpPr txBox="1">
+            <a:spLocks noGrp="1"/>
+          </p:cNvSpPr>
           <p:nvPr>
-            <p:ph hasCustomPrompt="1" type="title"/>
+            <p:ph type="title" hasCustomPrompt="1"/>
           </p:nvPr>
         </p:nvSpPr>
         <p:spPr>
@@ -2495,7 +2570,7 @@
           </a:prstGeom>
         </p:spPr>
         <p:txBody>
-          <a:bodyPr anchorCtr="0" anchor="t" bIns="91425" lIns="91425" spcFirstLastPara="1" rIns="91425" wrap="square" tIns="91425">
+          <a:bodyPr spcFirstLastPara="1" wrap="square" lIns="91425" tIns="91425" rIns="91425" bIns="91425" anchor="t" anchorCtr="0">
             <a:normAutofit/>
           </a:bodyPr>
           <a:lstStyle>
@@ -2672,9 +2747,11 @@
       <p:sp>
         <p:nvSpPr>
           <p:cNvPr id="78" name="Google Shape;78;p11"/>
-          <p:cNvSpPr txBox="1"/>
+          <p:cNvSpPr txBox="1">
+            <a:spLocks noGrp="1"/>
+          </p:cNvSpPr>
           <p:nvPr>
-            <p:ph idx="1" type="body"/>
+            <p:ph type="body" idx="1"/>
           </p:nvPr>
         </p:nvSpPr>
         <p:spPr>
@@ -2687,11 +2764,11 @@
           </a:prstGeom>
         </p:spPr>
         <p:txBody>
-          <a:bodyPr anchorCtr="0" anchor="t" bIns="91425" lIns="91425" spcFirstLastPara="1" rIns="91425" wrap="square" tIns="91425">
+          <a:bodyPr spcFirstLastPara="1" wrap="square" lIns="91425" tIns="91425" rIns="91425" bIns="91425" anchor="t" anchorCtr="0">
             <a:normAutofit/>
           </a:bodyPr>
           <a:lstStyle>
-            <a:lvl1pPr indent="-311150" lvl="0" marL="457200">
+            <a:lvl1pPr marL="457200" lvl="0" indent="-311150">
               <a:spcBef>
                 <a:spcPts val="0"/>
               </a:spcBef>
@@ -2709,7 +2786,7 @@
                 </a:solidFill>
               </a:defRPr>
             </a:lvl1pPr>
-            <a:lvl2pPr indent="-298450" lvl="1" marL="914400">
+            <a:lvl2pPr marL="914400" lvl="1" indent="-298450">
               <a:spcBef>
                 <a:spcPts val="0"/>
               </a:spcBef>
@@ -2727,7 +2804,7 @@
                 </a:solidFill>
               </a:defRPr>
             </a:lvl2pPr>
-            <a:lvl3pPr indent="-298450" lvl="2" marL="1371600">
+            <a:lvl3pPr marL="1371600" lvl="2" indent="-298450">
               <a:spcBef>
                 <a:spcPts val="0"/>
               </a:spcBef>
@@ -2745,7 +2822,7 @@
                 </a:solidFill>
               </a:defRPr>
             </a:lvl3pPr>
-            <a:lvl4pPr indent="-298450" lvl="3" marL="1828800">
+            <a:lvl4pPr marL="1828800" lvl="3" indent="-298450">
               <a:spcBef>
                 <a:spcPts val="0"/>
               </a:spcBef>
@@ -2763,7 +2840,7 @@
                 </a:solidFill>
               </a:defRPr>
             </a:lvl4pPr>
-            <a:lvl5pPr indent="-298450" lvl="4" marL="2286000">
+            <a:lvl5pPr marL="2286000" lvl="4" indent="-298450">
               <a:spcBef>
                 <a:spcPts val="0"/>
               </a:spcBef>
@@ -2781,7 +2858,7 @@
                 </a:solidFill>
               </a:defRPr>
             </a:lvl5pPr>
-            <a:lvl6pPr indent="-298450" lvl="5" marL="2743200">
+            <a:lvl6pPr marL="2743200" lvl="5" indent="-298450">
               <a:spcBef>
                 <a:spcPts val="0"/>
               </a:spcBef>
@@ -2799,7 +2876,7 @@
                 </a:solidFill>
               </a:defRPr>
             </a:lvl6pPr>
-            <a:lvl7pPr indent="-298450" lvl="6" marL="3200400">
+            <a:lvl7pPr marL="3200400" lvl="6" indent="-298450">
               <a:spcBef>
                 <a:spcPts val="0"/>
               </a:spcBef>
@@ -2817,7 +2894,7 @@
                 </a:solidFill>
               </a:defRPr>
             </a:lvl7pPr>
-            <a:lvl8pPr indent="-298450" lvl="7" marL="3657600">
+            <a:lvl8pPr marL="3657600" lvl="7" indent="-298450">
               <a:spcBef>
                 <a:spcPts val="0"/>
               </a:spcBef>
@@ -2835,7 +2912,7 @@
                 </a:solidFill>
               </a:defRPr>
             </a:lvl8pPr>
-            <a:lvl9pPr indent="-298450" lvl="8" marL="4114800">
+            <a:lvl9pPr marL="4114800" lvl="8" indent="-298450">
               <a:spcBef>
                 <a:spcPts val="0"/>
               </a:spcBef>
@@ -2854,15 +2931,19 @@
               </a:defRPr>
             </a:lvl9pPr>
           </a:lstStyle>
-          <a:p/>
+          <a:p>
+            <a:endParaRPr/>
+          </a:p>
         </p:txBody>
       </p:sp>
       <p:sp>
         <p:nvSpPr>
           <p:cNvPr id="79" name="Google Shape;79;p11"/>
-          <p:cNvSpPr txBox="1"/>
+          <p:cNvSpPr txBox="1">
+            <a:spLocks noGrp="1"/>
+          </p:cNvSpPr>
           <p:nvPr>
-            <p:ph idx="12" type="sldNum"/>
+            <p:ph type="sldNum" idx="12"/>
           </p:nvPr>
         </p:nvSpPr>
         <p:spPr>
@@ -2875,7 +2956,7 @@
           </a:prstGeom>
         </p:spPr>
         <p:txBody>
-          <a:bodyPr anchorCtr="0" anchor="ctr" bIns="91425" lIns="91425" spcFirstLastPara="1" rIns="91425" wrap="square" tIns="91425">
+          <a:bodyPr spcFirstLastPara="1" wrap="square" lIns="91425" tIns="91425" rIns="91425" bIns="91425" anchor="ctr" anchorCtr="0">
             <a:normAutofit/>
           </a:bodyPr>
           <a:lstStyle>
@@ -2953,7 +3034,7 @@
             </a:lvl9pPr>
           </a:lstStyle>
           <a:p>
-            <a:pPr indent="0" lvl="0" marL="0" rtl="0" algn="r">
+            <a:pPr marL="0" lvl="0" indent="0" algn="r" rtl="0">
               <a:spcBef>
                 <a:spcPts val="0"/>
               </a:spcBef>
@@ -2979,11 +3060,11 @@
 </file>
 
 <file path=ppt/slideLayouts/slideLayout11.xml><?xml version="1.0" encoding="utf-8"?>
-<p:sldLayout xmlns:a="http://schemas.openxmlformats.org/drawingml/2006/main" xmlns:r="http://schemas.openxmlformats.org/officeDocument/2006/relationships" xmlns:mc="http://schemas.openxmlformats.org/markup-compatibility/2006" xmlns:mv="urn:schemas-microsoft-com:mac:vml" xmlns:p="http://schemas.openxmlformats.org/presentationml/2006/main" xmlns:c="http://schemas.openxmlformats.org/drawingml/2006/chart" xmlns:dgm="http://schemas.openxmlformats.org/drawingml/2006/diagram" xmlns:o="urn:schemas-microsoft-com:office:office" xmlns:v="urn:schemas-microsoft-com:vml" xmlns:pvml="urn:schemas-microsoft-com:office:powerpoint" xmlns:com="http://schemas.openxmlformats.org/drawingml/2006/compatibility" xmlns:p14="http://schemas.microsoft.com/office/powerpoint/2010/main" xmlns:p15="http://schemas.microsoft.com/office/powerpoint/2012/main" xmlns:ahyp="http://schemas.microsoft.com/office/drawing/2018/hyperlinkcolor" matchingName="Blank" type="blank">
+<p:sldLayout xmlns:a="http://schemas.openxmlformats.org/drawingml/2006/main" xmlns:r="http://schemas.openxmlformats.org/officeDocument/2006/relationships" xmlns:p="http://schemas.openxmlformats.org/presentationml/2006/main" matchingName="Blank" type="blank">
   <p:cSld name="BLANK">
     <p:spTree>
       <p:nvGrpSpPr>
-        <p:cNvPr id="80" name="Shape 80"/>
+        <p:cNvPr id="1" name="Shape 80"/>
         <p:cNvGrpSpPr/>
         <p:nvPr/>
       </p:nvGrpSpPr>
@@ -2998,9 +3079,11 @@
       <p:sp>
         <p:nvSpPr>
           <p:cNvPr id="81" name="Google Shape;81;p12"/>
-          <p:cNvSpPr txBox="1"/>
+          <p:cNvSpPr txBox="1">
+            <a:spLocks noGrp="1"/>
+          </p:cNvSpPr>
           <p:nvPr>
-            <p:ph idx="12" type="sldNum"/>
+            <p:ph type="sldNum" idx="12"/>
           </p:nvPr>
         </p:nvSpPr>
         <p:spPr>
@@ -3013,7 +3096,7 @@
           </a:prstGeom>
         </p:spPr>
         <p:txBody>
-          <a:bodyPr anchorCtr="0" anchor="ctr" bIns="91425" lIns="91425" spcFirstLastPara="1" rIns="91425" wrap="square" tIns="91425">
+          <a:bodyPr spcFirstLastPara="1" wrap="square" lIns="91425" tIns="91425" rIns="91425" bIns="91425" anchor="ctr" anchorCtr="0">
             <a:normAutofit/>
           </a:bodyPr>
           <a:lstStyle>
@@ -3055,7 +3138,7 @@
             </a:lvl9pPr>
           </a:lstStyle>
           <a:p>
-            <a:pPr indent="0" lvl="0" marL="0" rtl="0" algn="r">
+            <a:pPr marL="0" lvl="0" indent="0" algn="r" rtl="0">
               <a:spcBef>
                 <a:spcPts val="0"/>
               </a:spcBef>
@@ -3081,18 +3164,19 @@
 </file>
 
 <file path=ppt/slideLayouts/slideLayout2.xml><?xml version="1.0" encoding="utf-8"?>
-<p:sldLayout xmlns:a="http://schemas.openxmlformats.org/drawingml/2006/main" xmlns:r="http://schemas.openxmlformats.org/officeDocument/2006/relationships" xmlns:mc="http://schemas.openxmlformats.org/markup-compatibility/2006" xmlns:mv="urn:schemas-microsoft-com:mac:vml" xmlns:p="http://schemas.openxmlformats.org/presentationml/2006/main" xmlns:c="http://schemas.openxmlformats.org/drawingml/2006/chart" xmlns:dgm="http://schemas.openxmlformats.org/drawingml/2006/diagram" xmlns:o="urn:schemas-microsoft-com:office:office" xmlns:v="urn:schemas-microsoft-com:vml" xmlns:pvml="urn:schemas-microsoft-com:office:powerpoint" xmlns:com="http://schemas.openxmlformats.org/drawingml/2006/compatibility" xmlns:p14="http://schemas.microsoft.com/office/powerpoint/2010/main" xmlns:p15="http://schemas.microsoft.com/office/powerpoint/2012/main" xmlns:ahyp="http://schemas.microsoft.com/office/drawing/2018/hyperlinkcolor" matchingName="Section header" type="secHead">
+<p:sldLayout xmlns:a="http://schemas.openxmlformats.org/drawingml/2006/main" xmlns:r="http://schemas.openxmlformats.org/officeDocument/2006/relationships" xmlns:p="http://schemas.openxmlformats.org/presentationml/2006/main" matchingName="Section header" type="secHead">
   <p:cSld name="SECTION_HEADER">
     <p:bg>
       <p:bgPr>
         <a:solidFill>
           <a:schemeClr val="dk1"/>
         </a:solidFill>
+        <a:effectLst/>
       </p:bgPr>
     </p:bg>
     <p:spTree>
       <p:nvGrpSpPr>
-        <p:cNvPr id="17" name="Shape 17"/>
+        <p:cNvPr id="1" name="Shape 17"/>
         <p:cNvGrpSpPr/>
         <p:nvPr/>
       </p:nvGrpSpPr>
@@ -3140,12 +3224,12 @@
             </a:ln>
           </p:spPr>
           <p:txBody>
-            <a:bodyPr anchorCtr="0" anchor="ctr" bIns="91425" lIns="91425" spcFirstLastPara="1" rIns="91425" wrap="square" tIns="91425">
+            <a:bodyPr spcFirstLastPara="1" wrap="square" lIns="91425" tIns="91425" rIns="91425" bIns="91425" anchor="ctr" anchorCtr="0">
               <a:noAutofit/>
             </a:bodyPr>
             <a:lstStyle/>
             <a:p>
-              <a:pPr indent="0" lvl="0" marL="0" rtl="0" algn="l">
+              <a:pPr marL="0" lvl="0" indent="0" algn="l" rtl="0">
                 <a:spcBef>
                   <a:spcPts val="0"/>
                 </a:spcBef>
@@ -3154,9 +3238,6 @@
                 </a:spcAft>
                 <a:buNone/>
               </a:pPr>
-              <a:r>
-                <a:t/>
-              </a:r>
               <a:endParaRPr/>
             </a:p>
           </p:txBody>
@@ -3183,12 +3264,12 @@
             </a:ln>
           </p:spPr>
           <p:txBody>
-            <a:bodyPr anchorCtr="0" anchor="ctr" bIns="91425" lIns="91425" spcFirstLastPara="1" rIns="91425" wrap="square" tIns="91425">
+            <a:bodyPr spcFirstLastPara="1" wrap="square" lIns="91425" tIns="91425" rIns="91425" bIns="91425" anchor="ctr" anchorCtr="0">
               <a:noAutofit/>
             </a:bodyPr>
             <a:lstStyle/>
             <a:p>
-              <a:pPr indent="0" lvl="0" marL="0" rtl="0" algn="l">
+              <a:pPr marL="0" lvl="0" indent="0" algn="l" rtl="0">
                 <a:spcBef>
                   <a:spcPts val="0"/>
                 </a:spcBef>
@@ -3197,9 +3278,6 @@
                 </a:spcAft>
                 <a:buNone/>
               </a:pPr>
-              <a:r>
-                <a:t/>
-              </a:r>
               <a:endParaRPr/>
             </a:p>
           </p:txBody>
@@ -3208,7 +3286,9 @@
       <p:sp>
         <p:nvSpPr>
           <p:cNvPr id="21" name="Google Shape;21;p3"/>
-          <p:cNvSpPr txBox="1"/>
+          <p:cNvSpPr txBox="1">
+            <a:spLocks noGrp="1"/>
+          </p:cNvSpPr>
           <p:nvPr>
             <p:ph type="title"/>
           </p:nvPr>
@@ -3223,7 +3303,7 @@
           </a:prstGeom>
         </p:spPr>
         <p:txBody>
-          <a:bodyPr anchorCtr="0" anchor="t" bIns="91425" lIns="91425" spcFirstLastPara="1" rIns="91425" wrap="square" tIns="91425">
+          <a:bodyPr spcFirstLastPara="1" wrap="square" lIns="91425" tIns="91425" rIns="91425" bIns="91425" anchor="t" anchorCtr="0">
             <a:normAutofit/>
           </a:bodyPr>
           <a:lstStyle>
@@ -3390,15 +3470,19 @@
               </a:defRPr>
             </a:lvl9pPr>
           </a:lstStyle>
-          <a:p/>
+          <a:p>
+            <a:endParaRPr/>
+          </a:p>
         </p:txBody>
       </p:sp>
       <p:sp>
         <p:nvSpPr>
           <p:cNvPr id="22" name="Google Shape;22;p3"/>
-          <p:cNvSpPr txBox="1"/>
+          <p:cNvSpPr txBox="1">
+            <a:spLocks noGrp="1"/>
+          </p:cNvSpPr>
           <p:nvPr>
-            <p:ph idx="12" type="sldNum"/>
+            <p:ph type="sldNum" idx="12"/>
           </p:nvPr>
         </p:nvSpPr>
         <p:spPr>
@@ -3411,7 +3495,7 @@
           </a:prstGeom>
         </p:spPr>
         <p:txBody>
-          <a:bodyPr anchorCtr="0" anchor="ctr" bIns="91425" lIns="91425" spcFirstLastPara="1" rIns="91425" wrap="square" tIns="91425">
+          <a:bodyPr spcFirstLastPara="1" wrap="square" lIns="91425" tIns="91425" rIns="91425" bIns="91425" anchor="ctr" anchorCtr="0">
             <a:normAutofit/>
           </a:bodyPr>
           <a:lstStyle>
@@ -3489,7 +3573,7 @@
             </a:lvl9pPr>
           </a:lstStyle>
           <a:p>
-            <a:pPr indent="0" lvl="0" marL="0" rtl="0" algn="r">
+            <a:pPr marL="0" lvl="0" indent="0" algn="r" rtl="0">
               <a:spcBef>
                 <a:spcPts val="0"/>
               </a:spcBef>
@@ -3515,11 +3599,11 @@
 </file>
 
 <file path=ppt/slideLayouts/slideLayout3.xml><?xml version="1.0" encoding="utf-8"?>
-<p:sldLayout xmlns:a="http://schemas.openxmlformats.org/drawingml/2006/main" xmlns:r="http://schemas.openxmlformats.org/officeDocument/2006/relationships" xmlns:mc="http://schemas.openxmlformats.org/markup-compatibility/2006" xmlns:mv="urn:schemas-microsoft-com:mac:vml" xmlns:p="http://schemas.openxmlformats.org/presentationml/2006/main" xmlns:c="http://schemas.openxmlformats.org/drawingml/2006/chart" xmlns:dgm="http://schemas.openxmlformats.org/drawingml/2006/diagram" xmlns:o="urn:schemas-microsoft-com:office:office" xmlns:v="urn:schemas-microsoft-com:vml" xmlns:pvml="urn:schemas-microsoft-com:office:powerpoint" xmlns:com="http://schemas.openxmlformats.org/drawingml/2006/compatibility" xmlns:p14="http://schemas.microsoft.com/office/powerpoint/2010/main" xmlns:p15="http://schemas.microsoft.com/office/powerpoint/2012/main" xmlns:ahyp="http://schemas.microsoft.com/office/drawing/2018/hyperlinkcolor" matchingName="Title and body" type="tx">
+<p:sldLayout xmlns:a="http://schemas.openxmlformats.org/drawingml/2006/main" xmlns:r="http://schemas.openxmlformats.org/officeDocument/2006/relationships" xmlns:p="http://schemas.openxmlformats.org/presentationml/2006/main" matchingName="Title and body" type="tx">
   <p:cSld name="TITLE_AND_BODY">
     <p:spTree>
       <p:nvGrpSpPr>
-        <p:cNvPr id="23" name="Shape 23"/>
+        <p:cNvPr id="1" name="Shape 23"/>
         <p:cNvGrpSpPr/>
         <p:nvPr/>
       </p:nvGrpSpPr>
@@ -3553,12 +3637,12 @@
           </a:ln>
         </p:spPr>
         <p:txBody>
-          <a:bodyPr anchorCtr="0" anchor="ctr" bIns="91425" lIns="91425" spcFirstLastPara="1" rIns="91425" wrap="square" tIns="91425">
+          <a:bodyPr spcFirstLastPara="1" wrap="square" lIns="91425" tIns="91425" rIns="91425" bIns="91425" anchor="ctr" anchorCtr="0">
             <a:noAutofit/>
           </a:bodyPr>
           <a:lstStyle/>
           <a:p>
-            <a:pPr indent="0" lvl="0" marL="0" rtl="0" algn="l">
+            <a:pPr marL="0" lvl="0" indent="0" algn="l" rtl="0">
               <a:spcBef>
                 <a:spcPts val="0"/>
               </a:spcBef>
@@ -3567,9 +3651,6 @@
               </a:spcAft>
               <a:buNone/>
             </a:pPr>
-            <a:r>
-              <a:t/>
-            </a:r>
             <a:endParaRPr/>
           </a:p>
         </p:txBody>
@@ -3610,12 +3691,12 @@
             </a:ln>
           </p:spPr>
           <p:txBody>
-            <a:bodyPr anchorCtr="0" anchor="ctr" bIns="91425" lIns="91425" spcFirstLastPara="1" rIns="91425" wrap="square" tIns="91425">
+            <a:bodyPr spcFirstLastPara="1" wrap="square" lIns="91425" tIns="91425" rIns="91425" bIns="91425" anchor="ctr" anchorCtr="0">
               <a:noAutofit/>
             </a:bodyPr>
             <a:lstStyle/>
             <a:p>
-              <a:pPr indent="0" lvl="0" marL="0" rtl="0" algn="l">
+              <a:pPr marL="0" lvl="0" indent="0" algn="l" rtl="0">
                 <a:spcBef>
                   <a:spcPts val="0"/>
                 </a:spcBef>
@@ -3624,9 +3705,6 @@
                 </a:spcAft>
                 <a:buNone/>
               </a:pPr>
-              <a:r>
-                <a:t/>
-              </a:r>
               <a:endParaRPr/>
             </a:p>
           </p:txBody>
@@ -3653,12 +3731,12 @@
             </a:ln>
           </p:spPr>
           <p:txBody>
-            <a:bodyPr anchorCtr="0" anchor="ctr" bIns="91425" lIns="91425" spcFirstLastPara="1" rIns="91425" wrap="square" tIns="91425">
+            <a:bodyPr spcFirstLastPara="1" wrap="square" lIns="91425" tIns="91425" rIns="91425" bIns="91425" anchor="ctr" anchorCtr="0">
               <a:noAutofit/>
             </a:bodyPr>
             <a:lstStyle/>
             <a:p>
-              <a:pPr indent="0" lvl="0" marL="0" rtl="0" algn="l">
+              <a:pPr marL="0" lvl="0" indent="0" algn="l" rtl="0">
                 <a:spcBef>
                   <a:spcPts val="0"/>
                 </a:spcBef>
@@ -3667,9 +3745,6 @@
                 </a:spcAft>
                 <a:buNone/>
               </a:pPr>
-              <a:r>
-                <a:t/>
-              </a:r>
               <a:endParaRPr/>
             </a:p>
           </p:txBody>
@@ -3678,7 +3753,9 @@
       <p:sp>
         <p:nvSpPr>
           <p:cNvPr id="28" name="Google Shape;28;p4"/>
-          <p:cNvSpPr txBox="1"/>
+          <p:cNvSpPr txBox="1">
+            <a:spLocks noGrp="1"/>
+          </p:cNvSpPr>
           <p:nvPr>
             <p:ph type="title"/>
           </p:nvPr>
@@ -3693,7 +3770,7 @@
           </a:prstGeom>
         </p:spPr>
         <p:txBody>
-          <a:bodyPr anchorCtr="0" anchor="t" bIns="91425" lIns="91425" spcFirstLastPara="1" rIns="91425" wrap="square" tIns="91425">
+          <a:bodyPr spcFirstLastPara="1" wrap="square" lIns="91425" tIns="91425" rIns="91425" bIns="91425" anchor="t" anchorCtr="0">
             <a:normAutofit/>
           </a:bodyPr>
           <a:lstStyle>
@@ -3797,15 +3874,19 @@
               <a:defRPr sz="2600"/>
             </a:lvl9pPr>
           </a:lstStyle>
-          <a:p/>
+          <a:p>
+            <a:endParaRPr/>
+          </a:p>
         </p:txBody>
       </p:sp>
       <p:sp>
         <p:nvSpPr>
           <p:cNvPr id="29" name="Google Shape;29;p4"/>
-          <p:cNvSpPr txBox="1"/>
+          <p:cNvSpPr txBox="1">
+            <a:spLocks noGrp="1"/>
+          </p:cNvSpPr>
           <p:nvPr>
-            <p:ph idx="1" type="body"/>
+            <p:ph type="body" idx="1"/>
           </p:nvPr>
         </p:nvSpPr>
         <p:spPr>
@@ -3818,11 +3899,11 @@
           </a:prstGeom>
         </p:spPr>
         <p:txBody>
-          <a:bodyPr anchorCtr="0" anchor="t" bIns="91425" lIns="91425" spcFirstLastPara="1" rIns="91425" wrap="square" tIns="91425">
+          <a:bodyPr spcFirstLastPara="1" wrap="square" lIns="91425" tIns="91425" rIns="91425" bIns="91425" anchor="t" anchorCtr="0">
             <a:normAutofit/>
           </a:bodyPr>
           <a:lstStyle>
-            <a:lvl1pPr indent="-311150" lvl="0" marL="457200">
+            <a:lvl1pPr marL="457200" lvl="0" indent="-311150">
               <a:spcBef>
                 <a:spcPts val="0"/>
               </a:spcBef>
@@ -3833,7 +3914,7 @@
               <a:buChar char="●"/>
               <a:defRPr/>
             </a:lvl1pPr>
-            <a:lvl2pPr indent="-298450" lvl="1" marL="914400">
+            <a:lvl2pPr marL="914400" lvl="1" indent="-298450">
               <a:spcBef>
                 <a:spcPts val="0"/>
               </a:spcBef>
@@ -3844,7 +3925,7 @@
               <a:buChar char="○"/>
               <a:defRPr/>
             </a:lvl2pPr>
-            <a:lvl3pPr indent="-298450" lvl="2" marL="1371600">
+            <a:lvl3pPr marL="1371600" lvl="2" indent="-298450">
               <a:spcBef>
                 <a:spcPts val="0"/>
               </a:spcBef>
@@ -3855,7 +3936,7 @@
               <a:buChar char="■"/>
               <a:defRPr/>
             </a:lvl3pPr>
-            <a:lvl4pPr indent="-298450" lvl="3" marL="1828800">
+            <a:lvl4pPr marL="1828800" lvl="3" indent="-298450">
               <a:spcBef>
                 <a:spcPts val="0"/>
               </a:spcBef>
@@ -3866,7 +3947,7 @@
               <a:buChar char="●"/>
               <a:defRPr/>
             </a:lvl4pPr>
-            <a:lvl5pPr indent="-298450" lvl="4" marL="2286000">
+            <a:lvl5pPr marL="2286000" lvl="4" indent="-298450">
               <a:spcBef>
                 <a:spcPts val="0"/>
               </a:spcBef>
@@ -3877,7 +3958,7 @@
               <a:buChar char="○"/>
               <a:defRPr/>
             </a:lvl5pPr>
-            <a:lvl6pPr indent="-298450" lvl="5" marL="2743200">
+            <a:lvl6pPr marL="2743200" lvl="5" indent="-298450">
               <a:spcBef>
                 <a:spcPts val="0"/>
               </a:spcBef>
@@ -3888,7 +3969,7 @@
               <a:buChar char="■"/>
               <a:defRPr/>
             </a:lvl6pPr>
-            <a:lvl7pPr indent="-298450" lvl="6" marL="3200400">
+            <a:lvl7pPr marL="3200400" lvl="6" indent="-298450">
               <a:spcBef>
                 <a:spcPts val="0"/>
               </a:spcBef>
@@ -3899,7 +3980,7 @@
               <a:buChar char="●"/>
               <a:defRPr/>
             </a:lvl7pPr>
-            <a:lvl8pPr indent="-298450" lvl="7" marL="3657600">
+            <a:lvl8pPr marL="3657600" lvl="7" indent="-298450">
               <a:spcBef>
                 <a:spcPts val="0"/>
               </a:spcBef>
@@ -3910,7 +3991,7 @@
               <a:buChar char="○"/>
               <a:defRPr/>
             </a:lvl8pPr>
-            <a:lvl9pPr indent="-298450" lvl="8" marL="4114800">
+            <a:lvl9pPr marL="4114800" lvl="8" indent="-298450">
               <a:spcBef>
                 <a:spcPts val="0"/>
               </a:spcBef>
@@ -3922,15 +4003,19 @@
               <a:defRPr/>
             </a:lvl9pPr>
           </a:lstStyle>
-          <a:p/>
+          <a:p>
+            <a:endParaRPr/>
+          </a:p>
         </p:txBody>
       </p:sp>
       <p:sp>
         <p:nvSpPr>
           <p:cNvPr id="30" name="Google Shape;30;p4"/>
-          <p:cNvSpPr txBox="1"/>
+          <p:cNvSpPr txBox="1">
+            <a:spLocks noGrp="1"/>
+          </p:cNvSpPr>
           <p:nvPr>
-            <p:ph idx="12" type="sldNum"/>
+            <p:ph type="sldNum" idx="12"/>
           </p:nvPr>
         </p:nvSpPr>
         <p:spPr>
@@ -3943,7 +4028,7 @@
           </a:prstGeom>
         </p:spPr>
         <p:txBody>
-          <a:bodyPr anchorCtr="0" anchor="ctr" bIns="91425" lIns="91425" spcFirstLastPara="1" rIns="91425" wrap="square" tIns="91425">
+          <a:bodyPr spcFirstLastPara="1" wrap="square" lIns="91425" tIns="91425" rIns="91425" bIns="91425" anchor="ctr" anchorCtr="0">
             <a:normAutofit/>
           </a:bodyPr>
           <a:lstStyle>
@@ -3985,7 +4070,7 @@
             </a:lvl9pPr>
           </a:lstStyle>
           <a:p>
-            <a:pPr indent="0" lvl="0" marL="0" rtl="0" algn="r">
+            <a:pPr marL="0" lvl="0" indent="0" algn="r" rtl="0">
               <a:spcBef>
                 <a:spcPts val="0"/>
               </a:spcBef>
@@ -4011,11 +4096,11 @@
 </file>
 
 <file path=ppt/slideLayouts/slideLayout4.xml><?xml version="1.0" encoding="utf-8"?>
-<p:sldLayout xmlns:a="http://schemas.openxmlformats.org/drawingml/2006/main" xmlns:r="http://schemas.openxmlformats.org/officeDocument/2006/relationships" xmlns:mc="http://schemas.openxmlformats.org/markup-compatibility/2006" xmlns:mv="urn:schemas-microsoft-com:mac:vml" xmlns:p="http://schemas.openxmlformats.org/presentationml/2006/main" xmlns:c="http://schemas.openxmlformats.org/drawingml/2006/chart" xmlns:dgm="http://schemas.openxmlformats.org/drawingml/2006/diagram" xmlns:o="urn:schemas-microsoft-com:office:office" xmlns:v="urn:schemas-microsoft-com:vml" xmlns:pvml="urn:schemas-microsoft-com:office:powerpoint" xmlns:com="http://schemas.openxmlformats.org/drawingml/2006/compatibility" xmlns:p14="http://schemas.microsoft.com/office/powerpoint/2010/main" xmlns:p15="http://schemas.microsoft.com/office/powerpoint/2012/main" xmlns:ahyp="http://schemas.microsoft.com/office/drawing/2018/hyperlinkcolor" matchingName="Title and two columns" type="twoColTx">
+<p:sldLayout xmlns:a="http://schemas.openxmlformats.org/drawingml/2006/main" xmlns:r="http://schemas.openxmlformats.org/officeDocument/2006/relationships" xmlns:p="http://schemas.openxmlformats.org/presentationml/2006/main" matchingName="Title and two columns" type="twoColTx">
   <p:cSld name="TITLE_AND_TWO_COLUMNS">
     <p:spTree>
       <p:nvGrpSpPr>
-        <p:cNvPr id="31" name="Shape 31"/>
+        <p:cNvPr id="1" name="Shape 31"/>
         <p:cNvGrpSpPr/>
         <p:nvPr/>
       </p:nvGrpSpPr>
@@ -4049,12 +4134,12 @@
           </a:ln>
         </p:spPr>
         <p:txBody>
-          <a:bodyPr anchorCtr="0" anchor="ctr" bIns="91425" lIns="91425" spcFirstLastPara="1" rIns="91425" wrap="square" tIns="91425">
+          <a:bodyPr spcFirstLastPara="1" wrap="square" lIns="91425" tIns="91425" rIns="91425" bIns="91425" anchor="ctr" anchorCtr="0">
             <a:noAutofit/>
           </a:bodyPr>
           <a:lstStyle/>
           <a:p>
-            <a:pPr indent="0" lvl="0" marL="0" rtl="0" algn="l">
+            <a:pPr marL="0" lvl="0" indent="0" algn="l" rtl="0">
               <a:spcBef>
                 <a:spcPts val="0"/>
               </a:spcBef>
@@ -4063,9 +4148,6 @@
               </a:spcAft>
               <a:buNone/>
             </a:pPr>
-            <a:r>
-              <a:t/>
-            </a:r>
             <a:endParaRPr/>
           </a:p>
         </p:txBody>
@@ -4106,12 +4188,12 @@
             </a:ln>
           </p:spPr>
           <p:txBody>
-            <a:bodyPr anchorCtr="0" anchor="ctr" bIns="91425" lIns="91425" spcFirstLastPara="1" rIns="91425" wrap="square" tIns="91425">
+            <a:bodyPr spcFirstLastPara="1" wrap="square" lIns="91425" tIns="91425" rIns="91425" bIns="91425" anchor="ctr" anchorCtr="0">
               <a:noAutofit/>
             </a:bodyPr>
             <a:lstStyle/>
             <a:p>
-              <a:pPr indent="0" lvl="0" marL="0" rtl="0" algn="l">
+              <a:pPr marL="0" lvl="0" indent="0" algn="l" rtl="0">
                 <a:spcBef>
                   <a:spcPts val="0"/>
                 </a:spcBef>
@@ -4120,9 +4202,6 @@
                 </a:spcAft>
                 <a:buNone/>
               </a:pPr>
-              <a:r>
-                <a:t/>
-              </a:r>
               <a:endParaRPr/>
             </a:p>
           </p:txBody>
@@ -4149,12 +4228,12 @@
             </a:ln>
           </p:spPr>
           <p:txBody>
-            <a:bodyPr anchorCtr="0" anchor="ctr" bIns="91425" lIns="91425" spcFirstLastPara="1" rIns="91425" wrap="square" tIns="91425">
+            <a:bodyPr spcFirstLastPara="1" wrap="square" lIns="91425" tIns="91425" rIns="91425" bIns="91425" anchor="ctr" anchorCtr="0">
               <a:noAutofit/>
             </a:bodyPr>
             <a:lstStyle/>
             <a:p>
-              <a:pPr indent="0" lvl="0" marL="0" rtl="0" algn="l">
+              <a:pPr marL="0" lvl="0" indent="0" algn="l" rtl="0">
                 <a:spcBef>
                   <a:spcPts val="0"/>
                 </a:spcBef>
@@ -4163,9 +4242,6 @@
                 </a:spcAft>
                 <a:buNone/>
               </a:pPr>
-              <a:r>
-                <a:t/>
-              </a:r>
               <a:endParaRPr/>
             </a:p>
           </p:txBody>
@@ -4174,7 +4250,9 @@
       <p:sp>
         <p:nvSpPr>
           <p:cNvPr id="36" name="Google Shape;36;p5"/>
-          <p:cNvSpPr txBox="1"/>
+          <p:cNvSpPr txBox="1">
+            <a:spLocks noGrp="1"/>
+          </p:cNvSpPr>
           <p:nvPr>
             <p:ph type="title"/>
           </p:nvPr>
@@ -4189,7 +4267,7 @@
           </a:prstGeom>
         </p:spPr>
         <p:txBody>
-          <a:bodyPr anchorCtr="0" anchor="t" bIns="91425" lIns="91425" spcFirstLastPara="1" rIns="91425" wrap="square" tIns="91425">
+          <a:bodyPr spcFirstLastPara="1" wrap="square" lIns="91425" tIns="91425" rIns="91425" bIns="91425" anchor="t" anchorCtr="0">
             <a:normAutofit/>
           </a:bodyPr>
           <a:lstStyle>
@@ -4293,15 +4371,19 @@
               <a:defRPr sz="2600"/>
             </a:lvl9pPr>
           </a:lstStyle>
-          <a:p/>
+          <a:p>
+            <a:endParaRPr/>
+          </a:p>
         </p:txBody>
       </p:sp>
       <p:sp>
         <p:nvSpPr>
           <p:cNvPr id="37" name="Google Shape;37;p5"/>
-          <p:cNvSpPr txBox="1"/>
+          <p:cNvSpPr txBox="1">
+            <a:spLocks noGrp="1"/>
+          </p:cNvSpPr>
           <p:nvPr>
-            <p:ph idx="1" type="body"/>
+            <p:ph type="body" idx="1"/>
           </p:nvPr>
         </p:nvSpPr>
         <p:spPr>
@@ -4314,11 +4396,11 @@
           </a:prstGeom>
         </p:spPr>
         <p:txBody>
-          <a:bodyPr anchorCtr="0" anchor="t" bIns="91425" lIns="91425" spcFirstLastPara="1" rIns="91425" wrap="square" tIns="91425">
+          <a:bodyPr spcFirstLastPara="1" wrap="square" lIns="91425" tIns="91425" rIns="91425" bIns="91425" anchor="t" anchorCtr="0">
             <a:normAutofit/>
           </a:bodyPr>
           <a:lstStyle>
-            <a:lvl1pPr indent="-311150" lvl="0" marL="457200">
+            <a:lvl1pPr marL="457200" lvl="0" indent="-311150">
               <a:spcBef>
                 <a:spcPts val="0"/>
               </a:spcBef>
@@ -4329,7 +4411,7 @@
               <a:buChar char="●"/>
               <a:defRPr/>
             </a:lvl1pPr>
-            <a:lvl2pPr indent="-298450" lvl="1" marL="914400">
+            <a:lvl2pPr marL="914400" lvl="1" indent="-298450">
               <a:spcBef>
                 <a:spcPts val="0"/>
               </a:spcBef>
@@ -4340,7 +4422,7 @@
               <a:buChar char="○"/>
               <a:defRPr/>
             </a:lvl2pPr>
-            <a:lvl3pPr indent="-298450" lvl="2" marL="1371600">
+            <a:lvl3pPr marL="1371600" lvl="2" indent="-298450">
               <a:spcBef>
                 <a:spcPts val="0"/>
               </a:spcBef>
@@ -4351,7 +4433,7 @@
               <a:buChar char="■"/>
               <a:defRPr/>
             </a:lvl3pPr>
-            <a:lvl4pPr indent="-298450" lvl="3" marL="1828800">
+            <a:lvl4pPr marL="1828800" lvl="3" indent="-298450">
               <a:spcBef>
                 <a:spcPts val="0"/>
               </a:spcBef>
@@ -4362,7 +4444,7 @@
               <a:buChar char="●"/>
               <a:defRPr/>
             </a:lvl4pPr>
-            <a:lvl5pPr indent="-298450" lvl="4" marL="2286000">
+            <a:lvl5pPr marL="2286000" lvl="4" indent="-298450">
               <a:spcBef>
                 <a:spcPts val="0"/>
               </a:spcBef>
@@ -4373,7 +4455,7 @@
               <a:buChar char="○"/>
               <a:defRPr/>
             </a:lvl5pPr>
-            <a:lvl6pPr indent="-298450" lvl="5" marL="2743200">
+            <a:lvl6pPr marL="2743200" lvl="5" indent="-298450">
               <a:spcBef>
                 <a:spcPts val="0"/>
               </a:spcBef>
@@ -4384,7 +4466,7 @@
               <a:buChar char="■"/>
               <a:defRPr/>
             </a:lvl6pPr>
-            <a:lvl7pPr indent="-298450" lvl="6" marL="3200400">
+            <a:lvl7pPr marL="3200400" lvl="6" indent="-298450">
               <a:spcBef>
                 <a:spcPts val="0"/>
               </a:spcBef>
@@ -4395,7 +4477,7 @@
               <a:buChar char="●"/>
               <a:defRPr/>
             </a:lvl7pPr>
-            <a:lvl8pPr indent="-298450" lvl="7" marL="3657600">
+            <a:lvl8pPr marL="3657600" lvl="7" indent="-298450">
               <a:spcBef>
                 <a:spcPts val="0"/>
               </a:spcBef>
@@ -4406,7 +4488,7 @@
               <a:buChar char="○"/>
               <a:defRPr/>
             </a:lvl8pPr>
-            <a:lvl9pPr indent="-298450" lvl="8" marL="4114800">
+            <a:lvl9pPr marL="4114800" lvl="8" indent="-298450">
               <a:spcBef>
                 <a:spcPts val="0"/>
               </a:spcBef>
@@ -4418,15 +4500,19 @@
               <a:defRPr/>
             </a:lvl9pPr>
           </a:lstStyle>
-          <a:p/>
+          <a:p>
+            <a:endParaRPr/>
+          </a:p>
         </p:txBody>
       </p:sp>
       <p:sp>
         <p:nvSpPr>
           <p:cNvPr id="38" name="Google Shape;38;p5"/>
-          <p:cNvSpPr txBox="1"/>
+          <p:cNvSpPr txBox="1">
+            <a:spLocks noGrp="1"/>
+          </p:cNvSpPr>
           <p:nvPr>
-            <p:ph idx="2" type="body"/>
+            <p:ph type="body" idx="2"/>
           </p:nvPr>
         </p:nvSpPr>
         <p:spPr>
@@ -4439,11 +4525,11 @@
           </a:prstGeom>
         </p:spPr>
         <p:txBody>
-          <a:bodyPr anchorCtr="0" anchor="t" bIns="91425" lIns="91425" spcFirstLastPara="1" rIns="91425" wrap="square" tIns="91425">
+          <a:bodyPr spcFirstLastPara="1" wrap="square" lIns="91425" tIns="91425" rIns="91425" bIns="91425" anchor="t" anchorCtr="0">
             <a:normAutofit/>
           </a:bodyPr>
           <a:lstStyle>
-            <a:lvl1pPr indent="-311150" lvl="0" marL="457200">
+            <a:lvl1pPr marL="457200" lvl="0" indent="-311150">
               <a:spcBef>
                 <a:spcPts val="0"/>
               </a:spcBef>
@@ -4454,7 +4540,7 @@
               <a:buChar char="●"/>
               <a:defRPr/>
             </a:lvl1pPr>
-            <a:lvl2pPr indent="-298450" lvl="1" marL="914400">
+            <a:lvl2pPr marL="914400" lvl="1" indent="-298450">
               <a:spcBef>
                 <a:spcPts val="0"/>
               </a:spcBef>
@@ -4465,7 +4551,7 @@
               <a:buChar char="○"/>
               <a:defRPr/>
             </a:lvl2pPr>
-            <a:lvl3pPr indent="-298450" lvl="2" marL="1371600">
+            <a:lvl3pPr marL="1371600" lvl="2" indent="-298450">
               <a:spcBef>
                 <a:spcPts val="0"/>
               </a:spcBef>
@@ -4476,7 +4562,7 @@
               <a:buChar char="■"/>
               <a:defRPr/>
             </a:lvl3pPr>
-            <a:lvl4pPr indent="-298450" lvl="3" marL="1828800">
+            <a:lvl4pPr marL="1828800" lvl="3" indent="-298450">
               <a:spcBef>
                 <a:spcPts val="0"/>
               </a:spcBef>
@@ -4487,7 +4573,7 @@
               <a:buChar char="●"/>
               <a:defRPr/>
             </a:lvl4pPr>
-            <a:lvl5pPr indent="-298450" lvl="4" marL="2286000">
+            <a:lvl5pPr marL="2286000" lvl="4" indent="-298450">
               <a:spcBef>
                 <a:spcPts val="0"/>
               </a:spcBef>
@@ -4498,7 +4584,7 @@
               <a:buChar char="○"/>
               <a:defRPr/>
             </a:lvl5pPr>
-            <a:lvl6pPr indent="-298450" lvl="5" marL="2743200">
+            <a:lvl6pPr marL="2743200" lvl="5" indent="-298450">
               <a:spcBef>
                 <a:spcPts val="0"/>
               </a:spcBef>
@@ -4509,7 +4595,7 @@
               <a:buChar char="■"/>
               <a:defRPr/>
             </a:lvl6pPr>
-            <a:lvl7pPr indent="-298450" lvl="6" marL="3200400">
+            <a:lvl7pPr marL="3200400" lvl="6" indent="-298450">
               <a:spcBef>
                 <a:spcPts val="0"/>
               </a:spcBef>
@@ -4520,7 +4606,7 @@
               <a:buChar char="●"/>
               <a:defRPr/>
             </a:lvl7pPr>
-            <a:lvl8pPr indent="-298450" lvl="7" marL="3657600">
+            <a:lvl8pPr marL="3657600" lvl="7" indent="-298450">
               <a:spcBef>
                 <a:spcPts val="0"/>
               </a:spcBef>
@@ -4531,7 +4617,7 @@
               <a:buChar char="○"/>
               <a:defRPr/>
             </a:lvl8pPr>
-            <a:lvl9pPr indent="-298450" lvl="8" marL="4114800">
+            <a:lvl9pPr marL="4114800" lvl="8" indent="-298450">
               <a:spcBef>
                 <a:spcPts val="0"/>
               </a:spcBef>
@@ -4543,15 +4629,19 @@
               <a:defRPr/>
             </a:lvl9pPr>
           </a:lstStyle>
-          <a:p/>
+          <a:p>
+            <a:endParaRPr/>
+          </a:p>
         </p:txBody>
       </p:sp>
       <p:sp>
         <p:nvSpPr>
           <p:cNvPr id="39" name="Google Shape;39;p5"/>
-          <p:cNvSpPr txBox="1"/>
+          <p:cNvSpPr txBox="1">
+            <a:spLocks noGrp="1"/>
+          </p:cNvSpPr>
           <p:nvPr>
-            <p:ph idx="12" type="sldNum"/>
+            <p:ph type="sldNum" idx="12"/>
           </p:nvPr>
         </p:nvSpPr>
         <p:spPr>
@@ -4564,7 +4654,7 @@
           </a:prstGeom>
         </p:spPr>
         <p:txBody>
-          <a:bodyPr anchorCtr="0" anchor="ctr" bIns="91425" lIns="91425" spcFirstLastPara="1" rIns="91425" wrap="square" tIns="91425">
+          <a:bodyPr spcFirstLastPara="1" wrap="square" lIns="91425" tIns="91425" rIns="91425" bIns="91425" anchor="ctr" anchorCtr="0">
             <a:normAutofit/>
           </a:bodyPr>
           <a:lstStyle>
@@ -4606,7 +4696,7 @@
             </a:lvl9pPr>
           </a:lstStyle>
           <a:p>
-            <a:pPr indent="0" lvl="0" marL="0" rtl="0" algn="r">
+            <a:pPr marL="0" lvl="0" indent="0" algn="r" rtl="0">
               <a:spcBef>
                 <a:spcPts val="0"/>
               </a:spcBef>
@@ -4632,11 +4722,11 @@
 </file>
 
 <file path=ppt/slideLayouts/slideLayout5.xml><?xml version="1.0" encoding="utf-8"?>
-<p:sldLayout xmlns:a="http://schemas.openxmlformats.org/drawingml/2006/main" xmlns:r="http://schemas.openxmlformats.org/officeDocument/2006/relationships" xmlns:mc="http://schemas.openxmlformats.org/markup-compatibility/2006" xmlns:mv="urn:schemas-microsoft-com:mac:vml" xmlns:p="http://schemas.openxmlformats.org/presentationml/2006/main" xmlns:c="http://schemas.openxmlformats.org/drawingml/2006/chart" xmlns:dgm="http://schemas.openxmlformats.org/drawingml/2006/diagram" xmlns:o="urn:schemas-microsoft-com:office:office" xmlns:v="urn:schemas-microsoft-com:vml" xmlns:pvml="urn:schemas-microsoft-com:office:powerpoint" xmlns:com="http://schemas.openxmlformats.org/drawingml/2006/compatibility" xmlns:p14="http://schemas.microsoft.com/office/powerpoint/2010/main" xmlns:p15="http://schemas.microsoft.com/office/powerpoint/2012/main" xmlns:ahyp="http://schemas.microsoft.com/office/drawing/2018/hyperlinkcolor" matchingName="Title only" type="titleOnly">
+<p:sldLayout xmlns:a="http://schemas.openxmlformats.org/drawingml/2006/main" xmlns:r="http://schemas.openxmlformats.org/officeDocument/2006/relationships" xmlns:p="http://schemas.openxmlformats.org/presentationml/2006/main" matchingName="Title only" type="titleOnly">
   <p:cSld name="TITLE_ONLY">
     <p:spTree>
       <p:nvGrpSpPr>
-        <p:cNvPr id="40" name="Shape 40"/>
+        <p:cNvPr id="1" name="Shape 40"/>
         <p:cNvGrpSpPr/>
         <p:nvPr/>
       </p:nvGrpSpPr>
@@ -4670,12 +4760,12 @@
           </a:ln>
         </p:spPr>
         <p:txBody>
-          <a:bodyPr anchorCtr="0" anchor="ctr" bIns="91425" lIns="91425" spcFirstLastPara="1" rIns="91425" wrap="square" tIns="91425">
+          <a:bodyPr spcFirstLastPara="1" wrap="square" lIns="91425" tIns="91425" rIns="91425" bIns="91425" anchor="ctr" anchorCtr="0">
             <a:noAutofit/>
           </a:bodyPr>
           <a:lstStyle/>
           <a:p>
-            <a:pPr indent="0" lvl="0" marL="0" rtl="0" algn="l">
+            <a:pPr marL="0" lvl="0" indent="0" algn="l" rtl="0">
               <a:spcBef>
                 <a:spcPts val="0"/>
               </a:spcBef>
@@ -4684,9 +4774,6 @@
               </a:spcAft>
               <a:buNone/>
             </a:pPr>
-            <a:r>
-              <a:t/>
-            </a:r>
             <a:endParaRPr/>
           </a:p>
         </p:txBody>
@@ -4727,12 +4814,12 @@
             </a:ln>
           </p:spPr>
           <p:txBody>
-            <a:bodyPr anchorCtr="0" anchor="ctr" bIns="91425" lIns="91425" spcFirstLastPara="1" rIns="91425" wrap="square" tIns="91425">
+            <a:bodyPr spcFirstLastPara="1" wrap="square" lIns="91425" tIns="91425" rIns="91425" bIns="91425" anchor="ctr" anchorCtr="0">
               <a:noAutofit/>
             </a:bodyPr>
             <a:lstStyle/>
             <a:p>
-              <a:pPr indent="0" lvl="0" marL="0" rtl="0" algn="l">
+              <a:pPr marL="0" lvl="0" indent="0" algn="l" rtl="0">
                 <a:spcBef>
                   <a:spcPts val="0"/>
                 </a:spcBef>
@@ -4741,9 +4828,6 @@
                 </a:spcAft>
                 <a:buNone/>
               </a:pPr>
-              <a:r>
-                <a:t/>
-              </a:r>
               <a:endParaRPr/>
             </a:p>
           </p:txBody>
@@ -4770,12 +4854,12 @@
             </a:ln>
           </p:spPr>
           <p:txBody>
-            <a:bodyPr anchorCtr="0" anchor="ctr" bIns="91425" lIns="91425" spcFirstLastPara="1" rIns="91425" wrap="square" tIns="91425">
+            <a:bodyPr spcFirstLastPara="1" wrap="square" lIns="91425" tIns="91425" rIns="91425" bIns="91425" anchor="ctr" anchorCtr="0">
               <a:noAutofit/>
             </a:bodyPr>
             <a:lstStyle/>
             <a:p>
-              <a:pPr indent="0" lvl="0" marL="0" rtl="0" algn="l">
+              <a:pPr marL="0" lvl="0" indent="0" algn="l" rtl="0">
                 <a:spcBef>
                   <a:spcPts val="0"/>
                 </a:spcBef>
@@ -4784,9 +4868,6 @@
                 </a:spcAft>
                 <a:buNone/>
               </a:pPr>
-              <a:r>
-                <a:t/>
-              </a:r>
               <a:endParaRPr/>
             </a:p>
           </p:txBody>
@@ -4795,7 +4876,9 @@
       <p:sp>
         <p:nvSpPr>
           <p:cNvPr id="45" name="Google Shape;45;p6"/>
-          <p:cNvSpPr txBox="1"/>
+          <p:cNvSpPr txBox="1">
+            <a:spLocks noGrp="1"/>
+          </p:cNvSpPr>
           <p:nvPr>
             <p:ph type="title"/>
           </p:nvPr>
@@ -4810,7 +4893,7 @@
           </a:prstGeom>
         </p:spPr>
         <p:txBody>
-          <a:bodyPr anchorCtr="0" anchor="t" bIns="91425" lIns="91425" spcFirstLastPara="1" rIns="91425" wrap="square" tIns="91425">
+          <a:bodyPr spcFirstLastPara="1" wrap="square" lIns="91425" tIns="91425" rIns="91425" bIns="91425" anchor="t" anchorCtr="0">
             <a:normAutofit/>
           </a:bodyPr>
           <a:lstStyle>
@@ -4914,15 +4997,19 @@
               <a:defRPr sz="2600"/>
             </a:lvl9pPr>
           </a:lstStyle>
-          <a:p/>
+          <a:p>
+            <a:endParaRPr/>
+          </a:p>
         </p:txBody>
       </p:sp>
       <p:sp>
         <p:nvSpPr>
           <p:cNvPr id="46" name="Google Shape;46;p6"/>
-          <p:cNvSpPr txBox="1"/>
+          <p:cNvSpPr txBox="1">
+            <a:spLocks noGrp="1"/>
+          </p:cNvSpPr>
           <p:nvPr>
-            <p:ph idx="12" type="sldNum"/>
+            <p:ph type="sldNum" idx="12"/>
           </p:nvPr>
         </p:nvSpPr>
         <p:spPr>
@@ -4935,7 +5022,7 @@
           </a:prstGeom>
         </p:spPr>
         <p:txBody>
-          <a:bodyPr anchorCtr="0" anchor="ctr" bIns="91425" lIns="91425" spcFirstLastPara="1" rIns="91425" wrap="square" tIns="91425">
+          <a:bodyPr spcFirstLastPara="1" wrap="square" lIns="91425" tIns="91425" rIns="91425" bIns="91425" anchor="ctr" anchorCtr="0">
             <a:normAutofit/>
           </a:bodyPr>
           <a:lstStyle>
@@ -4977,7 +5064,7 @@
             </a:lvl9pPr>
           </a:lstStyle>
           <a:p>
-            <a:pPr indent="0" lvl="0" marL="0" rtl="0" algn="r">
+            <a:pPr marL="0" lvl="0" indent="0" algn="r" rtl="0">
               <a:spcBef>
                 <a:spcPts val="0"/>
               </a:spcBef>
@@ -5003,11 +5090,11 @@
 </file>
 
 <file path=ppt/slideLayouts/slideLayout6.xml><?xml version="1.0" encoding="utf-8"?>
-<p:sldLayout xmlns:a="http://schemas.openxmlformats.org/drawingml/2006/main" xmlns:r="http://schemas.openxmlformats.org/officeDocument/2006/relationships" xmlns:mc="http://schemas.openxmlformats.org/markup-compatibility/2006" xmlns:mv="urn:schemas-microsoft-com:mac:vml" xmlns:p="http://schemas.openxmlformats.org/presentationml/2006/main" xmlns:c="http://schemas.openxmlformats.org/drawingml/2006/chart" xmlns:dgm="http://schemas.openxmlformats.org/drawingml/2006/diagram" xmlns:o="urn:schemas-microsoft-com:office:office" xmlns:v="urn:schemas-microsoft-com:vml" xmlns:pvml="urn:schemas-microsoft-com:office:powerpoint" xmlns:com="http://schemas.openxmlformats.org/drawingml/2006/compatibility" xmlns:p14="http://schemas.microsoft.com/office/powerpoint/2010/main" xmlns:p15="http://schemas.microsoft.com/office/powerpoint/2012/main" xmlns:ahyp="http://schemas.microsoft.com/office/drawing/2018/hyperlinkcolor" matchingName="One column text">
+<p:sldLayout xmlns:a="http://schemas.openxmlformats.org/drawingml/2006/main" xmlns:r="http://schemas.openxmlformats.org/officeDocument/2006/relationships" xmlns:p="http://schemas.openxmlformats.org/presentationml/2006/main" matchingName="One column text">
   <p:cSld name="ONE_COLUMN_TEXT">
     <p:spTree>
       <p:nvGrpSpPr>
-        <p:cNvPr id="47" name="Shape 47"/>
+        <p:cNvPr id="1" name="Shape 47"/>
         <p:cNvGrpSpPr/>
         <p:nvPr/>
       </p:nvGrpSpPr>
@@ -5041,12 +5128,12 @@
           </a:ln>
         </p:spPr>
         <p:txBody>
-          <a:bodyPr anchorCtr="0" anchor="ctr" bIns="91425" lIns="91425" spcFirstLastPara="1" rIns="91425" wrap="square" tIns="91425">
+          <a:bodyPr spcFirstLastPara="1" wrap="square" lIns="91425" tIns="91425" rIns="91425" bIns="91425" anchor="ctr" anchorCtr="0">
             <a:noAutofit/>
           </a:bodyPr>
           <a:lstStyle/>
           <a:p>
-            <a:pPr indent="0" lvl="0" marL="0" rtl="0" algn="l">
+            <a:pPr marL="0" lvl="0" indent="0" algn="l" rtl="0">
               <a:spcBef>
                 <a:spcPts val="0"/>
               </a:spcBef>
@@ -5055,9 +5142,6 @@
               </a:spcAft>
               <a:buNone/>
             </a:pPr>
-            <a:r>
-              <a:t/>
-            </a:r>
             <a:endParaRPr/>
           </a:p>
         </p:txBody>
@@ -5098,12 +5182,12 @@
             </a:ln>
           </p:spPr>
           <p:txBody>
-            <a:bodyPr anchorCtr="0" anchor="ctr" bIns="91425" lIns="91425" spcFirstLastPara="1" rIns="91425" wrap="square" tIns="91425">
+            <a:bodyPr spcFirstLastPara="1" wrap="square" lIns="91425" tIns="91425" rIns="91425" bIns="91425" anchor="ctr" anchorCtr="0">
               <a:noAutofit/>
             </a:bodyPr>
             <a:lstStyle/>
             <a:p>
-              <a:pPr indent="0" lvl="0" marL="0" rtl="0" algn="l">
+              <a:pPr marL="0" lvl="0" indent="0" algn="l" rtl="0">
                 <a:spcBef>
                   <a:spcPts val="0"/>
                 </a:spcBef>
@@ -5112,9 +5196,6 @@
                 </a:spcAft>
                 <a:buNone/>
               </a:pPr>
-              <a:r>
-                <a:t/>
-              </a:r>
               <a:endParaRPr/>
             </a:p>
           </p:txBody>
@@ -5141,12 +5222,12 @@
             </a:ln>
           </p:spPr>
           <p:txBody>
-            <a:bodyPr anchorCtr="0" anchor="ctr" bIns="91425" lIns="91425" spcFirstLastPara="1" rIns="91425" wrap="square" tIns="91425">
+            <a:bodyPr spcFirstLastPara="1" wrap="square" lIns="91425" tIns="91425" rIns="91425" bIns="91425" anchor="ctr" anchorCtr="0">
               <a:noAutofit/>
             </a:bodyPr>
             <a:lstStyle/>
             <a:p>
-              <a:pPr indent="0" lvl="0" marL="0" rtl="0" algn="l">
+              <a:pPr marL="0" lvl="0" indent="0" algn="l" rtl="0">
                 <a:spcBef>
                   <a:spcPts val="0"/>
                 </a:spcBef>
@@ -5155,9 +5236,6 @@
                 </a:spcAft>
                 <a:buNone/>
               </a:pPr>
-              <a:r>
-                <a:t/>
-              </a:r>
               <a:endParaRPr/>
             </a:p>
           </p:txBody>
@@ -5166,7 +5244,9 @@
       <p:sp>
         <p:nvSpPr>
           <p:cNvPr id="52" name="Google Shape;52;p7"/>
-          <p:cNvSpPr txBox="1"/>
+          <p:cNvSpPr txBox="1">
+            <a:spLocks noGrp="1"/>
+          </p:cNvSpPr>
           <p:nvPr>
             <p:ph type="title"/>
           </p:nvPr>
@@ -5181,7 +5261,7 @@
           </a:prstGeom>
         </p:spPr>
         <p:txBody>
-          <a:bodyPr anchorCtr="0" anchor="t" bIns="91425" lIns="91425" spcFirstLastPara="1" rIns="91425" wrap="square" tIns="91425">
+          <a:bodyPr spcFirstLastPara="1" wrap="square" lIns="91425" tIns="91425" rIns="91425" bIns="91425" anchor="t" anchorCtr="0">
             <a:normAutofit/>
           </a:bodyPr>
           <a:lstStyle>
@@ -5285,15 +5365,19 @@
               <a:defRPr sz="2600"/>
             </a:lvl9pPr>
           </a:lstStyle>
-          <a:p/>
+          <a:p>
+            <a:endParaRPr/>
+          </a:p>
         </p:txBody>
       </p:sp>
       <p:sp>
         <p:nvSpPr>
           <p:cNvPr id="53" name="Google Shape;53;p7"/>
-          <p:cNvSpPr txBox="1"/>
+          <p:cNvSpPr txBox="1">
+            <a:spLocks noGrp="1"/>
+          </p:cNvSpPr>
           <p:nvPr>
-            <p:ph idx="1" type="body"/>
+            <p:ph type="body" idx="1"/>
           </p:nvPr>
         </p:nvSpPr>
         <p:spPr>
@@ -5306,11 +5390,11 @@
           </a:prstGeom>
         </p:spPr>
         <p:txBody>
-          <a:bodyPr anchorCtr="0" anchor="t" bIns="91425" lIns="91425" spcFirstLastPara="1" rIns="91425" wrap="square" tIns="91425">
+          <a:bodyPr spcFirstLastPara="1" wrap="square" lIns="91425" tIns="91425" rIns="91425" bIns="91425" anchor="t" anchorCtr="0">
             <a:normAutofit/>
           </a:bodyPr>
           <a:lstStyle>
-            <a:lvl1pPr indent="-311150" lvl="0" marL="457200">
+            <a:lvl1pPr marL="457200" lvl="0" indent="-311150">
               <a:spcBef>
                 <a:spcPts val="0"/>
               </a:spcBef>
@@ -5321,7 +5405,7 @@
               <a:buChar char="●"/>
               <a:defRPr/>
             </a:lvl1pPr>
-            <a:lvl2pPr indent="-298450" lvl="1" marL="914400">
+            <a:lvl2pPr marL="914400" lvl="1" indent="-298450">
               <a:spcBef>
                 <a:spcPts val="0"/>
               </a:spcBef>
@@ -5332,7 +5416,7 @@
               <a:buChar char="○"/>
               <a:defRPr/>
             </a:lvl2pPr>
-            <a:lvl3pPr indent="-298450" lvl="2" marL="1371600">
+            <a:lvl3pPr marL="1371600" lvl="2" indent="-298450">
               <a:spcBef>
                 <a:spcPts val="0"/>
               </a:spcBef>
@@ -5343,7 +5427,7 @@
               <a:buChar char="■"/>
               <a:defRPr/>
             </a:lvl3pPr>
-            <a:lvl4pPr indent="-298450" lvl="3" marL="1828800">
+            <a:lvl4pPr marL="1828800" lvl="3" indent="-298450">
               <a:spcBef>
                 <a:spcPts val="0"/>
               </a:spcBef>
@@ -5354,7 +5438,7 @@
               <a:buChar char="●"/>
               <a:defRPr/>
             </a:lvl4pPr>
-            <a:lvl5pPr indent="-298450" lvl="4" marL="2286000">
+            <a:lvl5pPr marL="2286000" lvl="4" indent="-298450">
               <a:spcBef>
                 <a:spcPts val="0"/>
               </a:spcBef>
@@ -5365,7 +5449,7 @@
               <a:buChar char="○"/>
               <a:defRPr/>
             </a:lvl5pPr>
-            <a:lvl6pPr indent="-298450" lvl="5" marL="2743200">
+            <a:lvl6pPr marL="2743200" lvl="5" indent="-298450">
               <a:spcBef>
                 <a:spcPts val="0"/>
               </a:spcBef>
@@ -5376,7 +5460,7 @@
               <a:buChar char="■"/>
               <a:defRPr/>
             </a:lvl6pPr>
-            <a:lvl7pPr indent="-298450" lvl="6" marL="3200400">
+            <a:lvl7pPr marL="3200400" lvl="6" indent="-298450">
               <a:spcBef>
                 <a:spcPts val="0"/>
               </a:spcBef>
@@ -5387,7 +5471,7 @@
               <a:buChar char="●"/>
               <a:defRPr/>
             </a:lvl7pPr>
-            <a:lvl8pPr indent="-298450" lvl="7" marL="3657600">
+            <a:lvl8pPr marL="3657600" lvl="7" indent="-298450">
               <a:spcBef>
                 <a:spcPts val="0"/>
               </a:spcBef>
@@ -5398,7 +5482,7 @@
               <a:buChar char="○"/>
               <a:defRPr/>
             </a:lvl8pPr>
-            <a:lvl9pPr indent="-298450" lvl="8" marL="4114800">
+            <a:lvl9pPr marL="4114800" lvl="8" indent="-298450">
               <a:spcBef>
                 <a:spcPts val="0"/>
               </a:spcBef>
@@ -5410,15 +5494,19 @@
               <a:defRPr/>
             </a:lvl9pPr>
           </a:lstStyle>
-          <a:p/>
+          <a:p>
+            <a:endParaRPr/>
+          </a:p>
         </p:txBody>
       </p:sp>
       <p:sp>
         <p:nvSpPr>
           <p:cNvPr id="54" name="Google Shape;54;p7"/>
-          <p:cNvSpPr txBox="1"/>
+          <p:cNvSpPr txBox="1">
+            <a:spLocks noGrp="1"/>
+          </p:cNvSpPr>
           <p:nvPr>
-            <p:ph idx="12" type="sldNum"/>
+            <p:ph type="sldNum" idx="12"/>
           </p:nvPr>
         </p:nvSpPr>
         <p:spPr>
@@ -5431,7 +5519,7 @@
           </a:prstGeom>
         </p:spPr>
         <p:txBody>
-          <a:bodyPr anchorCtr="0" anchor="ctr" bIns="91425" lIns="91425" spcFirstLastPara="1" rIns="91425" wrap="square" tIns="91425">
+          <a:bodyPr spcFirstLastPara="1" wrap="square" lIns="91425" tIns="91425" rIns="91425" bIns="91425" anchor="ctr" anchorCtr="0">
             <a:normAutofit/>
           </a:bodyPr>
           <a:lstStyle>
@@ -5473,7 +5561,7 @@
             </a:lvl9pPr>
           </a:lstStyle>
           <a:p>
-            <a:pPr indent="0" lvl="0" marL="0" rtl="0" algn="r">
+            <a:pPr marL="0" lvl="0" indent="0" algn="r" rtl="0">
               <a:spcBef>
                 <a:spcPts val="0"/>
               </a:spcBef>
@@ -5499,18 +5587,19 @@
 </file>
 
 <file path=ppt/slideLayouts/slideLayout7.xml><?xml version="1.0" encoding="utf-8"?>
-<p:sldLayout xmlns:a="http://schemas.openxmlformats.org/drawingml/2006/main" xmlns:r="http://schemas.openxmlformats.org/officeDocument/2006/relationships" xmlns:mc="http://schemas.openxmlformats.org/markup-compatibility/2006" xmlns:mv="urn:schemas-microsoft-com:mac:vml" xmlns:p="http://schemas.openxmlformats.org/presentationml/2006/main" xmlns:c="http://schemas.openxmlformats.org/drawingml/2006/chart" xmlns:dgm="http://schemas.openxmlformats.org/drawingml/2006/diagram" xmlns:o="urn:schemas-microsoft-com:office:office" xmlns:v="urn:schemas-microsoft-com:vml" xmlns:pvml="urn:schemas-microsoft-com:office:powerpoint" xmlns:com="http://schemas.openxmlformats.org/drawingml/2006/compatibility" xmlns:p14="http://schemas.microsoft.com/office/powerpoint/2010/main" xmlns:p15="http://schemas.microsoft.com/office/powerpoint/2012/main" xmlns:ahyp="http://schemas.microsoft.com/office/drawing/2018/hyperlinkcolor" matchingName="Main point">
+<p:sldLayout xmlns:a="http://schemas.openxmlformats.org/drawingml/2006/main" xmlns:r="http://schemas.openxmlformats.org/officeDocument/2006/relationships" xmlns:p="http://schemas.openxmlformats.org/presentationml/2006/main" matchingName="Main point">
   <p:cSld name="MAIN_POINT">
     <p:bg>
       <p:bgPr>
         <a:solidFill>
           <a:schemeClr val="accent3"/>
         </a:solidFill>
+        <a:effectLst/>
       </p:bgPr>
     </p:bg>
     <p:spTree>
       <p:nvGrpSpPr>
-        <p:cNvPr id="55" name="Shape 55"/>
+        <p:cNvPr id="1" name="Shape 55"/>
         <p:cNvGrpSpPr/>
         <p:nvPr/>
       </p:nvGrpSpPr>
@@ -5558,12 +5647,12 @@
             </a:ln>
           </p:spPr>
           <p:txBody>
-            <a:bodyPr anchorCtr="0" anchor="ctr" bIns="91425" lIns="91425" spcFirstLastPara="1" rIns="91425" wrap="square" tIns="91425">
+            <a:bodyPr spcFirstLastPara="1" wrap="square" lIns="91425" tIns="91425" rIns="91425" bIns="91425" anchor="ctr" anchorCtr="0">
               <a:noAutofit/>
             </a:bodyPr>
             <a:lstStyle/>
             <a:p>
-              <a:pPr indent="0" lvl="0" marL="0" rtl="0" algn="l">
+              <a:pPr marL="0" lvl="0" indent="0" algn="l" rtl="0">
                 <a:spcBef>
                   <a:spcPts val="0"/>
                 </a:spcBef>
@@ -5572,9 +5661,6 @@
                 </a:spcAft>
                 <a:buNone/>
               </a:pPr>
-              <a:r>
-                <a:t/>
-              </a:r>
               <a:endParaRPr/>
             </a:p>
           </p:txBody>
@@ -5601,12 +5687,12 @@
             </a:ln>
           </p:spPr>
           <p:txBody>
-            <a:bodyPr anchorCtr="0" anchor="ctr" bIns="91425" lIns="91425" spcFirstLastPara="1" rIns="91425" wrap="square" tIns="91425">
+            <a:bodyPr spcFirstLastPara="1" wrap="square" lIns="91425" tIns="91425" rIns="91425" bIns="91425" anchor="ctr" anchorCtr="0">
               <a:noAutofit/>
             </a:bodyPr>
             <a:lstStyle/>
             <a:p>
-              <a:pPr indent="0" lvl="0" marL="0" rtl="0" algn="l">
+              <a:pPr marL="0" lvl="0" indent="0" algn="l" rtl="0">
                 <a:spcBef>
                   <a:spcPts val="0"/>
                 </a:spcBef>
@@ -5615,9 +5701,6 @@
                 </a:spcAft>
                 <a:buNone/>
               </a:pPr>
-              <a:r>
-                <a:t/>
-              </a:r>
               <a:endParaRPr/>
             </a:p>
           </p:txBody>
@@ -5626,7 +5709,9 @@
       <p:sp>
         <p:nvSpPr>
           <p:cNvPr id="59" name="Google Shape;59;p8"/>
-          <p:cNvSpPr txBox="1"/>
+          <p:cNvSpPr txBox="1">
+            <a:spLocks noGrp="1"/>
+          </p:cNvSpPr>
           <p:nvPr>
             <p:ph type="title"/>
           </p:nvPr>
@@ -5641,7 +5726,7 @@
           </a:prstGeom>
         </p:spPr>
         <p:txBody>
-          <a:bodyPr anchorCtr="0" anchor="ctr" bIns="91425" lIns="91425" spcFirstLastPara="1" rIns="91425" wrap="square" tIns="91425">
+          <a:bodyPr spcFirstLastPara="1" wrap="square" lIns="91425" tIns="91425" rIns="91425" bIns="91425" anchor="ctr" anchorCtr="0">
             <a:normAutofit/>
           </a:bodyPr>
           <a:lstStyle>
@@ -5808,15 +5893,19 @@
               </a:defRPr>
             </a:lvl9pPr>
           </a:lstStyle>
-          <a:p/>
+          <a:p>
+            <a:endParaRPr/>
+          </a:p>
         </p:txBody>
       </p:sp>
       <p:sp>
         <p:nvSpPr>
           <p:cNvPr id="60" name="Google Shape;60;p8"/>
-          <p:cNvSpPr txBox="1"/>
+          <p:cNvSpPr txBox="1">
+            <a:spLocks noGrp="1"/>
+          </p:cNvSpPr>
           <p:nvPr>
-            <p:ph idx="12" type="sldNum"/>
+            <p:ph type="sldNum" idx="12"/>
           </p:nvPr>
         </p:nvSpPr>
         <p:spPr>
@@ -5829,7 +5918,7 @@
           </a:prstGeom>
         </p:spPr>
         <p:txBody>
-          <a:bodyPr anchorCtr="0" anchor="ctr" bIns="91425" lIns="91425" spcFirstLastPara="1" rIns="91425" wrap="square" tIns="91425">
+          <a:bodyPr spcFirstLastPara="1" wrap="square" lIns="91425" tIns="91425" rIns="91425" bIns="91425" anchor="ctr" anchorCtr="0">
             <a:normAutofit/>
           </a:bodyPr>
           <a:lstStyle>
@@ -5907,7 +5996,7 @@
             </a:lvl9pPr>
           </a:lstStyle>
           <a:p>
-            <a:pPr indent="0" lvl="0" marL="0" rtl="0" algn="r">
+            <a:pPr marL="0" lvl="0" indent="0" algn="r" rtl="0">
               <a:spcBef>
                 <a:spcPts val="0"/>
               </a:spcBef>
@@ -5933,11 +6022,11 @@
 </file>
 
 <file path=ppt/slideLayouts/slideLayout8.xml><?xml version="1.0" encoding="utf-8"?>
-<p:sldLayout xmlns:a="http://schemas.openxmlformats.org/drawingml/2006/main" xmlns:r="http://schemas.openxmlformats.org/officeDocument/2006/relationships" xmlns:mc="http://schemas.openxmlformats.org/markup-compatibility/2006" xmlns:mv="urn:schemas-microsoft-com:mac:vml" xmlns:p="http://schemas.openxmlformats.org/presentationml/2006/main" xmlns:c="http://schemas.openxmlformats.org/drawingml/2006/chart" xmlns:dgm="http://schemas.openxmlformats.org/drawingml/2006/diagram" xmlns:o="urn:schemas-microsoft-com:office:office" xmlns:v="urn:schemas-microsoft-com:vml" xmlns:pvml="urn:schemas-microsoft-com:office:powerpoint" xmlns:com="http://schemas.openxmlformats.org/drawingml/2006/compatibility" xmlns:p14="http://schemas.microsoft.com/office/powerpoint/2010/main" xmlns:p15="http://schemas.microsoft.com/office/powerpoint/2012/main" xmlns:ahyp="http://schemas.microsoft.com/office/drawing/2018/hyperlinkcolor" matchingName="Section title and description">
+<p:sldLayout xmlns:a="http://schemas.openxmlformats.org/drawingml/2006/main" xmlns:r="http://schemas.openxmlformats.org/officeDocument/2006/relationships" xmlns:p="http://schemas.openxmlformats.org/presentationml/2006/main" matchingName="Section title and description">
   <p:cSld name="SECTION_TITLE_AND_DESCRIPTION">
     <p:spTree>
       <p:nvGrpSpPr>
-        <p:cNvPr id="61" name="Shape 61"/>
+        <p:cNvPr id="1" name="Shape 61"/>
         <p:cNvGrpSpPr/>
         <p:nvPr/>
       </p:nvGrpSpPr>
@@ -5971,12 +6060,12 @@
           </a:ln>
         </p:spPr>
         <p:txBody>
-          <a:bodyPr anchorCtr="0" anchor="ctr" bIns="91425" lIns="91425" spcFirstLastPara="1" rIns="91425" wrap="square" tIns="91425">
+          <a:bodyPr spcFirstLastPara="1" wrap="square" lIns="91425" tIns="91425" rIns="91425" bIns="91425" anchor="ctr" anchorCtr="0">
             <a:noAutofit/>
           </a:bodyPr>
           <a:lstStyle/>
           <a:p>
-            <a:pPr indent="0" lvl="0" marL="0" rtl="0" algn="l">
+            <a:pPr marL="0" lvl="0" indent="0" algn="l" rtl="0">
               <a:spcBef>
                 <a:spcPts val="0"/>
               </a:spcBef>
@@ -5985,9 +6074,6 @@
               </a:spcAft>
               <a:buNone/>
             </a:pPr>
-            <a:r>
-              <a:t/>
-            </a:r>
             <a:endParaRPr/>
           </a:p>
         </p:txBody>
@@ -6028,12 +6114,12 @@
             </a:ln>
           </p:spPr>
           <p:txBody>
-            <a:bodyPr anchorCtr="0" anchor="ctr" bIns="91425" lIns="91425" spcFirstLastPara="1" rIns="91425" wrap="square" tIns="91425">
+            <a:bodyPr spcFirstLastPara="1" wrap="square" lIns="91425" tIns="91425" rIns="91425" bIns="91425" anchor="ctr" anchorCtr="0">
               <a:noAutofit/>
             </a:bodyPr>
             <a:lstStyle/>
             <a:p>
-              <a:pPr indent="0" lvl="0" marL="0" rtl="0" algn="l">
+              <a:pPr marL="0" lvl="0" indent="0" algn="l" rtl="0">
                 <a:spcBef>
                   <a:spcPts val="0"/>
                 </a:spcBef>
@@ -6042,9 +6128,6 @@
                 </a:spcAft>
                 <a:buNone/>
               </a:pPr>
-              <a:r>
-                <a:t/>
-              </a:r>
               <a:endParaRPr/>
             </a:p>
           </p:txBody>
@@ -6071,12 +6154,12 @@
             </a:ln>
           </p:spPr>
           <p:txBody>
-            <a:bodyPr anchorCtr="0" anchor="ctr" bIns="91425" lIns="91425" spcFirstLastPara="1" rIns="91425" wrap="square" tIns="91425">
+            <a:bodyPr spcFirstLastPara="1" wrap="square" lIns="91425" tIns="91425" rIns="91425" bIns="91425" anchor="ctr" anchorCtr="0">
               <a:noAutofit/>
             </a:bodyPr>
             <a:lstStyle/>
             <a:p>
-              <a:pPr indent="0" lvl="0" marL="0" rtl="0" algn="l">
+              <a:pPr marL="0" lvl="0" indent="0" algn="l" rtl="0">
                 <a:spcBef>
                   <a:spcPts val="0"/>
                 </a:spcBef>
@@ -6085,9 +6168,6 @@
                 </a:spcAft>
                 <a:buNone/>
               </a:pPr>
-              <a:r>
-                <a:t/>
-              </a:r>
               <a:endParaRPr/>
             </a:p>
           </p:txBody>
@@ -6096,7 +6176,9 @@
       <p:sp>
         <p:nvSpPr>
           <p:cNvPr id="66" name="Google Shape;66;p9"/>
-          <p:cNvSpPr txBox="1"/>
+          <p:cNvSpPr txBox="1">
+            <a:spLocks noGrp="1"/>
+          </p:cNvSpPr>
           <p:nvPr>
             <p:ph type="title"/>
           </p:nvPr>
@@ -6111,7 +6193,7 @@
           </a:prstGeom>
         </p:spPr>
         <p:txBody>
-          <a:bodyPr anchorCtr="0" anchor="t" bIns="91425" lIns="91425" spcFirstLastPara="1" rIns="91425" wrap="square" tIns="91425">
+          <a:bodyPr spcFirstLastPara="1" wrap="square" lIns="91425" tIns="91425" rIns="91425" bIns="91425" anchor="t" anchorCtr="0">
             <a:normAutofit/>
           </a:bodyPr>
           <a:lstStyle>
@@ -6215,15 +6297,19 @@
               <a:defRPr sz="2600"/>
             </a:lvl9pPr>
           </a:lstStyle>
-          <a:p/>
+          <a:p>
+            <a:endParaRPr/>
+          </a:p>
         </p:txBody>
       </p:sp>
       <p:sp>
         <p:nvSpPr>
           <p:cNvPr id="67" name="Google Shape;67;p9"/>
-          <p:cNvSpPr txBox="1"/>
+          <p:cNvSpPr txBox="1">
+            <a:spLocks noGrp="1"/>
+          </p:cNvSpPr>
           <p:nvPr>
-            <p:ph idx="1" type="subTitle"/>
+            <p:ph type="subTitle" idx="1"/>
           </p:nvPr>
         </p:nvSpPr>
         <p:spPr>
@@ -6236,7 +6322,7 @@
           </a:prstGeom>
         </p:spPr>
         <p:txBody>
-          <a:bodyPr anchorCtr="0" anchor="t" bIns="91425" lIns="91425" spcFirstLastPara="1" rIns="91425" wrap="square" tIns="91425">
+          <a:bodyPr spcFirstLastPara="1" wrap="square" lIns="91425" tIns="91425" rIns="91425" bIns="91425" anchor="t" anchorCtr="0">
             <a:normAutofit/>
           </a:bodyPr>
           <a:lstStyle>
@@ -6367,15 +6453,19 @@
               <a:defRPr sz="1600"/>
             </a:lvl9pPr>
           </a:lstStyle>
-          <a:p/>
+          <a:p>
+            <a:endParaRPr/>
+          </a:p>
         </p:txBody>
       </p:sp>
       <p:sp>
         <p:nvSpPr>
           <p:cNvPr id="68" name="Google Shape;68;p9"/>
-          <p:cNvSpPr txBox="1"/>
+          <p:cNvSpPr txBox="1">
+            <a:spLocks noGrp="1"/>
+          </p:cNvSpPr>
           <p:nvPr>
-            <p:ph idx="2" type="body"/>
+            <p:ph type="body" idx="2"/>
           </p:nvPr>
         </p:nvSpPr>
         <p:spPr>
@@ -6388,11 +6478,11 @@
           </a:prstGeom>
         </p:spPr>
         <p:txBody>
-          <a:bodyPr anchorCtr="0" anchor="t" bIns="91425" lIns="91425" spcFirstLastPara="1" rIns="91425" wrap="square" tIns="91425">
+          <a:bodyPr spcFirstLastPara="1" wrap="square" lIns="91425" tIns="91425" rIns="91425" bIns="91425" anchor="t" anchorCtr="0">
             <a:normAutofit/>
           </a:bodyPr>
           <a:lstStyle>
-            <a:lvl1pPr indent="-311150" lvl="0" marL="457200">
+            <a:lvl1pPr marL="457200" lvl="0" indent="-311150">
               <a:spcBef>
                 <a:spcPts val="0"/>
               </a:spcBef>
@@ -6403,7 +6493,7 @@
               <a:buChar char="●"/>
               <a:defRPr/>
             </a:lvl1pPr>
-            <a:lvl2pPr indent="-298450" lvl="1" marL="914400">
+            <a:lvl2pPr marL="914400" lvl="1" indent="-298450">
               <a:spcBef>
                 <a:spcPts val="0"/>
               </a:spcBef>
@@ -6414,7 +6504,7 @@
               <a:buChar char="○"/>
               <a:defRPr/>
             </a:lvl2pPr>
-            <a:lvl3pPr indent="-298450" lvl="2" marL="1371600">
+            <a:lvl3pPr marL="1371600" lvl="2" indent="-298450">
               <a:spcBef>
                 <a:spcPts val="0"/>
               </a:spcBef>
@@ -6425,7 +6515,7 @@
               <a:buChar char="■"/>
               <a:defRPr/>
             </a:lvl3pPr>
-            <a:lvl4pPr indent="-298450" lvl="3" marL="1828800">
+            <a:lvl4pPr marL="1828800" lvl="3" indent="-298450">
               <a:spcBef>
                 <a:spcPts val="0"/>
               </a:spcBef>
@@ -6436,7 +6526,7 @@
               <a:buChar char="●"/>
               <a:defRPr/>
             </a:lvl4pPr>
-            <a:lvl5pPr indent="-298450" lvl="4" marL="2286000">
+            <a:lvl5pPr marL="2286000" lvl="4" indent="-298450">
               <a:spcBef>
                 <a:spcPts val="0"/>
               </a:spcBef>
@@ -6447,7 +6537,7 @@
               <a:buChar char="○"/>
               <a:defRPr/>
             </a:lvl5pPr>
-            <a:lvl6pPr indent="-298450" lvl="5" marL="2743200">
+            <a:lvl6pPr marL="2743200" lvl="5" indent="-298450">
               <a:spcBef>
                 <a:spcPts val="0"/>
               </a:spcBef>
@@ -6458,7 +6548,7 @@
               <a:buChar char="■"/>
               <a:defRPr/>
             </a:lvl6pPr>
-            <a:lvl7pPr indent="-298450" lvl="6" marL="3200400">
+            <a:lvl7pPr marL="3200400" lvl="6" indent="-298450">
               <a:spcBef>
                 <a:spcPts val="0"/>
               </a:spcBef>
@@ -6469,7 +6559,7 @@
               <a:buChar char="●"/>
               <a:defRPr/>
             </a:lvl7pPr>
-            <a:lvl8pPr indent="-298450" lvl="7" marL="3657600">
+            <a:lvl8pPr marL="3657600" lvl="7" indent="-298450">
               <a:spcBef>
                 <a:spcPts val="0"/>
               </a:spcBef>
@@ -6480,7 +6570,7 @@
               <a:buChar char="○"/>
               <a:defRPr/>
             </a:lvl8pPr>
-            <a:lvl9pPr indent="-298450" lvl="8" marL="4114800">
+            <a:lvl9pPr marL="4114800" lvl="8" indent="-298450">
               <a:spcBef>
                 <a:spcPts val="0"/>
               </a:spcBef>
@@ -6492,15 +6582,19 @@
               <a:defRPr/>
             </a:lvl9pPr>
           </a:lstStyle>
-          <a:p/>
+          <a:p>
+            <a:endParaRPr/>
+          </a:p>
         </p:txBody>
       </p:sp>
       <p:sp>
         <p:nvSpPr>
           <p:cNvPr id="69" name="Google Shape;69;p9"/>
-          <p:cNvSpPr txBox="1"/>
+          <p:cNvSpPr txBox="1">
+            <a:spLocks noGrp="1"/>
+          </p:cNvSpPr>
           <p:nvPr>
-            <p:ph idx="12" type="sldNum"/>
+            <p:ph type="sldNum" idx="12"/>
           </p:nvPr>
         </p:nvSpPr>
         <p:spPr>
@@ -6513,7 +6607,7 @@
           </a:prstGeom>
         </p:spPr>
         <p:txBody>
-          <a:bodyPr anchorCtr="0" anchor="ctr" bIns="91425" lIns="91425" spcFirstLastPara="1" rIns="91425" wrap="square" tIns="91425">
+          <a:bodyPr spcFirstLastPara="1" wrap="square" lIns="91425" tIns="91425" rIns="91425" bIns="91425" anchor="ctr" anchorCtr="0">
             <a:normAutofit/>
           </a:bodyPr>
           <a:lstStyle>
@@ -6555,7 +6649,7 @@
             </a:lvl9pPr>
           </a:lstStyle>
           <a:p>
-            <a:pPr indent="0" lvl="0" marL="0" rtl="0" algn="r">
+            <a:pPr marL="0" lvl="0" indent="0" algn="r" rtl="0">
               <a:spcBef>
                 <a:spcPts val="0"/>
               </a:spcBef>
@@ -6581,11 +6675,11 @@
 </file>
 
 <file path=ppt/slideLayouts/slideLayout9.xml><?xml version="1.0" encoding="utf-8"?>
-<p:sldLayout xmlns:a="http://schemas.openxmlformats.org/drawingml/2006/main" xmlns:r="http://schemas.openxmlformats.org/officeDocument/2006/relationships" xmlns:mc="http://schemas.openxmlformats.org/markup-compatibility/2006" xmlns:mv="urn:schemas-microsoft-com:mac:vml" xmlns:p="http://schemas.openxmlformats.org/presentationml/2006/main" xmlns:c="http://schemas.openxmlformats.org/drawingml/2006/chart" xmlns:dgm="http://schemas.openxmlformats.org/drawingml/2006/diagram" xmlns:o="urn:schemas-microsoft-com:office:office" xmlns:v="urn:schemas-microsoft-com:vml" xmlns:pvml="urn:schemas-microsoft-com:office:powerpoint" xmlns:com="http://schemas.openxmlformats.org/drawingml/2006/compatibility" xmlns:p14="http://schemas.microsoft.com/office/powerpoint/2010/main" xmlns:p15="http://schemas.microsoft.com/office/powerpoint/2012/main" xmlns:ahyp="http://schemas.microsoft.com/office/drawing/2018/hyperlinkcolor" matchingName="Caption">
+<p:sldLayout xmlns:a="http://schemas.openxmlformats.org/drawingml/2006/main" xmlns:r="http://schemas.openxmlformats.org/officeDocument/2006/relationships" xmlns:p="http://schemas.openxmlformats.org/presentationml/2006/main" matchingName="Caption">
   <p:cSld name="CAPTION_ONLY">
     <p:spTree>
       <p:nvGrpSpPr>
-        <p:cNvPr id="70" name="Shape 70"/>
+        <p:cNvPr id="1" name="Shape 70"/>
         <p:cNvGrpSpPr/>
         <p:nvPr/>
       </p:nvGrpSpPr>
@@ -6600,9 +6694,11 @@
       <p:sp>
         <p:nvSpPr>
           <p:cNvPr id="71" name="Google Shape;71;p10"/>
-          <p:cNvSpPr txBox="1"/>
+          <p:cNvSpPr txBox="1">
+            <a:spLocks noGrp="1"/>
+          </p:cNvSpPr>
           <p:nvPr>
-            <p:ph idx="1" type="body"/>
+            <p:ph type="body" idx="1"/>
           </p:nvPr>
         </p:nvSpPr>
         <p:spPr>
@@ -6615,11 +6711,11 @@
           </a:prstGeom>
         </p:spPr>
         <p:txBody>
-          <a:bodyPr anchorCtr="0" anchor="ctr" bIns="91425" lIns="91425" spcFirstLastPara="1" rIns="91425" wrap="square" tIns="91425">
+          <a:bodyPr spcFirstLastPara="1" wrap="square" lIns="91425" tIns="91425" rIns="91425" bIns="91425" anchor="ctr" anchorCtr="0">
             <a:normAutofit/>
           </a:bodyPr>
           <a:lstStyle>
-            <a:lvl1pPr indent="-228600" lvl="0" marL="457200">
+            <a:lvl1pPr marL="457200" lvl="0" indent="-228600">
               <a:lnSpc>
                 <a:spcPct val="100000"/>
               </a:lnSpc>
@@ -6634,15 +6730,19 @@
               <a:defRPr/>
             </a:lvl1pPr>
           </a:lstStyle>
-          <a:p/>
+          <a:p>
+            <a:endParaRPr/>
+          </a:p>
         </p:txBody>
       </p:sp>
       <p:sp>
         <p:nvSpPr>
           <p:cNvPr id="72" name="Google Shape;72;p10"/>
-          <p:cNvSpPr txBox="1"/>
+          <p:cNvSpPr txBox="1">
+            <a:spLocks noGrp="1"/>
+          </p:cNvSpPr>
           <p:nvPr>
-            <p:ph idx="12" type="sldNum"/>
+            <p:ph type="sldNum" idx="12"/>
           </p:nvPr>
         </p:nvSpPr>
         <p:spPr>
@@ -6655,7 +6755,7 @@
           </a:prstGeom>
         </p:spPr>
         <p:txBody>
-          <a:bodyPr anchorCtr="0" anchor="ctr" bIns="91425" lIns="91425" spcFirstLastPara="1" rIns="91425" wrap="square" tIns="91425">
+          <a:bodyPr spcFirstLastPara="1" wrap="square" lIns="91425" tIns="91425" rIns="91425" bIns="91425" anchor="ctr" anchorCtr="0">
             <a:normAutofit/>
           </a:bodyPr>
           <a:lstStyle>
@@ -6697,7 +6797,7 @@
             </a:lvl9pPr>
           </a:lstStyle>
           <a:p>
-            <a:pPr indent="0" lvl="0" marL="0" rtl="0" algn="r">
+            <a:pPr marL="0" lvl="0" indent="0" algn="r" rtl="0">
               <a:spcBef>
                 <a:spcPts val="0"/>
               </a:spcBef>
@@ -6723,18 +6823,19 @@
 </file>
 
 <file path=ppt/slideMasters/slideMaster1.xml><?xml version="1.0" encoding="utf-8"?>
-<p:sldMaster xmlns:a="http://schemas.openxmlformats.org/drawingml/2006/main" xmlns:r="http://schemas.openxmlformats.org/officeDocument/2006/relationships" xmlns:mc="http://schemas.openxmlformats.org/markup-compatibility/2006" xmlns:mv="urn:schemas-microsoft-com:mac:vml" xmlns:p="http://schemas.openxmlformats.org/presentationml/2006/main" xmlns:c="http://schemas.openxmlformats.org/drawingml/2006/chart" xmlns:dgm="http://schemas.openxmlformats.org/drawingml/2006/diagram" xmlns:o="urn:schemas-microsoft-com:office:office" xmlns:v="urn:schemas-microsoft-com:vml" xmlns:pvml="urn:schemas-microsoft-com:office:powerpoint" xmlns:com="http://schemas.openxmlformats.org/drawingml/2006/compatibility" xmlns:p14="http://schemas.microsoft.com/office/powerpoint/2010/main" xmlns:p15="http://schemas.microsoft.com/office/powerpoint/2012/main" xmlns:ahyp="http://schemas.microsoft.com/office/drawing/2018/hyperlinkcolor">
+<p:sldMaster xmlns:a="http://schemas.openxmlformats.org/drawingml/2006/main" xmlns:r="http://schemas.openxmlformats.org/officeDocument/2006/relationships" xmlns:p="http://schemas.openxmlformats.org/presentationml/2006/main">
   <p:cSld name="streamline">
     <p:bg>
       <p:bgPr>
         <a:solidFill>
           <a:schemeClr val="lt1"/>
         </a:solidFill>
+        <a:effectLst/>
       </p:bgPr>
     </p:bg>
     <p:spTree>
       <p:nvGrpSpPr>
-        <p:cNvPr id="5" name="Shape 5"/>
+        <p:cNvPr id="1" name="Shape 5"/>
         <p:cNvGrpSpPr/>
         <p:nvPr/>
       </p:nvGrpSpPr>
@@ -6749,7 +6850,9 @@
       <p:sp>
         <p:nvSpPr>
           <p:cNvPr id="6" name="Google Shape;6;p1"/>
-          <p:cNvSpPr txBox="1"/>
+          <p:cNvSpPr txBox="1">
+            <a:spLocks noGrp="1"/>
+          </p:cNvSpPr>
           <p:nvPr>
             <p:ph type="title"/>
           </p:nvPr>
@@ -6768,7 +6871,7 @@
           </a:ln>
         </p:spPr>
         <p:txBody>
-          <a:bodyPr anchorCtr="0" anchor="t" bIns="91425" lIns="91425" spcFirstLastPara="1" rIns="91425" wrap="square" tIns="91425">
+          <a:bodyPr spcFirstLastPara="1" wrap="square" lIns="91425" tIns="91425" rIns="91425" bIns="91425" anchor="t" anchorCtr="0">
             <a:normAutofit/>
           </a:bodyPr>
           <a:lstStyle>
@@ -6785,7 +6888,7 @@
               <a:buSzPts val="2800"/>
               <a:buFont typeface="Raleway"/>
               <a:buNone/>
-              <a:defRPr b="1" sz="2800">
+              <a:defRPr sz="2800" b="1">
                 <a:solidFill>
                   <a:schemeClr val="dk2"/>
                 </a:solidFill>
@@ -6808,7 +6911,7 @@
               <a:buSzPts val="2800"/>
               <a:buFont typeface="Raleway"/>
               <a:buNone/>
-              <a:defRPr b="1" sz="2800">
+              <a:defRPr sz="2800" b="1">
                 <a:solidFill>
                   <a:schemeClr val="dk2"/>
                 </a:solidFill>
@@ -6831,7 +6934,7 @@
               <a:buSzPts val="2800"/>
               <a:buFont typeface="Raleway"/>
               <a:buNone/>
-              <a:defRPr b="1" sz="2800">
+              <a:defRPr sz="2800" b="1">
                 <a:solidFill>
                   <a:schemeClr val="dk2"/>
                 </a:solidFill>
@@ -6854,7 +6957,7 @@
               <a:buSzPts val="2800"/>
               <a:buFont typeface="Raleway"/>
               <a:buNone/>
-              <a:defRPr b="1" sz="2800">
+              <a:defRPr sz="2800" b="1">
                 <a:solidFill>
                   <a:schemeClr val="dk2"/>
                 </a:solidFill>
@@ -6877,7 +6980,7 @@
               <a:buSzPts val="2800"/>
               <a:buFont typeface="Raleway"/>
               <a:buNone/>
-              <a:defRPr b="1" sz="2800">
+              <a:defRPr sz="2800" b="1">
                 <a:solidFill>
                   <a:schemeClr val="dk2"/>
                 </a:solidFill>
@@ -6900,7 +7003,7 @@
               <a:buSzPts val="2800"/>
               <a:buFont typeface="Raleway"/>
               <a:buNone/>
-              <a:defRPr b="1" sz="2800">
+              <a:defRPr sz="2800" b="1">
                 <a:solidFill>
                   <a:schemeClr val="dk2"/>
                 </a:solidFill>
@@ -6923,7 +7026,7 @@
               <a:buSzPts val="2800"/>
               <a:buFont typeface="Raleway"/>
               <a:buNone/>
-              <a:defRPr b="1" sz="2800">
+              <a:defRPr sz="2800" b="1">
                 <a:solidFill>
                   <a:schemeClr val="dk2"/>
                 </a:solidFill>
@@ -6946,7 +7049,7 @@
               <a:buSzPts val="2800"/>
               <a:buFont typeface="Raleway"/>
               <a:buNone/>
-              <a:defRPr b="1" sz="2800">
+              <a:defRPr sz="2800" b="1">
                 <a:solidFill>
                   <a:schemeClr val="dk2"/>
                 </a:solidFill>
@@ -6969,7 +7072,7 @@
               <a:buSzPts val="2800"/>
               <a:buFont typeface="Raleway"/>
               <a:buNone/>
-              <a:defRPr b="1" sz="2800">
+              <a:defRPr sz="2800" b="1">
                 <a:solidFill>
                   <a:schemeClr val="dk2"/>
                 </a:solidFill>
@@ -6980,15 +7083,19 @@
               </a:defRPr>
             </a:lvl9pPr>
           </a:lstStyle>
-          <a:p/>
+          <a:p>
+            <a:endParaRPr/>
+          </a:p>
         </p:txBody>
       </p:sp>
       <p:sp>
         <p:nvSpPr>
           <p:cNvPr id="7" name="Google Shape;7;p1"/>
-          <p:cNvSpPr txBox="1"/>
+          <p:cNvSpPr txBox="1">
+            <a:spLocks noGrp="1"/>
+          </p:cNvSpPr>
           <p:nvPr>
-            <p:ph idx="1" type="body"/>
+            <p:ph type="body" idx="1"/>
           </p:nvPr>
         </p:nvSpPr>
         <p:spPr>
@@ -7005,11 +7112,11 @@
           </a:ln>
         </p:spPr>
         <p:txBody>
-          <a:bodyPr anchorCtr="0" anchor="t" bIns="91425" lIns="91425" spcFirstLastPara="1" rIns="91425" wrap="square" tIns="91425">
+          <a:bodyPr spcFirstLastPara="1" wrap="square" lIns="91425" tIns="91425" rIns="91425" bIns="91425" anchor="t" anchorCtr="0">
             <a:normAutofit/>
           </a:bodyPr>
           <a:lstStyle>
-            <a:lvl1pPr indent="-311150" lvl="0" marL="457200">
+            <a:lvl1pPr marL="457200" lvl="0" indent="-311150">
               <a:lnSpc>
                 <a:spcPct val="115000"/>
               </a:lnSpc>
@@ -7035,7 +7142,7 @@
                 <a:sym typeface="Lato"/>
               </a:defRPr>
             </a:lvl1pPr>
-            <a:lvl2pPr indent="-298450" lvl="1" marL="914400">
+            <a:lvl2pPr marL="914400" lvl="1" indent="-298450">
               <a:lnSpc>
                 <a:spcPct val="115000"/>
               </a:lnSpc>
@@ -7061,7 +7168,7 @@
                 <a:sym typeface="Lato"/>
               </a:defRPr>
             </a:lvl2pPr>
-            <a:lvl3pPr indent="-298450" lvl="2" marL="1371600">
+            <a:lvl3pPr marL="1371600" lvl="2" indent="-298450">
               <a:lnSpc>
                 <a:spcPct val="115000"/>
               </a:lnSpc>
@@ -7087,7 +7194,7 @@
                 <a:sym typeface="Lato"/>
               </a:defRPr>
             </a:lvl3pPr>
-            <a:lvl4pPr indent="-298450" lvl="3" marL="1828800">
+            <a:lvl4pPr marL="1828800" lvl="3" indent="-298450">
               <a:lnSpc>
                 <a:spcPct val="115000"/>
               </a:lnSpc>
@@ -7113,7 +7220,7 @@
                 <a:sym typeface="Lato"/>
               </a:defRPr>
             </a:lvl4pPr>
-            <a:lvl5pPr indent="-298450" lvl="4" marL="2286000">
+            <a:lvl5pPr marL="2286000" lvl="4" indent="-298450">
               <a:lnSpc>
                 <a:spcPct val="115000"/>
               </a:lnSpc>
@@ -7139,7 +7246,7 @@
                 <a:sym typeface="Lato"/>
               </a:defRPr>
             </a:lvl5pPr>
-            <a:lvl6pPr indent="-298450" lvl="5" marL="2743200">
+            <a:lvl6pPr marL="2743200" lvl="5" indent="-298450">
               <a:lnSpc>
                 <a:spcPct val="115000"/>
               </a:lnSpc>
@@ -7165,7 +7272,7 @@
                 <a:sym typeface="Lato"/>
               </a:defRPr>
             </a:lvl6pPr>
-            <a:lvl7pPr indent="-298450" lvl="6" marL="3200400">
+            <a:lvl7pPr marL="3200400" lvl="6" indent="-298450">
               <a:lnSpc>
                 <a:spcPct val="115000"/>
               </a:lnSpc>
@@ -7191,7 +7298,7 @@
                 <a:sym typeface="Lato"/>
               </a:defRPr>
             </a:lvl7pPr>
-            <a:lvl8pPr indent="-298450" lvl="7" marL="3657600">
+            <a:lvl8pPr marL="3657600" lvl="7" indent="-298450">
               <a:lnSpc>
                 <a:spcPct val="115000"/>
               </a:lnSpc>
@@ -7217,7 +7324,7 @@
                 <a:sym typeface="Lato"/>
               </a:defRPr>
             </a:lvl8pPr>
-            <a:lvl9pPr indent="-298450" lvl="8" marL="4114800">
+            <a:lvl9pPr marL="4114800" lvl="8" indent="-298450">
               <a:lnSpc>
                 <a:spcPct val="115000"/>
               </a:lnSpc>
@@ -7244,15 +7351,19 @@
               </a:defRPr>
             </a:lvl9pPr>
           </a:lstStyle>
-          <a:p/>
+          <a:p>
+            <a:endParaRPr/>
+          </a:p>
         </p:txBody>
       </p:sp>
       <p:sp>
         <p:nvSpPr>
           <p:cNvPr id="8" name="Google Shape;8;p1"/>
-          <p:cNvSpPr txBox="1"/>
+          <p:cNvSpPr txBox="1">
+            <a:spLocks noGrp="1"/>
+          </p:cNvSpPr>
           <p:nvPr>
-            <p:ph idx="12" type="sldNum"/>
+            <p:ph type="sldNum" idx="12"/>
           </p:nvPr>
         </p:nvSpPr>
         <p:spPr>
@@ -7269,7 +7380,7 @@
           </a:ln>
         </p:spPr>
         <p:txBody>
-          <a:bodyPr anchorCtr="0" anchor="ctr" bIns="91425" lIns="91425" spcFirstLastPara="1" rIns="91425" wrap="square" tIns="91425">
+          <a:bodyPr spcFirstLastPara="1" wrap="square" lIns="91425" tIns="91425" rIns="91425" bIns="91425" anchor="ctr" anchorCtr="0">
             <a:normAutofit/>
           </a:bodyPr>
           <a:lstStyle>
@@ -7383,7 +7494,7 @@
             </a:lvl9pPr>
           </a:lstStyle>
           <a:p>
-            <a:pPr indent="0" lvl="0" marL="0" rtl="0" algn="r">
+            <a:pPr marL="0" lvl="0" indent="0" algn="r" rtl="0">
               <a:spcBef>
                 <a:spcPts val="0"/>
               </a:spcBef>
@@ -7402,7 +7513,7 @@
       </p:sp>
     </p:spTree>
   </p:cSld>
-  <p:clrMap accent1="accent1" accent2="accent2" accent3="accent3" accent4="accent4" accent5="accent5" accent6="accent6" bg1="lt1" bg2="dk2" tx1="dk1" tx2="lt2" folHlink="folHlink" hlink="hlink"/>
+  <p:clrMap bg1="lt1" tx1="dk1" bg2="dk2" tx2="lt2" accent1="accent1" accent2="accent2" accent3="accent3" accent4="accent4" accent5="accent5" accent6="accent6" hlink="hlink" folHlink="folHlink"/>
   <p:sldLayoutIdLst>
     <p:sldLayoutId id="2147483648" r:id="rId1"/>
     <p:sldLayoutId id="2147483649" r:id="rId2"/>
@@ -7416,10 +7527,10 @@
     <p:sldLayoutId id="2147483657" r:id="rId10"/>
     <p:sldLayoutId id="2147483658" r:id="rId11"/>
   </p:sldLayoutIdLst>
-  <p:hf dt="0" ftr="0" hdr="0" sldNum="0"/>
+  <p:hf sldNum="0" hdr="0" ftr="0" dt="0"/>
   <p:txStyles>
     <p:titleStyle>
-      <a:defPPr lvl="0" marR="0" rtl="0" algn="l">
+      <a:defPPr marR="0" lvl="0" algn="l" rtl="0">
         <a:lnSpc>
           <a:spcPct val="100000"/>
         </a:lnSpc>
@@ -7430,7 +7541,7 @@
           <a:spcPts val="0"/>
         </a:spcAft>
       </a:defPPr>
-      <a:lvl1pPr lvl="0" marR="0" rtl="0" algn="l">
+      <a:lvl1pPr marR="0" lvl="0" algn="l" rtl="0">
         <a:lnSpc>
           <a:spcPct val="100000"/>
         </a:lnSpc>
@@ -7444,7 +7555,7 @@
           <a:srgbClr val="000000"/>
         </a:buClr>
         <a:buFont typeface="Arial"/>
-        <a:defRPr b="0" i="0" sz="1400" u="none" cap="none" strike="noStrike">
+        <a:defRPr sz="1400" b="0" i="0" u="none" strike="noStrike" cap="none">
           <a:solidFill>
             <a:srgbClr val="000000"/>
           </a:solidFill>
@@ -7454,7 +7565,7 @@
           <a:sym typeface="Arial"/>
         </a:defRPr>
       </a:lvl1pPr>
-      <a:lvl2pPr lvl="1" marR="0" rtl="0" algn="l">
+      <a:lvl2pPr marR="0" lvl="1" algn="l" rtl="0">
         <a:lnSpc>
           <a:spcPct val="100000"/>
         </a:lnSpc>
@@ -7468,7 +7579,7 @@
           <a:srgbClr val="000000"/>
         </a:buClr>
         <a:buFont typeface="Arial"/>
-        <a:defRPr b="0" i="0" sz="1400" u="none" cap="none" strike="noStrike">
+        <a:defRPr sz="1400" b="0" i="0" u="none" strike="noStrike" cap="none">
           <a:solidFill>
             <a:srgbClr val="000000"/>
           </a:solidFill>
@@ -7478,7 +7589,7 @@
           <a:sym typeface="Arial"/>
         </a:defRPr>
       </a:lvl2pPr>
-      <a:lvl3pPr lvl="2" marR="0" rtl="0" algn="l">
+      <a:lvl3pPr marR="0" lvl="2" algn="l" rtl="0">
         <a:lnSpc>
           <a:spcPct val="100000"/>
         </a:lnSpc>
@@ -7492,7 +7603,7 @@
           <a:srgbClr val="000000"/>
         </a:buClr>
         <a:buFont typeface="Arial"/>
-        <a:defRPr b="0" i="0" sz="1400" u="none" cap="none" strike="noStrike">
+        <a:defRPr sz="1400" b="0" i="0" u="none" strike="noStrike" cap="none">
           <a:solidFill>
             <a:srgbClr val="000000"/>
           </a:solidFill>
@@ -7502,7 +7613,7 @@
           <a:sym typeface="Arial"/>
         </a:defRPr>
       </a:lvl3pPr>
-      <a:lvl4pPr lvl="3" marR="0" rtl="0" algn="l">
+      <a:lvl4pPr marR="0" lvl="3" algn="l" rtl="0">
         <a:lnSpc>
           <a:spcPct val="100000"/>
         </a:lnSpc>
@@ -7516,7 +7627,7 @@
           <a:srgbClr val="000000"/>
         </a:buClr>
         <a:buFont typeface="Arial"/>
-        <a:defRPr b="0" i="0" sz="1400" u="none" cap="none" strike="noStrike">
+        <a:defRPr sz="1400" b="0" i="0" u="none" strike="noStrike" cap="none">
           <a:solidFill>
             <a:srgbClr val="000000"/>
           </a:solidFill>
@@ -7526,7 +7637,7 @@
           <a:sym typeface="Arial"/>
         </a:defRPr>
       </a:lvl4pPr>
-      <a:lvl5pPr lvl="4" marR="0" rtl="0" algn="l">
+      <a:lvl5pPr marR="0" lvl="4" algn="l" rtl="0">
         <a:lnSpc>
           <a:spcPct val="100000"/>
         </a:lnSpc>
@@ -7540,7 +7651,7 @@
           <a:srgbClr val="000000"/>
         </a:buClr>
         <a:buFont typeface="Arial"/>
-        <a:defRPr b="0" i="0" sz="1400" u="none" cap="none" strike="noStrike">
+        <a:defRPr sz="1400" b="0" i="0" u="none" strike="noStrike" cap="none">
           <a:solidFill>
             <a:srgbClr val="000000"/>
           </a:solidFill>
@@ -7550,7 +7661,7 @@
           <a:sym typeface="Arial"/>
         </a:defRPr>
       </a:lvl5pPr>
-      <a:lvl6pPr lvl="5" marR="0" rtl="0" algn="l">
+      <a:lvl6pPr marR="0" lvl="5" algn="l" rtl="0">
         <a:lnSpc>
           <a:spcPct val="100000"/>
         </a:lnSpc>
@@ -7564,7 +7675,7 @@
           <a:srgbClr val="000000"/>
         </a:buClr>
         <a:buFont typeface="Arial"/>
-        <a:defRPr b="0" i="0" sz="1400" u="none" cap="none" strike="noStrike">
+        <a:defRPr sz="1400" b="0" i="0" u="none" strike="noStrike" cap="none">
           <a:solidFill>
             <a:srgbClr val="000000"/>
           </a:solidFill>
@@ -7574,7 +7685,7 @@
           <a:sym typeface="Arial"/>
         </a:defRPr>
       </a:lvl6pPr>
-      <a:lvl7pPr lvl="6" marR="0" rtl="0" algn="l">
+      <a:lvl7pPr marR="0" lvl="6" algn="l" rtl="0">
         <a:lnSpc>
           <a:spcPct val="100000"/>
         </a:lnSpc>
@@ -7588,7 +7699,7 @@
           <a:srgbClr val="000000"/>
         </a:buClr>
         <a:buFont typeface="Arial"/>
-        <a:defRPr b="0" i="0" sz="1400" u="none" cap="none" strike="noStrike">
+        <a:defRPr sz="1400" b="0" i="0" u="none" strike="noStrike" cap="none">
           <a:solidFill>
             <a:srgbClr val="000000"/>
           </a:solidFill>
@@ -7598,7 +7709,7 @@
           <a:sym typeface="Arial"/>
         </a:defRPr>
       </a:lvl7pPr>
-      <a:lvl8pPr lvl="7" marR="0" rtl="0" algn="l">
+      <a:lvl8pPr marR="0" lvl="7" algn="l" rtl="0">
         <a:lnSpc>
           <a:spcPct val="100000"/>
         </a:lnSpc>
@@ -7612,7 +7723,7 @@
           <a:srgbClr val="000000"/>
         </a:buClr>
         <a:buFont typeface="Arial"/>
-        <a:defRPr b="0" i="0" sz="1400" u="none" cap="none" strike="noStrike">
+        <a:defRPr sz="1400" b="0" i="0" u="none" strike="noStrike" cap="none">
           <a:solidFill>
             <a:srgbClr val="000000"/>
           </a:solidFill>
@@ -7622,7 +7733,7 @@
           <a:sym typeface="Arial"/>
         </a:defRPr>
       </a:lvl8pPr>
-      <a:lvl9pPr lvl="8" marR="0" rtl="0" algn="l">
+      <a:lvl9pPr marR="0" lvl="8" algn="l" rtl="0">
         <a:lnSpc>
           <a:spcPct val="100000"/>
         </a:lnSpc>
@@ -7636,7 +7747,7 @@
           <a:srgbClr val="000000"/>
         </a:buClr>
         <a:buFont typeface="Arial"/>
-        <a:defRPr b="0" i="0" sz="1400" u="none" cap="none" strike="noStrike">
+        <a:defRPr sz="1400" b="0" i="0" u="none" strike="noStrike" cap="none">
           <a:solidFill>
             <a:srgbClr val="000000"/>
           </a:solidFill>
@@ -7648,7 +7759,7 @@
       </a:lvl9pPr>
     </p:titleStyle>
     <p:bodyStyle>
-      <a:defPPr lvl="0" marR="0" rtl="0" algn="l">
+      <a:defPPr marR="0" lvl="0" algn="l" rtl="0">
         <a:lnSpc>
           <a:spcPct val="100000"/>
         </a:lnSpc>
@@ -7659,7 +7770,7 @@
           <a:spcPts val="0"/>
         </a:spcAft>
       </a:defPPr>
-      <a:lvl1pPr lvl="0" marR="0" rtl="0" algn="l">
+      <a:lvl1pPr marR="0" lvl="0" algn="l" rtl="0">
         <a:lnSpc>
           <a:spcPct val="100000"/>
         </a:lnSpc>
@@ -7673,7 +7784,7 @@
           <a:srgbClr val="000000"/>
         </a:buClr>
         <a:buFont typeface="Arial"/>
-        <a:defRPr b="0" i="0" sz="1400" u="none" cap="none" strike="noStrike">
+        <a:defRPr sz="1400" b="0" i="0" u="none" strike="noStrike" cap="none">
           <a:solidFill>
             <a:srgbClr val="000000"/>
           </a:solidFill>
@@ -7683,7 +7794,7 @@
           <a:sym typeface="Arial"/>
         </a:defRPr>
       </a:lvl1pPr>
-      <a:lvl2pPr lvl="1" marR="0" rtl="0" algn="l">
+      <a:lvl2pPr marR="0" lvl="1" algn="l" rtl="0">
         <a:lnSpc>
           <a:spcPct val="100000"/>
         </a:lnSpc>
@@ -7697,7 +7808,7 @@
           <a:srgbClr val="000000"/>
         </a:buClr>
         <a:buFont typeface="Arial"/>
-        <a:defRPr b="0" i="0" sz="1400" u="none" cap="none" strike="noStrike">
+        <a:defRPr sz="1400" b="0" i="0" u="none" strike="noStrike" cap="none">
           <a:solidFill>
             <a:srgbClr val="000000"/>
           </a:solidFill>
@@ -7707,7 +7818,7 @@
           <a:sym typeface="Arial"/>
         </a:defRPr>
       </a:lvl2pPr>
-      <a:lvl3pPr lvl="2" marR="0" rtl="0" algn="l">
+      <a:lvl3pPr marR="0" lvl="2" algn="l" rtl="0">
         <a:lnSpc>
           <a:spcPct val="100000"/>
         </a:lnSpc>
@@ -7721,7 +7832,7 @@
           <a:srgbClr val="000000"/>
         </a:buClr>
         <a:buFont typeface="Arial"/>
-        <a:defRPr b="0" i="0" sz="1400" u="none" cap="none" strike="noStrike">
+        <a:defRPr sz="1400" b="0" i="0" u="none" strike="noStrike" cap="none">
           <a:solidFill>
             <a:srgbClr val="000000"/>
           </a:solidFill>
@@ -7731,7 +7842,7 @@
           <a:sym typeface="Arial"/>
         </a:defRPr>
       </a:lvl3pPr>
-      <a:lvl4pPr lvl="3" marR="0" rtl="0" algn="l">
+      <a:lvl4pPr marR="0" lvl="3" algn="l" rtl="0">
         <a:lnSpc>
           <a:spcPct val="100000"/>
         </a:lnSpc>
@@ -7745,7 +7856,7 @@
           <a:srgbClr val="000000"/>
         </a:buClr>
         <a:buFont typeface="Arial"/>
-        <a:defRPr b="0" i="0" sz="1400" u="none" cap="none" strike="noStrike">
+        <a:defRPr sz="1400" b="0" i="0" u="none" strike="noStrike" cap="none">
           <a:solidFill>
             <a:srgbClr val="000000"/>
           </a:solidFill>
@@ -7755,7 +7866,7 @@
           <a:sym typeface="Arial"/>
         </a:defRPr>
       </a:lvl4pPr>
-      <a:lvl5pPr lvl="4" marR="0" rtl="0" algn="l">
+      <a:lvl5pPr marR="0" lvl="4" algn="l" rtl="0">
         <a:lnSpc>
           <a:spcPct val="100000"/>
         </a:lnSpc>
@@ -7769,7 +7880,7 @@
           <a:srgbClr val="000000"/>
         </a:buClr>
         <a:buFont typeface="Arial"/>
-        <a:defRPr b="0" i="0" sz="1400" u="none" cap="none" strike="noStrike">
+        <a:defRPr sz="1400" b="0" i="0" u="none" strike="noStrike" cap="none">
           <a:solidFill>
             <a:srgbClr val="000000"/>
           </a:solidFill>
@@ -7779,7 +7890,7 @@
           <a:sym typeface="Arial"/>
         </a:defRPr>
       </a:lvl5pPr>
-      <a:lvl6pPr lvl="5" marR="0" rtl="0" algn="l">
+      <a:lvl6pPr marR="0" lvl="5" algn="l" rtl="0">
         <a:lnSpc>
           <a:spcPct val="100000"/>
         </a:lnSpc>
@@ -7793,7 +7904,7 @@
           <a:srgbClr val="000000"/>
         </a:buClr>
         <a:buFont typeface="Arial"/>
-        <a:defRPr b="0" i="0" sz="1400" u="none" cap="none" strike="noStrike">
+        <a:defRPr sz="1400" b="0" i="0" u="none" strike="noStrike" cap="none">
           <a:solidFill>
             <a:srgbClr val="000000"/>
           </a:solidFill>
@@ -7803,7 +7914,7 @@
           <a:sym typeface="Arial"/>
         </a:defRPr>
       </a:lvl6pPr>
-      <a:lvl7pPr lvl="6" marR="0" rtl="0" algn="l">
+      <a:lvl7pPr marR="0" lvl="6" algn="l" rtl="0">
         <a:lnSpc>
           <a:spcPct val="100000"/>
         </a:lnSpc>
@@ -7817,7 +7928,7 @@
           <a:srgbClr val="000000"/>
         </a:buClr>
         <a:buFont typeface="Arial"/>
-        <a:defRPr b="0" i="0" sz="1400" u="none" cap="none" strike="noStrike">
+        <a:defRPr sz="1400" b="0" i="0" u="none" strike="noStrike" cap="none">
           <a:solidFill>
             <a:srgbClr val="000000"/>
           </a:solidFill>
@@ -7827,7 +7938,7 @@
           <a:sym typeface="Arial"/>
         </a:defRPr>
       </a:lvl7pPr>
-      <a:lvl8pPr lvl="7" marR="0" rtl="0" algn="l">
+      <a:lvl8pPr marR="0" lvl="7" algn="l" rtl="0">
         <a:lnSpc>
           <a:spcPct val="100000"/>
         </a:lnSpc>
@@ -7841,7 +7952,7 @@
           <a:srgbClr val="000000"/>
         </a:buClr>
         <a:buFont typeface="Arial"/>
-        <a:defRPr b="0" i="0" sz="1400" u="none" cap="none" strike="noStrike">
+        <a:defRPr sz="1400" b="0" i="0" u="none" strike="noStrike" cap="none">
           <a:solidFill>
             <a:srgbClr val="000000"/>
           </a:solidFill>
@@ -7851,7 +7962,7 @@
           <a:sym typeface="Arial"/>
         </a:defRPr>
       </a:lvl8pPr>
-      <a:lvl9pPr lvl="8" marR="0" rtl="0" algn="l">
+      <a:lvl9pPr marR="0" lvl="8" algn="l" rtl="0">
         <a:lnSpc>
           <a:spcPct val="100000"/>
         </a:lnSpc>
@@ -7865,7 +7976,7 @@
           <a:srgbClr val="000000"/>
         </a:buClr>
         <a:buFont typeface="Arial"/>
-        <a:defRPr b="0" i="0" sz="1400" u="none" cap="none" strike="noStrike">
+        <a:defRPr sz="1400" b="0" i="0" u="none" strike="noStrike" cap="none">
           <a:solidFill>
             <a:srgbClr val="000000"/>
           </a:solidFill>
@@ -7877,7 +7988,7 @@
       </a:lvl9pPr>
     </p:bodyStyle>
     <p:otherStyle>
-      <a:defPPr lvl="0" marR="0" rtl="0" algn="l">
+      <a:defPPr marR="0" lvl="0" algn="l" rtl="0">
         <a:lnSpc>
           <a:spcPct val="100000"/>
         </a:lnSpc>
@@ -7888,7 +7999,7 @@
           <a:spcPts val="0"/>
         </a:spcAft>
       </a:defPPr>
-      <a:lvl1pPr lvl="0" marR="0" rtl="0" algn="l">
+      <a:lvl1pPr marR="0" lvl="0" algn="l" rtl="0">
         <a:lnSpc>
           <a:spcPct val="100000"/>
         </a:lnSpc>
@@ -7902,7 +8013,7 @@
           <a:srgbClr val="000000"/>
         </a:buClr>
         <a:buFont typeface="Arial"/>
-        <a:defRPr b="0" i="0" sz="1400" u="none" cap="none" strike="noStrike">
+        <a:defRPr sz="1400" b="0" i="0" u="none" strike="noStrike" cap="none">
           <a:solidFill>
             <a:srgbClr val="000000"/>
           </a:solidFill>
@@ -7912,7 +8023,7 @@
           <a:sym typeface="Arial"/>
         </a:defRPr>
       </a:lvl1pPr>
-      <a:lvl2pPr lvl="1" marR="0" rtl="0" algn="l">
+      <a:lvl2pPr marR="0" lvl="1" algn="l" rtl="0">
         <a:lnSpc>
           <a:spcPct val="100000"/>
         </a:lnSpc>
@@ -7926,7 +8037,7 @@
           <a:srgbClr val="000000"/>
         </a:buClr>
         <a:buFont typeface="Arial"/>
-        <a:defRPr b="0" i="0" sz="1400" u="none" cap="none" strike="noStrike">
+        <a:defRPr sz="1400" b="0" i="0" u="none" strike="noStrike" cap="none">
           <a:solidFill>
             <a:srgbClr val="000000"/>
           </a:solidFill>
@@ -7936,7 +8047,7 @@
           <a:sym typeface="Arial"/>
         </a:defRPr>
       </a:lvl2pPr>
-      <a:lvl3pPr lvl="2" marR="0" rtl="0" algn="l">
+      <a:lvl3pPr marR="0" lvl="2" algn="l" rtl="0">
         <a:lnSpc>
           <a:spcPct val="100000"/>
         </a:lnSpc>
@@ -7950,7 +8061,7 @@
           <a:srgbClr val="000000"/>
         </a:buClr>
         <a:buFont typeface="Arial"/>
-        <a:defRPr b="0" i="0" sz="1400" u="none" cap="none" strike="noStrike">
+        <a:defRPr sz="1400" b="0" i="0" u="none" strike="noStrike" cap="none">
           <a:solidFill>
             <a:srgbClr val="000000"/>
           </a:solidFill>
@@ -7960,7 +8071,7 @@
           <a:sym typeface="Arial"/>
         </a:defRPr>
       </a:lvl3pPr>
-      <a:lvl4pPr lvl="3" marR="0" rtl="0" algn="l">
+      <a:lvl4pPr marR="0" lvl="3" algn="l" rtl="0">
         <a:lnSpc>
           <a:spcPct val="100000"/>
         </a:lnSpc>
@@ -7974,7 +8085,7 @@
           <a:srgbClr val="000000"/>
         </a:buClr>
         <a:buFont typeface="Arial"/>
-        <a:defRPr b="0" i="0" sz="1400" u="none" cap="none" strike="noStrike">
+        <a:defRPr sz="1400" b="0" i="0" u="none" strike="noStrike" cap="none">
           <a:solidFill>
             <a:srgbClr val="000000"/>
           </a:solidFill>
@@ -7984,7 +8095,7 @@
           <a:sym typeface="Arial"/>
         </a:defRPr>
       </a:lvl4pPr>
-      <a:lvl5pPr lvl="4" marR="0" rtl="0" algn="l">
+      <a:lvl5pPr marR="0" lvl="4" algn="l" rtl="0">
         <a:lnSpc>
           <a:spcPct val="100000"/>
         </a:lnSpc>
@@ -7998,7 +8109,7 @@
           <a:srgbClr val="000000"/>
         </a:buClr>
         <a:buFont typeface="Arial"/>
-        <a:defRPr b="0" i="0" sz="1400" u="none" cap="none" strike="noStrike">
+        <a:defRPr sz="1400" b="0" i="0" u="none" strike="noStrike" cap="none">
           <a:solidFill>
             <a:srgbClr val="000000"/>
           </a:solidFill>
@@ -8008,7 +8119,7 @@
           <a:sym typeface="Arial"/>
         </a:defRPr>
       </a:lvl5pPr>
-      <a:lvl6pPr lvl="5" marR="0" rtl="0" algn="l">
+      <a:lvl6pPr marR="0" lvl="5" algn="l" rtl="0">
         <a:lnSpc>
           <a:spcPct val="100000"/>
         </a:lnSpc>
@@ -8022,7 +8133,7 @@
           <a:srgbClr val="000000"/>
         </a:buClr>
         <a:buFont typeface="Arial"/>
-        <a:defRPr b="0" i="0" sz="1400" u="none" cap="none" strike="noStrike">
+        <a:defRPr sz="1400" b="0" i="0" u="none" strike="noStrike" cap="none">
           <a:solidFill>
             <a:srgbClr val="000000"/>
           </a:solidFill>
@@ -8032,7 +8143,7 @@
           <a:sym typeface="Arial"/>
         </a:defRPr>
       </a:lvl6pPr>
-      <a:lvl7pPr lvl="6" marR="0" rtl="0" algn="l">
+      <a:lvl7pPr marR="0" lvl="6" algn="l" rtl="0">
         <a:lnSpc>
           <a:spcPct val="100000"/>
         </a:lnSpc>
@@ -8046,7 +8157,7 @@
           <a:srgbClr val="000000"/>
         </a:buClr>
         <a:buFont typeface="Arial"/>
-        <a:defRPr b="0" i="0" sz="1400" u="none" cap="none" strike="noStrike">
+        <a:defRPr sz="1400" b="0" i="0" u="none" strike="noStrike" cap="none">
           <a:solidFill>
             <a:srgbClr val="000000"/>
           </a:solidFill>
@@ -8056,7 +8167,7 @@
           <a:sym typeface="Arial"/>
         </a:defRPr>
       </a:lvl7pPr>
-      <a:lvl8pPr lvl="7" marR="0" rtl="0" algn="l">
+      <a:lvl8pPr marR="0" lvl="7" algn="l" rtl="0">
         <a:lnSpc>
           <a:spcPct val="100000"/>
         </a:lnSpc>
@@ -8070,7 +8181,7 @@
           <a:srgbClr val="000000"/>
         </a:buClr>
         <a:buFont typeface="Arial"/>
-        <a:defRPr b="0" i="0" sz="1400" u="none" cap="none" strike="noStrike">
+        <a:defRPr sz="1400" b="0" i="0" u="none" strike="noStrike" cap="none">
           <a:solidFill>
             <a:srgbClr val="000000"/>
           </a:solidFill>
@@ -8080,7 +8191,7 @@
           <a:sym typeface="Arial"/>
         </a:defRPr>
       </a:lvl8pPr>
-      <a:lvl9pPr lvl="8" marR="0" rtl="0" algn="l">
+      <a:lvl9pPr marR="0" lvl="8" algn="l" rtl="0">
         <a:lnSpc>
           <a:spcPct val="100000"/>
         </a:lnSpc>
@@ -8094,7 +8205,7 @@
           <a:srgbClr val="000000"/>
         </a:buClr>
         <a:buFont typeface="Arial"/>
-        <a:defRPr b="0" i="0" sz="1400" u="none" cap="none" strike="noStrike">
+        <a:defRPr sz="1400" b="0" i="0" u="none" strike="noStrike" cap="none">
           <a:solidFill>
             <a:srgbClr val="000000"/>
           </a:solidFill>
@@ -8110,11 +8221,11 @@
 </file>
 
 <file path=ppt/slides/slide1.xml><?xml version="1.0" encoding="utf-8"?>
-<p:sld xmlns:a="http://schemas.openxmlformats.org/drawingml/2006/main" xmlns:r="http://schemas.openxmlformats.org/officeDocument/2006/relationships" xmlns:mc="http://schemas.openxmlformats.org/markup-compatibility/2006" xmlns:mv="urn:schemas-microsoft-com:mac:vml" xmlns:p="http://schemas.openxmlformats.org/presentationml/2006/main" xmlns:c="http://schemas.openxmlformats.org/drawingml/2006/chart" xmlns:dgm="http://schemas.openxmlformats.org/drawingml/2006/diagram" xmlns:o="urn:schemas-microsoft-com:office:office" xmlns:v="urn:schemas-microsoft-com:vml" xmlns:pvml="urn:schemas-microsoft-com:office:powerpoint" xmlns:com="http://schemas.openxmlformats.org/drawingml/2006/compatibility" xmlns:p14="http://schemas.microsoft.com/office/powerpoint/2010/main" xmlns:p15="http://schemas.microsoft.com/office/powerpoint/2012/main" xmlns:ahyp="http://schemas.microsoft.com/office/drawing/2018/hyperlinkcolor">
+<p:sld xmlns:a="http://schemas.openxmlformats.org/drawingml/2006/main" xmlns:r="http://schemas.openxmlformats.org/officeDocument/2006/relationships" xmlns:p="http://schemas.openxmlformats.org/presentationml/2006/main">
   <p:cSld>
     <p:spTree>
       <p:nvGrpSpPr>
-        <p:cNvPr id="85" name="Shape 85"/>
+        <p:cNvPr id="1" name="Shape 85"/>
         <p:cNvGrpSpPr/>
         <p:nvPr/>
       </p:nvGrpSpPr>
@@ -8129,7 +8240,9 @@
       <p:sp>
         <p:nvSpPr>
           <p:cNvPr id="86" name="Google Shape;86;p13"/>
-          <p:cNvSpPr txBox="1"/>
+          <p:cNvSpPr txBox="1">
+            <a:spLocks noGrp="1"/>
+          </p:cNvSpPr>
           <p:nvPr>
             <p:ph type="ctrTitle"/>
           </p:nvPr>
@@ -8144,12 +8257,12 @@
           </a:prstGeom>
         </p:spPr>
         <p:txBody>
-          <a:bodyPr anchorCtr="0" anchor="t" bIns="91425" lIns="91425" spcFirstLastPara="1" rIns="91425" wrap="square" tIns="91425">
+          <a:bodyPr spcFirstLastPara="1" wrap="square" lIns="91425" tIns="91425" rIns="91425" bIns="91425" anchor="t" anchorCtr="0">
             <a:normAutofit/>
           </a:bodyPr>
           <a:lstStyle/>
           <a:p>
-            <a:pPr indent="0" lvl="0" marL="0" rtl="0" algn="l">
+            <a:pPr marL="0" lvl="0" indent="0" algn="l" rtl="0">
               <a:spcBef>
                 <a:spcPts val="0"/>
               </a:spcBef>
@@ -8169,9 +8282,11 @@
       <p:sp>
         <p:nvSpPr>
           <p:cNvPr id="87" name="Google Shape;87;p13"/>
-          <p:cNvSpPr txBox="1"/>
+          <p:cNvSpPr txBox="1">
+            <a:spLocks noGrp="1"/>
+          </p:cNvSpPr>
           <p:nvPr>
-            <p:ph idx="1" type="subTitle"/>
+            <p:ph type="subTitle" idx="1"/>
           </p:nvPr>
         </p:nvSpPr>
         <p:spPr>
@@ -8184,12 +8299,12 @@
           </a:prstGeom>
         </p:spPr>
         <p:txBody>
-          <a:bodyPr anchorCtr="0" anchor="t" bIns="91425" lIns="91425" spcFirstLastPara="1" rIns="91425" wrap="square" tIns="91425">
+          <a:bodyPr spcFirstLastPara="1" wrap="square" lIns="91425" tIns="91425" rIns="91425" bIns="91425" anchor="t" anchorCtr="0">
             <a:normAutofit/>
           </a:bodyPr>
           <a:lstStyle/>
           <a:p>
-            <a:pPr indent="0" lvl="0" marL="0" rtl="0" algn="l">
+            <a:pPr marL="0" lvl="0" indent="0" algn="l" rtl="0">
               <a:spcBef>
                 <a:spcPts val="0"/>
               </a:spcBef>
@@ -8215,11 +8330,11 @@
 </file>
 
 <file path=ppt/slides/slide10.xml><?xml version="1.0" encoding="utf-8"?>
-<p:sld xmlns:a="http://schemas.openxmlformats.org/drawingml/2006/main" xmlns:r="http://schemas.openxmlformats.org/officeDocument/2006/relationships" xmlns:mc="http://schemas.openxmlformats.org/markup-compatibility/2006" xmlns:mv="urn:schemas-microsoft-com:mac:vml" xmlns:p="http://schemas.openxmlformats.org/presentationml/2006/main" xmlns:c="http://schemas.openxmlformats.org/drawingml/2006/chart" xmlns:dgm="http://schemas.openxmlformats.org/drawingml/2006/diagram" xmlns:o="urn:schemas-microsoft-com:office:office" xmlns:v="urn:schemas-microsoft-com:vml" xmlns:pvml="urn:schemas-microsoft-com:office:powerpoint" xmlns:com="http://schemas.openxmlformats.org/drawingml/2006/compatibility" xmlns:p14="http://schemas.microsoft.com/office/powerpoint/2010/main" xmlns:p15="http://schemas.microsoft.com/office/powerpoint/2012/main" xmlns:ahyp="http://schemas.microsoft.com/office/drawing/2018/hyperlinkcolor">
+<p:sld xmlns:a="http://schemas.openxmlformats.org/drawingml/2006/main" xmlns:r="http://schemas.openxmlformats.org/officeDocument/2006/relationships" xmlns:p="http://schemas.openxmlformats.org/presentationml/2006/main">
   <p:cSld>
     <p:spTree>
       <p:nvGrpSpPr>
-        <p:cNvPr id="140" name="Shape 140"/>
+        <p:cNvPr id="1" name="Shape 140"/>
         <p:cNvGrpSpPr/>
         <p:nvPr/>
       </p:nvGrpSpPr>
@@ -8234,7 +8349,9 @@
       <p:sp>
         <p:nvSpPr>
           <p:cNvPr id="141" name="Google Shape;141;p22"/>
-          <p:cNvSpPr txBox="1"/>
+          <p:cNvSpPr txBox="1">
+            <a:spLocks noGrp="1"/>
+          </p:cNvSpPr>
           <p:nvPr>
             <p:ph type="title"/>
           </p:nvPr>
@@ -8249,12 +8366,12 @@
           </a:prstGeom>
         </p:spPr>
         <p:txBody>
-          <a:bodyPr anchorCtr="0" anchor="t" bIns="91425" lIns="91425" spcFirstLastPara="1" rIns="91425" wrap="square" tIns="91425">
+          <a:bodyPr spcFirstLastPara="1" wrap="square" lIns="91425" tIns="91425" rIns="91425" bIns="91425" anchor="t" anchorCtr="0">
             <a:normAutofit fontScale="90000"/>
           </a:bodyPr>
           <a:lstStyle/>
           <a:p>
-            <a:pPr indent="0" lvl="0" marL="0" rtl="0" algn="l">
+            <a:pPr marL="0" lvl="0" indent="0" algn="l" rtl="0">
               <a:spcBef>
                 <a:spcPts val="0"/>
               </a:spcBef>
@@ -8274,9 +8391,11 @@
       <p:sp>
         <p:nvSpPr>
           <p:cNvPr id="142" name="Google Shape;142;p22"/>
-          <p:cNvSpPr txBox="1"/>
+          <p:cNvSpPr txBox="1">
+            <a:spLocks noGrp="1"/>
+          </p:cNvSpPr>
           <p:nvPr>
-            <p:ph idx="1" type="body"/>
+            <p:ph type="body" idx="1"/>
           </p:nvPr>
         </p:nvSpPr>
         <p:spPr>
@@ -8289,12 +8408,12 @@
           </a:prstGeom>
         </p:spPr>
         <p:txBody>
-          <a:bodyPr anchorCtr="0" anchor="t" bIns="91425" lIns="91425" spcFirstLastPara="1" rIns="91425" wrap="square" tIns="91425">
+          <a:bodyPr spcFirstLastPara="1" wrap="square" lIns="91425" tIns="91425" rIns="91425" bIns="91425" anchor="t" anchorCtr="0">
             <a:noAutofit/>
           </a:bodyPr>
           <a:lstStyle/>
           <a:p>
-            <a:pPr indent="0" lvl="0" marL="0" rtl="0" algn="l">
+            <a:pPr marL="0" lvl="0" indent="0" algn="l" rtl="0">
               <a:spcBef>
                 <a:spcPts val="0"/>
               </a:spcBef>
@@ -8320,7 +8439,7 @@
             </a:endParaRPr>
           </a:p>
           <a:p>
-            <a:pPr indent="0" lvl="0" marL="0" rtl="0" algn="l">
+            <a:pPr marL="0" lvl="0" indent="0" algn="l" rtl="0">
               <a:spcBef>
                 <a:spcPts val="0"/>
               </a:spcBef>
@@ -8329,9 +8448,6 @@
               </a:spcAft>
               <a:buNone/>
             </a:pPr>
-            <a:r>
-              <a:t/>
-            </a:r>
             <a:endParaRPr sz="2000">
               <a:latin typeface="Consolas"/>
               <a:ea typeface="Consolas"/>
@@ -8340,7 +8456,7 @@
             </a:endParaRPr>
           </a:p>
           <a:p>
-            <a:pPr indent="0" lvl="0" marL="0" rtl="0" algn="l">
+            <a:pPr marL="0" lvl="0" indent="0" algn="l" rtl="0">
               <a:spcBef>
                 <a:spcPts val="0"/>
               </a:spcBef>
@@ -8366,7 +8482,7 @@
             </a:endParaRPr>
           </a:p>
           <a:p>
-            <a:pPr indent="457200" lvl="0" marL="0" rtl="0" algn="l">
+            <a:pPr marL="0" lvl="0" indent="457200" algn="l" rtl="0">
               <a:spcBef>
                 <a:spcPts val="0"/>
               </a:spcBef>
@@ -8392,7 +8508,7 @@
             </a:endParaRPr>
           </a:p>
           <a:p>
-            <a:pPr indent="0" lvl="0" marL="0" rtl="0" algn="l">
+            <a:pPr marL="0" lvl="0" indent="0" algn="l" rtl="0">
               <a:spcBef>
                 <a:spcPts val="0"/>
               </a:spcBef>
@@ -8418,7 +8534,7 @@
             </a:endParaRPr>
           </a:p>
           <a:p>
-            <a:pPr indent="0" lvl="0" marL="0" rtl="0" algn="l">
+            <a:pPr marL="0" lvl="0" indent="0" algn="l" rtl="0">
               <a:spcBef>
                 <a:spcPts val="0"/>
               </a:spcBef>
@@ -8454,11 +8570,11 @@
 </file>
 
 <file path=ppt/slides/slide11.xml><?xml version="1.0" encoding="utf-8"?>
-<p:sld xmlns:a="http://schemas.openxmlformats.org/drawingml/2006/main" xmlns:r="http://schemas.openxmlformats.org/officeDocument/2006/relationships" xmlns:mc="http://schemas.openxmlformats.org/markup-compatibility/2006" xmlns:mv="urn:schemas-microsoft-com:mac:vml" xmlns:p="http://schemas.openxmlformats.org/presentationml/2006/main" xmlns:c="http://schemas.openxmlformats.org/drawingml/2006/chart" xmlns:dgm="http://schemas.openxmlformats.org/drawingml/2006/diagram" xmlns:o="urn:schemas-microsoft-com:office:office" xmlns:v="urn:schemas-microsoft-com:vml" xmlns:pvml="urn:schemas-microsoft-com:office:powerpoint" xmlns:com="http://schemas.openxmlformats.org/drawingml/2006/compatibility" xmlns:p14="http://schemas.microsoft.com/office/powerpoint/2010/main" xmlns:p15="http://schemas.microsoft.com/office/powerpoint/2012/main" xmlns:ahyp="http://schemas.microsoft.com/office/drawing/2018/hyperlinkcolor">
+<p:sld xmlns:a="http://schemas.openxmlformats.org/drawingml/2006/main" xmlns:r="http://schemas.openxmlformats.org/officeDocument/2006/relationships" xmlns:p="http://schemas.openxmlformats.org/presentationml/2006/main">
   <p:cSld>
     <p:spTree>
       <p:nvGrpSpPr>
-        <p:cNvPr id="146" name="Shape 146"/>
+        <p:cNvPr id="1" name="Shape 146"/>
         <p:cNvGrpSpPr/>
         <p:nvPr/>
       </p:nvGrpSpPr>
@@ -8473,7 +8589,9 @@
       <p:sp>
         <p:nvSpPr>
           <p:cNvPr id="147" name="Google Shape;147;p23"/>
-          <p:cNvSpPr txBox="1"/>
+          <p:cNvSpPr txBox="1">
+            <a:spLocks noGrp="1"/>
+          </p:cNvSpPr>
           <p:nvPr>
             <p:ph type="title"/>
           </p:nvPr>
@@ -8488,12 +8606,12 @@
           </a:prstGeom>
         </p:spPr>
         <p:txBody>
-          <a:bodyPr anchorCtr="0" anchor="t" bIns="91425" lIns="91425" spcFirstLastPara="1" rIns="91425" wrap="square" tIns="91425">
+          <a:bodyPr spcFirstLastPara="1" wrap="square" lIns="91425" tIns="91425" rIns="91425" bIns="91425" anchor="t" anchorCtr="0">
             <a:noAutofit/>
           </a:bodyPr>
           <a:lstStyle/>
           <a:p>
-            <a:pPr indent="0" lvl="0" marL="0" rtl="0" algn="l">
+            <a:pPr marL="0" lvl="0" indent="0" algn="l" rtl="0">
               <a:spcBef>
                 <a:spcPts val="0"/>
               </a:spcBef>
@@ -8514,9 +8632,11 @@
       <p:sp>
         <p:nvSpPr>
           <p:cNvPr id="148" name="Google Shape;148;p23"/>
-          <p:cNvSpPr txBox="1"/>
+          <p:cNvSpPr txBox="1">
+            <a:spLocks noGrp="1"/>
+          </p:cNvSpPr>
           <p:nvPr>
-            <p:ph idx="1" type="body"/>
+            <p:ph type="body" idx="1"/>
           </p:nvPr>
         </p:nvSpPr>
         <p:spPr>
@@ -8529,12 +8649,12 @@
           </a:prstGeom>
         </p:spPr>
         <p:txBody>
-          <a:bodyPr anchorCtr="0" anchor="t" bIns="91425" lIns="91425" spcFirstLastPara="1" rIns="91425" wrap="square" tIns="91425">
+          <a:bodyPr spcFirstLastPara="1" wrap="square" lIns="91425" tIns="91425" rIns="91425" bIns="91425" anchor="t" anchorCtr="0">
             <a:normAutofit/>
           </a:bodyPr>
           <a:lstStyle/>
           <a:p>
-            <a:pPr indent="-355600" lvl="0" marL="457200" rtl="0" algn="l">
+            <a:pPr marL="457200" lvl="0" indent="-355600" algn="l" rtl="0">
               <a:spcBef>
                 <a:spcPts val="0"/>
               </a:spcBef>
@@ -8551,7 +8671,7 @@
             <a:endParaRPr sz="2000"/>
           </a:p>
           <a:p>
-            <a:pPr indent="-355600" lvl="0" marL="457200" rtl="0" algn="l">
+            <a:pPr marL="457200" lvl="0" indent="-355600" algn="l" rtl="0">
               <a:spcBef>
                 <a:spcPts val="0"/>
               </a:spcBef>
@@ -8568,7 +8688,7 @@
             <a:endParaRPr sz="2000"/>
           </a:p>
           <a:p>
-            <a:pPr indent="-355600" lvl="0" marL="457200" rtl="0" algn="l">
+            <a:pPr marL="457200" lvl="0" indent="-355600" algn="l" rtl="0">
               <a:spcBef>
                 <a:spcPts val="0"/>
               </a:spcBef>
@@ -8595,11 +8715,11 @@
 </file>
 
 <file path=ppt/slides/slide2.xml><?xml version="1.0" encoding="utf-8"?>
-<p:sld xmlns:a="http://schemas.openxmlformats.org/drawingml/2006/main" xmlns:r="http://schemas.openxmlformats.org/officeDocument/2006/relationships" xmlns:mc="http://schemas.openxmlformats.org/markup-compatibility/2006" xmlns:mv="urn:schemas-microsoft-com:mac:vml" xmlns:p="http://schemas.openxmlformats.org/presentationml/2006/main" xmlns:c="http://schemas.openxmlformats.org/drawingml/2006/chart" xmlns:dgm="http://schemas.openxmlformats.org/drawingml/2006/diagram" xmlns:o="urn:schemas-microsoft-com:office:office" xmlns:v="urn:schemas-microsoft-com:vml" xmlns:pvml="urn:schemas-microsoft-com:office:powerpoint" xmlns:com="http://schemas.openxmlformats.org/drawingml/2006/compatibility" xmlns:p14="http://schemas.microsoft.com/office/powerpoint/2010/main" xmlns:p15="http://schemas.microsoft.com/office/powerpoint/2012/main" xmlns:ahyp="http://schemas.microsoft.com/office/drawing/2018/hyperlinkcolor">
+<p:sld xmlns:a="http://schemas.openxmlformats.org/drawingml/2006/main" xmlns:r="http://schemas.openxmlformats.org/officeDocument/2006/relationships" xmlns:p="http://schemas.openxmlformats.org/presentationml/2006/main">
   <p:cSld>
     <p:spTree>
       <p:nvGrpSpPr>
-        <p:cNvPr id="91" name="Shape 91"/>
+        <p:cNvPr id="1" name="Shape 91"/>
         <p:cNvGrpSpPr/>
         <p:nvPr/>
       </p:nvGrpSpPr>
@@ -8614,7 +8734,9 @@
       <p:sp>
         <p:nvSpPr>
           <p:cNvPr id="92" name="Google Shape;92;p14"/>
-          <p:cNvSpPr txBox="1"/>
+          <p:cNvSpPr txBox="1">
+            <a:spLocks noGrp="1"/>
+          </p:cNvSpPr>
           <p:nvPr>
             <p:ph type="title"/>
           </p:nvPr>
@@ -8629,12 +8751,12 @@
           </a:prstGeom>
         </p:spPr>
         <p:txBody>
-          <a:bodyPr anchorCtr="0" anchor="t" bIns="91425" lIns="91425" spcFirstLastPara="1" rIns="91425" wrap="square" tIns="91425">
+          <a:bodyPr spcFirstLastPara="1" wrap="square" lIns="91425" tIns="91425" rIns="91425" bIns="91425" anchor="t" anchorCtr="0">
             <a:normAutofit fontScale="90000"/>
           </a:bodyPr>
           <a:lstStyle/>
           <a:p>
-            <a:pPr indent="0" lvl="0" marL="0" rtl="0" algn="l">
+            <a:pPr marL="0" lvl="0" indent="0" algn="l" rtl="0">
               <a:spcBef>
                 <a:spcPts val="0"/>
               </a:spcBef>
@@ -8654,9 +8776,11 @@
       <p:sp>
         <p:nvSpPr>
           <p:cNvPr id="93" name="Google Shape;93;p14"/>
-          <p:cNvSpPr txBox="1"/>
+          <p:cNvSpPr txBox="1">
+            <a:spLocks noGrp="1"/>
+          </p:cNvSpPr>
           <p:nvPr>
-            <p:ph idx="1" type="body"/>
+            <p:ph type="body" idx="1"/>
           </p:nvPr>
         </p:nvSpPr>
         <p:spPr>
@@ -8669,12 +8793,12 @@
           </a:prstGeom>
         </p:spPr>
         <p:txBody>
-          <a:bodyPr anchorCtr="0" anchor="t" bIns="91425" lIns="91425" spcFirstLastPara="1" rIns="91425" wrap="square" tIns="91425">
+          <a:bodyPr spcFirstLastPara="1" wrap="square" lIns="91425" tIns="91425" rIns="91425" bIns="91425" anchor="t" anchorCtr="0">
             <a:normAutofit/>
           </a:bodyPr>
           <a:lstStyle/>
           <a:p>
-            <a:pPr indent="-355600" lvl="0" marL="457200" rtl="0" algn="l">
+            <a:pPr marL="457200" lvl="0" indent="-355600" algn="l" rtl="0">
               <a:lnSpc>
                 <a:spcPct val="150000"/>
               </a:lnSpc>
@@ -8706,7 +8830,7 @@
             </a:endParaRPr>
           </a:p>
           <a:p>
-            <a:pPr indent="-330200" lvl="1" marL="914400" rtl="0" algn="l">
+            <a:pPr marL="914400" lvl="1" indent="-330200" algn="l" rtl="0">
               <a:lnSpc>
                 <a:spcPct val="150000"/>
               </a:lnSpc>
@@ -8738,7 +8862,7 @@
             </a:endParaRPr>
           </a:p>
           <a:p>
-            <a:pPr indent="-355600" lvl="0" marL="457200" rtl="0" algn="l">
+            <a:pPr marL="457200" lvl="0" indent="-355600" algn="l" rtl="0">
               <a:lnSpc>
                 <a:spcPct val="150000"/>
               </a:lnSpc>
@@ -8770,7 +8894,7 @@
             </a:endParaRPr>
           </a:p>
           <a:p>
-            <a:pPr indent="-330200" lvl="1" marL="914400" rtl="0" algn="l">
+            <a:pPr marL="914400" lvl="1" indent="-330200" algn="l" rtl="0">
               <a:lnSpc>
                 <a:spcPct val="150000"/>
               </a:lnSpc>
@@ -8808,11 +8932,11 @@
 </file>
 
 <file path=ppt/slides/slide3.xml><?xml version="1.0" encoding="utf-8"?>
-<p:sld xmlns:a="http://schemas.openxmlformats.org/drawingml/2006/main" xmlns:r="http://schemas.openxmlformats.org/officeDocument/2006/relationships" xmlns:mc="http://schemas.openxmlformats.org/markup-compatibility/2006" xmlns:mv="urn:schemas-microsoft-com:mac:vml" xmlns:p="http://schemas.openxmlformats.org/presentationml/2006/main" xmlns:c="http://schemas.openxmlformats.org/drawingml/2006/chart" xmlns:dgm="http://schemas.openxmlformats.org/drawingml/2006/diagram" xmlns:o="urn:schemas-microsoft-com:office:office" xmlns:v="urn:schemas-microsoft-com:vml" xmlns:pvml="urn:schemas-microsoft-com:office:powerpoint" xmlns:com="http://schemas.openxmlformats.org/drawingml/2006/compatibility" xmlns:p14="http://schemas.microsoft.com/office/powerpoint/2010/main" xmlns:p15="http://schemas.microsoft.com/office/powerpoint/2012/main" xmlns:ahyp="http://schemas.microsoft.com/office/drawing/2018/hyperlinkcolor">
+<p:sld xmlns:a="http://schemas.openxmlformats.org/drawingml/2006/main" xmlns:r="http://schemas.openxmlformats.org/officeDocument/2006/relationships" xmlns:p="http://schemas.openxmlformats.org/presentationml/2006/main">
   <p:cSld>
     <p:spTree>
       <p:nvGrpSpPr>
-        <p:cNvPr id="97" name="Shape 97"/>
+        <p:cNvPr id="1" name="Shape 97"/>
         <p:cNvGrpSpPr/>
         <p:nvPr/>
       </p:nvGrpSpPr>
@@ -8827,7 +8951,9 @@
       <p:sp>
         <p:nvSpPr>
           <p:cNvPr id="98" name="Google Shape;98;p15"/>
-          <p:cNvSpPr txBox="1"/>
+          <p:cNvSpPr txBox="1">
+            <a:spLocks noGrp="1"/>
+          </p:cNvSpPr>
           <p:nvPr>
             <p:ph type="title"/>
           </p:nvPr>
@@ -8842,12 +8968,12 @@
           </a:prstGeom>
         </p:spPr>
         <p:txBody>
-          <a:bodyPr anchorCtr="0" anchor="t" bIns="91425" lIns="91425" spcFirstLastPara="1" rIns="91425" wrap="square" tIns="91425">
+          <a:bodyPr spcFirstLastPara="1" wrap="square" lIns="91425" tIns="91425" rIns="91425" bIns="91425" anchor="t" anchorCtr="0">
             <a:normAutofit fontScale="90000"/>
           </a:bodyPr>
           <a:lstStyle/>
           <a:p>
-            <a:pPr indent="0" lvl="0" marL="0" rtl="0" algn="l">
+            <a:pPr marL="0" lvl="0" indent="0" algn="l" rtl="0">
               <a:spcBef>
                 <a:spcPts val="0"/>
               </a:spcBef>
@@ -8867,9 +8993,11 @@
       <p:sp>
         <p:nvSpPr>
           <p:cNvPr id="99" name="Google Shape;99;p15"/>
-          <p:cNvSpPr txBox="1"/>
+          <p:cNvSpPr txBox="1">
+            <a:spLocks noGrp="1"/>
+          </p:cNvSpPr>
           <p:nvPr>
-            <p:ph idx="1" type="body"/>
+            <p:ph type="body" idx="1"/>
           </p:nvPr>
         </p:nvSpPr>
         <p:spPr>
@@ -8882,12 +9010,12 @@
           </a:prstGeom>
         </p:spPr>
         <p:txBody>
-          <a:bodyPr anchorCtr="0" anchor="t" bIns="91425" lIns="91425" spcFirstLastPara="1" rIns="91425" wrap="square" tIns="91425">
+          <a:bodyPr spcFirstLastPara="1" wrap="square" lIns="91425" tIns="91425" rIns="91425" bIns="91425" anchor="t" anchorCtr="0">
             <a:normAutofit/>
           </a:bodyPr>
           <a:lstStyle/>
           <a:p>
-            <a:pPr indent="-355600" lvl="0" marL="457200" rtl="0" algn="l">
+            <a:pPr marL="457200" lvl="0" indent="-355600" algn="l" rtl="0">
               <a:lnSpc>
                 <a:spcPct val="150000"/>
               </a:lnSpc>
@@ -8907,7 +9035,7 @@
             <a:endParaRPr sz="2000"/>
           </a:p>
           <a:p>
-            <a:pPr indent="-355600" lvl="0" marL="457200" rtl="0" algn="l">
+            <a:pPr marL="457200" lvl="0" indent="-355600" algn="l" rtl="0">
               <a:lnSpc>
                 <a:spcPct val="150000"/>
               </a:lnSpc>
@@ -8942,11 +9070,11 @@
 </file>
 
 <file path=ppt/slides/slide4.xml><?xml version="1.0" encoding="utf-8"?>
-<p:sld xmlns:a="http://schemas.openxmlformats.org/drawingml/2006/main" xmlns:r="http://schemas.openxmlformats.org/officeDocument/2006/relationships" xmlns:mc="http://schemas.openxmlformats.org/markup-compatibility/2006" xmlns:mv="urn:schemas-microsoft-com:mac:vml" xmlns:p="http://schemas.openxmlformats.org/presentationml/2006/main" xmlns:c="http://schemas.openxmlformats.org/drawingml/2006/chart" xmlns:dgm="http://schemas.openxmlformats.org/drawingml/2006/diagram" xmlns:o="urn:schemas-microsoft-com:office:office" xmlns:v="urn:schemas-microsoft-com:vml" xmlns:pvml="urn:schemas-microsoft-com:office:powerpoint" xmlns:com="http://schemas.openxmlformats.org/drawingml/2006/compatibility" xmlns:p14="http://schemas.microsoft.com/office/powerpoint/2010/main" xmlns:p15="http://schemas.microsoft.com/office/powerpoint/2012/main" xmlns:ahyp="http://schemas.microsoft.com/office/drawing/2018/hyperlinkcolor">
+<p:sld xmlns:a="http://schemas.openxmlformats.org/drawingml/2006/main" xmlns:r="http://schemas.openxmlformats.org/officeDocument/2006/relationships" xmlns:p="http://schemas.openxmlformats.org/presentationml/2006/main">
   <p:cSld>
     <p:spTree>
       <p:nvGrpSpPr>
-        <p:cNvPr id="103" name="Shape 103"/>
+        <p:cNvPr id="1" name="Shape 103"/>
         <p:cNvGrpSpPr/>
         <p:nvPr/>
       </p:nvGrpSpPr>
@@ -8961,7 +9089,9 @@
       <p:sp>
         <p:nvSpPr>
           <p:cNvPr id="104" name="Google Shape;104;p16"/>
-          <p:cNvSpPr txBox="1"/>
+          <p:cNvSpPr txBox="1">
+            <a:spLocks noGrp="1"/>
+          </p:cNvSpPr>
           <p:nvPr>
             <p:ph type="title"/>
           </p:nvPr>
@@ -8976,12 +9106,12 @@
           </a:prstGeom>
         </p:spPr>
         <p:txBody>
-          <a:bodyPr anchorCtr="0" anchor="t" bIns="91425" lIns="91425" spcFirstLastPara="1" rIns="91425" wrap="square" tIns="91425">
+          <a:bodyPr spcFirstLastPara="1" wrap="square" lIns="91425" tIns="91425" rIns="91425" bIns="91425" anchor="t" anchorCtr="0">
             <a:normAutofit fontScale="90000"/>
           </a:bodyPr>
           <a:lstStyle/>
           <a:p>
-            <a:pPr indent="0" lvl="0" marL="0" rtl="0" algn="l">
+            <a:pPr marL="0" lvl="0" indent="0" algn="l" rtl="0">
               <a:spcBef>
                 <a:spcPts val="0"/>
               </a:spcBef>
@@ -9001,9 +9131,11 @@
       <p:sp>
         <p:nvSpPr>
           <p:cNvPr id="105" name="Google Shape;105;p16"/>
-          <p:cNvSpPr txBox="1"/>
+          <p:cNvSpPr txBox="1">
+            <a:spLocks noGrp="1"/>
+          </p:cNvSpPr>
           <p:nvPr>
-            <p:ph idx="1" type="body"/>
+            <p:ph type="body" idx="1"/>
           </p:nvPr>
         </p:nvSpPr>
         <p:spPr>
@@ -9016,12 +9148,12 @@
           </a:prstGeom>
         </p:spPr>
         <p:txBody>
-          <a:bodyPr anchorCtr="0" anchor="t" bIns="91425" lIns="91425" spcFirstLastPara="1" rIns="91425" wrap="square" tIns="91425">
+          <a:bodyPr spcFirstLastPara="1" wrap="square" lIns="91425" tIns="91425" rIns="91425" bIns="91425" anchor="t" anchorCtr="0">
             <a:normAutofit/>
           </a:bodyPr>
           <a:lstStyle/>
           <a:p>
-            <a:pPr indent="-355600" lvl="0" marL="457200" rtl="0" algn="l">
+            <a:pPr marL="457200" lvl="0" indent="-355600" algn="l" rtl="0">
               <a:lnSpc>
                 <a:spcPct val="150000"/>
               </a:lnSpc>
@@ -9038,21 +9170,21 @@
               <a:buChar char="●"/>
             </a:pPr>
             <a:r>
-              <a:rPr b="1" lang="en" sz="2000">
+              <a:rPr lang="en" sz="2000" b="1">
                 <a:solidFill>
                   <a:srgbClr val="FF0000"/>
                 </a:solidFill>
               </a:rPr>
               <a:t>Submission deadline: 2023/05/15  23:59</a:t>
             </a:r>
-            <a:endParaRPr b="1" sz="2000">
+            <a:endParaRPr sz="2000" b="1">
               <a:solidFill>
                 <a:srgbClr val="FF0000"/>
               </a:solidFill>
             </a:endParaRPr>
           </a:p>
           <a:p>
-            <a:pPr indent="-355600" lvl="0" marL="457200" rtl="0" algn="l">
+            <a:pPr marL="457200" lvl="0" indent="-355600" algn="l" rtl="0">
               <a:lnSpc>
                 <a:spcPct val="150000"/>
               </a:lnSpc>
@@ -9089,11 +9221,11 @@
 </file>
 
 <file path=ppt/slides/slide5.xml><?xml version="1.0" encoding="utf-8"?>
-<p:sld xmlns:a="http://schemas.openxmlformats.org/drawingml/2006/main" xmlns:r="http://schemas.openxmlformats.org/officeDocument/2006/relationships" xmlns:mc="http://schemas.openxmlformats.org/markup-compatibility/2006" xmlns:mv="urn:schemas-microsoft-com:mac:vml" xmlns:p="http://schemas.openxmlformats.org/presentationml/2006/main" xmlns:c="http://schemas.openxmlformats.org/drawingml/2006/chart" xmlns:dgm="http://schemas.openxmlformats.org/drawingml/2006/diagram" xmlns:o="urn:schemas-microsoft-com:office:office" xmlns:v="urn:schemas-microsoft-com:vml" xmlns:pvml="urn:schemas-microsoft-com:office:powerpoint" xmlns:com="http://schemas.openxmlformats.org/drawingml/2006/compatibility" xmlns:p14="http://schemas.microsoft.com/office/powerpoint/2010/main" xmlns:p15="http://schemas.microsoft.com/office/powerpoint/2012/main" xmlns:ahyp="http://schemas.microsoft.com/office/drawing/2018/hyperlinkcolor">
+<p:sld xmlns:a="http://schemas.openxmlformats.org/drawingml/2006/main" xmlns:r="http://schemas.openxmlformats.org/officeDocument/2006/relationships" xmlns:p="http://schemas.openxmlformats.org/presentationml/2006/main">
   <p:cSld>
     <p:spTree>
       <p:nvGrpSpPr>
-        <p:cNvPr id="109" name="Shape 109"/>
+        <p:cNvPr id="1" name="Shape 109"/>
         <p:cNvGrpSpPr/>
         <p:nvPr/>
       </p:nvGrpSpPr>
@@ -9108,7 +9240,9 @@
       <p:sp>
         <p:nvSpPr>
           <p:cNvPr id="110" name="Google Shape;110;p17"/>
-          <p:cNvSpPr txBox="1"/>
+          <p:cNvSpPr txBox="1">
+            <a:spLocks noGrp="1"/>
+          </p:cNvSpPr>
           <p:nvPr>
             <p:ph type="title"/>
           </p:nvPr>
@@ -9123,12 +9257,12 @@
           </a:prstGeom>
         </p:spPr>
         <p:txBody>
-          <a:bodyPr anchorCtr="0" anchor="t" bIns="91425" lIns="91425" spcFirstLastPara="1" rIns="91425" wrap="square" tIns="91425">
+          <a:bodyPr spcFirstLastPara="1" wrap="square" lIns="91425" tIns="91425" rIns="91425" bIns="91425" anchor="t" anchorCtr="0">
             <a:normAutofit fontScale="90000"/>
           </a:bodyPr>
           <a:lstStyle/>
           <a:p>
-            <a:pPr indent="0" lvl="0" marL="0" rtl="0" algn="l">
+            <a:pPr marL="0" lvl="0" indent="0" algn="l" rtl="0">
               <a:spcBef>
                 <a:spcPts val="0"/>
               </a:spcBef>
@@ -9148,9 +9282,11 @@
       <p:sp>
         <p:nvSpPr>
           <p:cNvPr id="111" name="Google Shape;111;p17"/>
-          <p:cNvSpPr txBox="1"/>
+          <p:cNvSpPr txBox="1">
+            <a:spLocks noGrp="1"/>
+          </p:cNvSpPr>
           <p:nvPr>
-            <p:ph idx="1" type="body"/>
+            <p:ph type="body" idx="1"/>
           </p:nvPr>
         </p:nvSpPr>
         <p:spPr>
@@ -9163,12 +9299,12 @@
           </a:prstGeom>
         </p:spPr>
         <p:txBody>
-          <a:bodyPr anchorCtr="0" anchor="t" bIns="91425" lIns="91425" spcFirstLastPara="1" rIns="91425" wrap="square" tIns="91425">
+          <a:bodyPr spcFirstLastPara="1" wrap="square" lIns="91425" tIns="91425" rIns="91425" bIns="91425" anchor="t" anchorCtr="0">
             <a:normAutofit lnSpcReduction="10000"/>
           </a:bodyPr>
           <a:lstStyle/>
           <a:p>
-            <a:pPr indent="-355600" lvl="0" marL="457200" rtl="0" algn="l">
+            <a:pPr marL="457200" lvl="0" indent="-355600" algn="l" rtl="0">
               <a:spcBef>
                 <a:spcPts val="0"/>
               </a:spcBef>
@@ -9216,7 +9352,7 @@
             </a:endParaRPr>
           </a:p>
           <a:p>
-            <a:pPr indent="-355600" lvl="0" marL="457200" rtl="0" algn="l">
+            <a:pPr marL="457200" lvl="0" indent="-355600" algn="l" rtl="0">
               <a:spcBef>
                 <a:spcPts val="0"/>
               </a:spcBef>
@@ -9264,7 +9400,7 @@
             </a:endParaRPr>
           </a:p>
           <a:p>
-            <a:pPr indent="-355600" lvl="0" marL="457200" rtl="0" algn="l">
+            <a:pPr marL="457200" lvl="0" indent="-355600" algn="l" rtl="0">
               <a:spcBef>
                 <a:spcPts val="0"/>
               </a:spcBef>
@@ -9312,7 +9448,7 @@
             </a:endParaRPr>
           </a:p>
           <a:p>
-            <a:pPr indent="-355600" lvl="0" marL="457200" rtl="0" algn="l">
+            <a:pPr marL="457200" lvl="0" indent="-355600" algn="l" rtl="0">
               <a:spcBef>
                 <a:spcPts val="0"/>
               </a:spcBef>
@@ -9360,7 +9496,7 @@
             </a:endParaRPr>
           </a:p>
           <a:p>
-            <a:pPr indent="-355600" lvl="0" marL="457200" rtl="0" algn="l">
+            <a:pPr marL="457200" lvl="0" indent="-355600" algn="l" rtl="0">
               <a:spcBef>
                 <a:spcPts val="0"/>
               </a:spcBef>
@@ -9408,7 +9544,7 @@
             </a:endParaRPr>
           </a:p>
           <a:p>
-            <a:pPr indent="0" lvl="0" marL="457200" rtl="0" algn="l">
+            <a:pPr marL="457200" lvl="0" indent="0" algn="l" rtl="0">
               <a:spcBef>
                 <a:spcPts val="0"/>
               </a:spcBef>
@@ -9417,9 +9553,6 @@
               </a:spcAft>
               <a:buNone/>
             </a:pPr>
-            <a:r>
-              <a:t/>
-            </a:r>
             <a:endParaRPr sz="2000">
               <a:solidFill>
                 <a:srgbClr val="1D1C1D"/>
@@ -9427,7 +9560,7 @@
             </a:endParaRPr>
           </a:p>
           <a:p>
-            <a:pPr indent="-342900" lvl="0" marL="457200" rtl="0" algn="l">
+            <a:pPr marL="457200" lvl="0" indent="-342900" algn="l" rtl="0">
               <a:spcBef>
                 <a:spcPts val="0"/>
               </a:spcBef>
@@ -9455,7 +9588,7 @@
             </a:endParaRPr>
           </a:p>
           <a:p>
-            <a:pPr indent="-342900" lvl="0" marL="457200" rtl="0" algn="l">
+            <a:pPr marL="457200" lvl="0" indent="-342900" algn="l" rtl="0">
               <a:spcBef>
                 <a:spcPts val="0"/>
               </a:spcBef>
@@ -9493,11 +9626,11 @@
 </file>
 
 <file path=ppt/slides/slide6.xml><?xml version="1.0" encoding="utf-8"?>
-<p:sld xmlns:a="http://schemas.openxmlformats.org/drawingml/2006/main" xmlns:r="http://schemas.openxmlformats.org/officeDocument/2006/relationships" xmlns:mc="http://schemas.openxmlformats.org/markup-compatibility/2006" xmlns:mv="urn:schemas-microsoft-com:mac:vml" xmlns:p="http://schemas.openxmlformats.org/presentationml/2006/main" xmlns:c="http://schemas.openxmlformats.org/drawingml/2006/chart" xmlns:dgm="http://schemas.openxmlformats.org/drawingml/2006/diagram" xmlns:o="urn:schemas-microsoft-com:office:office" xmlns:v="urn:schemas-microsoft-com:vml" xmlns:pvml="urn:schemas-microsoft-com:office:powerpoint" xmlns:com="http://schemas.openxmlformats.org/drawingml/2006/compatibility" xmlns:p14="http://schemas.microsoft.com/office/powerpoint/2010/main" xmlns:p15="http://schemas.microsoft.com/office/powerpoint/2012/main" xmlns:ahyp="http://schemas.microsoft.com/office/drawing/2018/hyperlinkcolor">
+<p:sld xmlns:a="http://schemas.openxmlformats.org/drawingml/2006/main" xmlns:r="http://schemas.openxmlformats.org/officeDocument/2006/relationships" xmlns:p="http://schemas.openxmlformats.org/presentationml/2006/main">
   <p:cSld>
     <p:spTree>
       <p:nvGrpSpPr>
-        <p:cNvPr id="115" name="Shape 115"/>
+        <p:cNvPr id="1" name="Shape 115"/>
         <p:cNvGrpSpPr/>
         <p:nvPr/>
       </p:nvGrpSpPr>
@@ -9512,9 +9645,11 @@
       <p:sp>
         <p:nvSpPr>
           <p:cNvPr id="116" name="Google Shape;116;p18"/>
-          <p:cNvSpPr txBox="1"/>
+          <p:cNvSpPr txBox="1">
+            <a:spLocks noGrp="1"/>
+          </p:cNvSpPr>
           <p:nvPr>
-            <p:ph idx="1" type="body"/>
+            <p:ph type="body" idx="1"/>
           </p:nvPr>
         </p:nvSpPr>
         <p:spPr>
@@ -9527,12 +9662,12 @@
           </a:prstGeom>
         </p:spPr>
         <p:txBody>
-          <a:bodyPr anchorCtr="0" anchor="t" bIns="91425" lIns="91425" spcFirstLastPara="1" rIns="91425" wrap="square" tIns="91425">
+          <a:bodyPr spcFirstLastPara="1" wrap="square" lIns="91425" tIns="91425" rIns="91425" bIns="91425" anchor="t" anchorCtr="0">
             <a:normAutofit/>
           </a:bodyPr>
           <a:lstStyle/>
           <a:p>
-            <a:pPr indent="-323850" lvl="0" marL="457200" marR="0" rtl="0" algn="l">
+            <a:pPr marL="457200" marR="0" lvl="0" indent="-323850" algn="l" rtl="0">
               <a:lnSpc>
                 <a:spcPct val="115000"/>
               </a:lnSpc>
@@ -9563,7 +9698,7 @@
             </a:endParaRPr>
           </a:p>
           <a:p>
-            <a:pPr indent="-323850" lvl="0" marL="457200" marR="0" rtl="0" algn="l">
+            <a:pPr marL="457200" marR="0" lvl="0" indent="-323850" algn="l" rtl="0">
               <a:lnSpc>
                 <a:spcPct val="115000"/>
               </a:lnSpc>
@@ -9594,7 +9729,7 @@
             </a:endParaRPr>
           </a:p>
           <a:p>
-            <a:pPr indent="-323850" lvl="0" marL="457200" marR="0" rtl="0" algn="l">
+            <a:pPr marL="457200" marR="0" lvl="0" indent="-323850" algn="l" rtl="0">
               <a:lnSpc>
                 <a:spcPct val="115000"/>
               </a:lnSpc>
@@ -9625,7 +9760,7 @@
             </a:endParaRPr>
           </a:p>
           <a:p>
-            <a:pPr indent="-323850" lvl="0" marL="457200" marR="0" rtl="0" algn="l">
+            <a:pPr marL="457200" marR="0" lvl="0" indent="-323850" algn="l" rtl="0">
               <a:lnSpc>
                 <a:spcPct val="115000"/>
               </a:lnSpc>
@@ -9656,7 +9791,7 @@
             </a:endParaRPr>
           </a:p>
           <a:p>
-            <a:pPr indent="-323850" lvl="0" marL="457200" marR="0" rtl="0" algn="l">
+            <a:pPr marL="457200" marR="0" lvl="0" indent="-323850" algn="l" rtl="0">
               <a:lnSpc>
                 <a:spcPct val="115000"/>
               </a:lnSpc>
@@ -9678,15 +9813,7 @@
                   <a:srgbClr val="1D1C1D"/>
                 </a:solidFill>
               </a:rPr>
-              <a:t>So Anonymous, So Hidden - </a:t>
-            </a:r>
-            <a:r>
-              <a:rPr lang="en" sz="1500">
-                <a:solidFill>
-                  <a:srgbClr val="1D1C1D"/>
-                </a:solidFill>
-              </a:rPr>
-              <a:t>周楷翔</a:t>
+              <a:t>So Anonymous, So Hidden - 周楷翔</a:t>
             </a:r>
             <a:endParaRPr sz="1500">
               <a:solidFill>
@@ -9699,7 +9826,9 @@
       <p:sp>
         <p:nvSpPr>
           <p:cNvPr id="117" name="Google Shape;117;p18"/>
-          <p:cNvSpPr txBox="1"/>
+          <p:cNvSpPr txBox="1">
+            <a:spLocks noGrp="1"/>
+          </p:cNvSpPr>
           <p:nvPr>
             <p:ph type="title"/>
           </p:nvPr>
@@ -9714,12 +9843,12 @@
           </a:prstGeom>
         </p:spPr>
         <p:txBody>
-          <a:bodyPr anchorCtr="0" anchor="t" bIns="91425" lIns="91425" spcFirstLastPara="1" rIns="91425" wrap="square" tIns="91425">
+          <a:bodyPr spcFirstLastPara="1" wrap="square" lIns="91425" tIns="91425" rIns="91425" bIns="91425" anchor="t" anchorCtr="0">
             <a:normAutofit fontScale="90000"/>
           </a:bodyPr>
           <a:lstStyle/>
           <a:p>
-            <a:pPr indent="0" lvl="0" marL="0" rtl="0" algn="l">
+            <a:pPr marL="0" lvl="0" indent="0" algn="l" rtl="0">
               <a:spcBef>
                 <a:spcPts val="0"/>
               </a:spcBef>
@@ -9745,11 +9874,11 @@
 </file>
 
 <file path=ppt/slides/slide7.xml><?xml version="1.0" encoding="utf-8"?>
-<p:sld xmlns:a="http://schemas.openxmlformats.org/drawingml/2006/main" xmlns:r="http://schemas.openxmlformats.org/officeDocument/2006/relationships" xmlns:mc="http://schemas.openxmlformats.org/markup-compatibility/2006" xmlns:mv="urn:schemas-microsoft-com:mac:vml" xmlns:p="http://schemas.openxmlformats.org/presentationml/2006/main" xmlns:c="http://schemas.openxmlformats.org/drawingml/2006/chart" xmlns:dgm="http://schemas.openxmlformats.org/drawingml/2006/diagram" xmlns:o="urn:schemas-microsoft-com:office:office" xmlns:v="urn:schemas-microsoft-com:vml" xmlns:pvml="urn:schemas-microsoft-com:office:powerpoint" xmlns:com="http://schemas.openxmlformats.org/drawingml/2006/compatibility" xmlns:p14="http://schemas.microsoft.com/office/powerpoint/2010/main" xmlns:p15="http://schemas.microsoft.com/office/powerpoint/2012/main" xmlns:ahyp="http://schemas.microsoft.com/office/drawing/2018/hyperlinkcolor">
+<p:sld xmlns:a="http://schemas.openxmlformats.org/drawingml/2006/main" xmlns:r="http://schemas.openxmlformats.org/officeDocument/2006/relationships" xmlns:p="http://schemas.openxmlformats.org/presentationml/2006/main">
   <p:cSld>
     <p:spTree>
       <p:nvGrpSpPr>
-        <p:cNvPr id="121" name="Shape 121"/>
+        <p:cNvPr id="1" name="Shape 121"/>
         <p:cNvGrpSpPr/>
         <p:nvPr/>
       </p:nvGrpSpPr>
@@ -9764,7 +9893,9 @@
       <p:sp>
         <p:nvSpPr>
           <p:cNvPr id="122" name="Google Shape;122;p19"/>
-          <p:cNvSpPr txBox="1"/>
+          <p:cNvSpPr txBox="1">
+            <a:spLocks noGrp="1"/>
+          </p:cNvSpPr>
           <p:nvPr>
             <p:ph type="title"/>
           </p:nvPr>
@@ -9779,12 +9910,12 @@
           </a:prstGeom>
         </p:spPr>
         <p:txBody>
-          <a:bodyPr anchorCtr="0" anchor="t" bIns="91425" lIns="91425" spcFirstLastPara="1" rIns="91425" wrap="square" tIns="91425">
+          <a:bodyPr spcFirstLastPara="1" wrap="square" lIns="91425" tIns="91425" rIns="91425" bIns="91425" anchor="t" anchorCtr="0">
             <a:normAutofit/>
           </a:bodyPr>
           <a:lstStyle/>
           <a:p>
-            <a:pPr indent="0" lvl="0" marL="0" rtl="0" algn="l">
+            <a:pPr marL="0" lvl="0" indent="0" algn="l" rtl="0">
               <a:spcBef>
                 <a:spcPts val="0"/>
               </a:spcBef>
@@ -9810,11 +9941,11 @@
 </file>
 
 <file path=ppt/slides/slide8.xml><?xml version="1.0" encoding="utf-8"?>
-<p:sld xmlns:a="http://schemas.openxmlformats.org/drawingml/2006/main" xmlns:r="http://schemas.openxmlformats.org/officeDocument/2006/relationships" xmlns:mc="http://schemas.openxmlformats.org/markup-compatibility/2006" xmlns:mv="urn:schemas-microsoft-com:mac:vml" xmlns:p="http://schemas.openxmlformats.org/presentationml/2006/main" xmlns:c="http://schemas.openxmlformats.org/drawingml/2006/chart" xmlns:dgm="http://schemas.openxmlformats.org/drawingml/2006/diagram" xmlns:o="urn:schemas-microsoft-com:office:office" xmlns:v="urn:schemas-microsoft-com:vml" xmlns:pvml="urn:schemas-microsoft-com:office:powerpoint" xmlns:com="http://schemas.openxmlformats.org/drawingml/2006/compatibility" xmlns:p14="http://schemas.microsoft.com/office/powerpoint/2010/main" xmlns:p15="http://schemas.microsoft.com/office/powerpoint/2012/main" xmlns:ahyp="http://schemas.microsoft.com/office/drawing/2018/hyperlinkcolor">
+<p:sld xmlns:a="http://schemas.openxmlformats.org/drawingml/2006/main" xmlns:r="http://schemas.openxmlformats.org/officeDocument/2006/relationships" xmlns:p="http://schemas.openxmlformats.org/presentationml/2006/main">
   <p:cSld>
     <p:spTree>
       <p:nvGrpSpPr>
-        <p:cNvPr id="126" name="Shape 126"/>
+        <p:cNvPr id="1" name="Shape 126"/>
         <p:cNvGrpSpPr/>
         <p:nvPr/>
       </p:nvGrpSpPr>
@@ -9829,7 +9960,9 @@
       <p:sp>
         <p:nvSpPr>
           <p:cNvPr id="127" name="Google Shape;127;p20"/>
-          <p:cNvSpPr txBox="1"/>
+          <p:cNvSpPr txBox="1">
+            <a:spLocks noGrp="1"/>
+          </p:cNvSpPr>
           <p:nvPr>
             <p:ph type="title"/>
           </p:nvPr>
@@ -9844,12 +9977,12 @@
           </a:prstGeom>
         </p:spPr>
         <p:txBody>
-          <a:bodyPr anchorCtr="0" anchor="t" bIns="91425" lIns="91425" spcFirstLastPara="1" rIns="91425" wrap="square" tIns="91425">
+          <a:bodyPr spcFirstLastPara="1" wrap="square" lIns="91425" tIns="91425" rIns="91425" bIns="91425" anchor="t" anchorCtr="0">
             <a:normAutofit fontScale="90000"/>
           </a:bodyPr>
           <a:lstStyle/>
           <a:p>
-            <a:pPr indent="0" lvl="0" marL="0" rtl="0" algn="l">
+            <a:pPr marL="0" lvl="0" indent="0" algn="l" rtl="0">
               <a:spcBef>
                 <a:spcPts val="0"/>
               </a:spcBef>
@@ -9869,9 +10002,11 @@
       <p:sp>
         <p:nvSpPr>
           <p:cNvPr id="128" name="Google Shape;128;p20"/>
-          <p:cNvSpPr txBox="1"/>
+          <p:cNvSpPr txBox="1">
+            <a:spLocks noGrp="1"/>
+          </p:cNvSpPr>
           <p:nvPr>
-            <p:ph idx="1" type="body"/>
+            <p:ph type="body" idx="1"/>
           </p:nvPr>
         </p:nvSpPr>
         <p:spPr>
@@ -9884,12 +10019,12 @@
           </a:prstGeom>
         </p:spPr>
         <p:txBody>
-          <a:bodyPr anchorCtr="0" anchor="t" bIns="91425" lIns="91425" spcFirstLastPara="1" rIns="91425" wrap="square" tIns="91425">
+          <a:bodyPr spcFirstLastPara="1" wrap="square" lIns="91425" tIns="91425" rIns="91425" bIns="91425" anchor="t" anchorCtr="0">
             <a:noAutofit/>
           </a:bodyPr>
           <a:lstStyle/>
           <a:p>
-            <a:pPr indent="0" lvl="0" marL="0" rtl="0" algn="l">
+            <a:pPr marL="0" lvl="0" indent="0" algn="l" rtl="0">
               <a:spcBef>
                 <a:spcPts val="0"/>
               </a:spcBef>
@@ -9921,7 +10056,7 @@
             </a:endParaRPr>
           </a:p>
           <a:p>
-            <a:pPr indent="0" lvl="0" marL="0" rtl="0" algn="l">
+            <a:pPr marL="0" lvl="0" indent="0" algn="l" rtl="0">
               <a:spcBef>
                 <a:spcPts val="0"/>
               </a:spcBef>
@@ -9930,9 +10065,6 @@
               </a:spcAft>
               <a:buNone/>
             </a:pPr>
-            <a:r>
-              <a:t/>
-            </a:r>
             <a:endParaRPr sz="2600">
               <a:solidFill>
                 <a:srgbClr val="000000"/>
@@ -9944,7 +10076,7 @@
             </a:endParaRPr>
           </a:p>
           <a:p>
-            <a:pPr indent="0" lvl="0" marL="0" rtl="0" algn="l">
+            <a:pPr marL="0" lvl="0" indent="0" algn="l" rtl="0">
               <a:spcBef>
                 <a:spcPts val="0"/>
               </a:spcBef>
@@ -9960,25 +10092,7 @@
                 <a:cs typeface="Consolas"/>
                 <a:sym typeface="Consolas"/>
               </a:rPr>
-              <a:t>openssl s_client -connect cns.csie.org:</a:t>
-            </a:r>
-            <a:r>
-              <a:rPr lang="en" sz="2000">
-                <a:latin typeface="Consolas"/>
-                <a:ea typeface="Consolas"/>
-                <a:cs typeface="Consolas"/>
-                <a:sym typeface="Consolas"/>
-              </a:rPr>
-              <a:t>12345</a:t>
-            </a:r>
-            <a:r>
-              <a:rPr lang="en" sz="2000">
-                <a:latin typeface="Consolas"/>
-                <a:ea typeface="Consolas"/>
-                <a:cs typeface="Consolas"/>
-                <a:sym typeface="Consolas"/>
-              </a:rPr>
-              <a:t> \</a:t>
+              <a:t>openssl s_client -connect cns.csie.org:12345 \</a:t>
             </a:r>
             <a:endParaRPr sz="2000">
               <a:latin typeface="Consolas"/>
@@ -9988,7 +10102,7 @@
             </a:endParaRPr>
           </a:p>
           <a:p>
-            <a:pPr indent="457200" lvl="0" marL="0" rtl="0" algn="l">
+            <a:pPr marL="0" lvl="0" indent="457200" algn="l" rtl="0">
               <a:spcBef>
                 <a:spcPts val="0"/>
               </a:spcBef>
@@ -10014,7 +10128,7 @@
             </a:endParaRPr>
           </a:p>
           <a:p>
-            <a:pPr indent="0" lvl="0" marL="0" rtl="0" algn="l">
+            <a:pPr marL="0" lvl="0" indent="0" algn="l" rtl="0">
               <a:spcBef>
                 <a:spcPts val="0"/>
               </a:spcBef>
@@ -10023,9 +10137,6 @@
               </a:spcAft>
               <a:buNone/>
             </a:pPr>
-            <a:r>
-              <a:t/>
-            </a:r>
             <a:endParaRPr sz="2000">
               <a:latin typeface="Consolas"/>
               <a:ea typeface="Consolas"/>
@@ -10055,12 +10166,12 @@
           </a:ln>
         </p:spPr>
         <p:txBody>
-          <a:bodyPr anchorCtr="0" anchor="t" bIns="91425" lIns="91425" spcFirstLastPara="1" rIns="91425" wrap="square" tIns="91425">
+          <a:bodyPr spcFirstLastPara="1" wrap="square" lIns="91425" tIns="91425" rIns="91425" bIns="91425" anchor="t" anchorCtr="0">
             <a:spAutoFit/>
           </a:bodyPr>
           <a:lstStyle/>
           <a:p>
-            <a:pPr indent="0" lvl="0" marL="0" rtl="0" algn="l">
+            <a:pPr marL="0" lvl="0" indent="0" algn="l" rtl="0">
               <a:spcBef>
                 <a:spcPts val="0"/>
               </a:spcBef>
@@ -10132,11 +10243,11 @@
 </file>
 
 <file path=ppt/slides/slide9.xml><?xml version="1.0" encoding="utf-8"?>
-<p:sld xmlns:a="http://schemas.openxmlformats.org/drawingml/2006/main" xmlns:r="http://schemas.openxmlformats.org/officeDocument/2006/relationships" xmlns:mc="http://schemas.openxmlformats.org/markup-compatibility/2006" xmlns:mv="urn:schemas-microsoft-com:mac:vml" xmlns:p="http://schemas.openxmlformats.org/presentationml/2006/main" xmlns:c="http://schemas.openxmlformats.org/drawingml/2006/chart" xmlns:dgm="http://schemas.openxmlformats.org/drawingml/2006/diagram" xmlns:o="urn:schemas-microsoft-com:office:office" xmlns:v="urn:schemas-microsoft-com:vml" xmlns:pvml="urn:schemas-microsoft-com:office:powerpoint" xmlns:com="http://schemas.openxmlformats.org/drawingml/2006/compatibility" xmlns:p14="http://schemas.microsoft.com/office/powerpoint/2010/main" xmlns:p15="http://schemas.microsoft.com/office/powerpoint/2012/main" xmlns:ahyp="http://schemas.microsoft.com/office/drawing/2018/hyperlinkcolor">
+<p:sld xmlns:a="http://schemas.openxmlformats.org/drawingml/2006/main" xmlns:r="http://schemas.openxmlformats.org/officeDocument/2006/relationships" xmlns:p="http://schemas.openxmlformats.org/presentationml/2006/main">
   <p:cSld>
     <p:spTree>
       <p:nvGrpSpPr>
-        <p:cNvPr id="133" name="Shape 133"/>
+        <p:cNvPr id="1" name="Shape 133"/>
         <p:cNvGrpSpPr/>
         <p:nvPr/>
       </p:nvGrpSpPr>
@@ -10151,7 +10262,9 @@
       <p:sp>
         <p:nvSpPr>
           <p:cNvPr id="134" name="Google Shape;134;p21"/>
-          <p:cNvSpPr txBox="1"/>
+          <p:cNvSpPr txBox="1">
+            <a:spLocks noGrp="1"/>
+          </p:cNvSpPr>
           <p:nvPr>
             <p:ph type="title"/>
           </p:nvPr>
@@ -10166,12 +10279,12 @@
           </a:prstGeom>
         </p:spPr>
         <p:txBody>
-          <a:bodyPr anchorCtr="0" anchor="t" bIns="91425" lIns="91425" spcFirstLastPara="1" rIns="91425" wrap="square" tIns="91425">
+          <a:bodyPr spcFirstLastPara="1" wrap="square" lIns="91425" tIns="91425" rIns="91425" bIns="91425" anchor="t" anchorCtr="0">
             <a:normAutofit fontScale="90000"/>
           </a:bodyPr>
           <a:lstStyle/>
           <a:p>
-            <a:pPr indent="0" lvl="0" marL="0" rtl="0" algn="l">
+            <a:pPr marL="0" lvl="0" indent="0" algn="l" rtl="0">
               <a:spcBef>
                 <a:spcPts val="0"/>
               </a:spcBef>
@@ -10191,9 +10304,11 @@
       <p:sp>
         <p:nvSpPr>
           <p:cNvPr id="135" name="Google Shape;135;p21"/>
-          <p:cNvSpPr txBox="1"/>
+          <p:cNvSpPr txBox="1">
+            <a:spLocks noGrp="1"/>
+          </p:cNvSpPr>
           <p:nvPr>
-            <p:ph idx="1" type="body"/>
+            <p:ph type="body" idx="1"/>
           </p:nvPr>
         </p:nvSpPr>
         <p:spPr>
@@ -10206,12 +10321,12 @@
           </a:prstGeom>
         </p:spPr>
         <p:txBody>
-          <a:bodyPr anchorCtr="0" anchor="t" bIns="91425" lIns="91425" spcFirstLastPara="1" rIns="91425" wrap="square" tIns="91425">
+          <a:bodyPr spcFirstLastPara="1" wrap="square" lIns="91425" tIns="91425" rIns="91425" bIns="91425" anchor="t" anchorCtr="0">
             <a:noAutofit/>
           </a:bodyPr>
           <a:lstStyle/>
           <a:p>
-            <a:pPr indent="0" lvl="0" marL="0" rtl="0" algn="l">
+            <a:pPr marL="0" lvl="0" indent="0" algn="l" rtl="0">
               <a:spcBef>
                 <a:spcPts val="0"/>
               </a:spcBef>
@@ -10237,7 +10352,7 @@
             </a:endParaRPr>
           </a:p>
           <a:p>
-            <a:pPr indent="0" lvl="0" marL="0" rtl="0" algn="l">
+            <a:pPr marL="0" lvl="0" indent="0" algn="l" rtl="0">
               <a:spcBef>
                 <a:spcPts val="0"/>
               </a:spcBef>
@@ -10271,7 +10386,7 @@
             </a:endParaRPr>
           </a:p>
           <a:p>
-            <a:pPr indent="0" lvl="0" marL="0" rtl="0" algn="l">
+            <a:pPr marL="0" lvl="0" indent="0" algn="l" rtl="0">
               <a:spcBef>
                 <a:spcPts val="0"/>
               </a:spcBef>
@@ -10313,23 +10428,23 @@
             <a:avLst/>
           </a:prstGeom>
           <a:noFill/>
-          <a:ln cap="flat" cmpd="sng" w="9525">
+          <a:ln w="9525" cap="flat" cmpd="sng">
             <a:solidFill>
               <a:srgbClr val="000000"/>
             </a:solidFill>
             <a:prstDash val="solid"/>
             <a:round/>
-            <a:headEnd len="sm" w="sm" type="none"/>
-            <a:tailEnd len="sm" w="sm" type="none"/>
+            <a:headEnd type="none" w="sm" len="sm"/>
+            <a:tailEnd type="none" w="sm" len="sm"/>
           </a:ln>
         </p:spPr>
         <p:txBody>
-          <a:bodyPr anchorCtr="0" anchor="t" bIns="91425" lIns="91425" spcFirstLastPara="1" rIns="91425" wrap="square" tIns="91425">
+          <a:bodyPr spcFirstLastPara="1" wrap="square" lIns="91425" tIns="91425" rIns="91425" bIns="91425" anchor="t" anchorCtr="0">
             <a:spAutoFit/>
           </a:bodyPr>
           <a:lstStyle/>
           <a:p>
-            <a:pPr indent="0" lvl="0" marL="0" rtl="0" algn="l">
+            <a:pPr marL="0" lvl="0" indent="0" algn="l" rtl="0">
               <a:spcBef>
                 <a:spcPts val="0"/>
               </a:spcBef>
@@ -10355,7 +10470,7 @@
             </a:endParaRPr>
           </a:p>
           <a:p>
-            <a:pPr indent="0" lvl="0" marL="0" rtl="0" algn="l">
+            <a:pPr marL="0" lvl="0" indent="0" algn="l" rtl="0">
               <a:spcBef>
                 <a:spcPts val="0"/>
               </a:spcBef>
@@ -10381,7 +10496,7 @@
             </a:endParaRPr>
           </a:p>
           <a:p>
-            <a:pPr indent="0" lvl="0" marL="0" rtl="0" algn="l">
+            <a:pPr marL="0" lvl="0" indent="0" algn="l" rtl="0">
               <a:spcBef>
                 <a:spcPts val="0"/>
               </a:spcBef>
@@ -10390,9 +10505,6 @@
               </a:spcAft>
               <a:buNone/>
             </a:pPr>
-            <a:r>
-              <a:t/>
-            </a:r>
             <a:endParaRPr sz="2000">
               <a:latin typeface="Lato"/>
               <a:ea typeface="Lato"/>
@@ -10401,7 +10513,7 @@
             </a:endParaRPr>
           </a:p>
           <a:p>
-            <a:pPr indent="0" lvl="0" marL="0" rtl="0" algn="l">
+            <a:pPr marL="0" lvl="0" indent="0" algn="l" rtl="0">
               <a:lnSpc>
                 <a:spcPct val="115000"/>
               </a:lnSpc>
@@ -10444,7 +10556,7 @@
 </file>
 
 <file path=ppt/theme/theme1.xml><?xml version="1.0" encoding="utf-8"?>
-<a:theme xmlns:a="http://schemas.openxmlformats.org/drawingml/2006/main" xmlns:r="http://schemas.openxmlformats.org/officeDocument/2006/relationships" name="Streamline">
+<a:theme xmlns:a="http://schemas.openxmlformats.org/drawingml/2006/main" name="Streamline">
   <a:themeElements>
     <a:clrScheme name="Streamline">
       <a:dk1>
@@ -10719,11 +10831,13 @@
       </a:bgFillStyleLst>
     </a:fmtScheme>
   </a:themeElements>
+  <a:objectDefaults/>
+  <a:extraClrSchemeLst/>
 </a:theme>
 </file>
 
 <file path=ppt/theme/theme2.xml><?xml version="1.0" encoding="utf-8"?>
-<a:theme xmlns:a="http://schemas.openxmlformats.org/drawingml/2006/main" xmlns:r="http://schemas.openxmlformats.org/officeDocument/2006/relationships">
+<a:theme xmlns:a="http://schemas.openxmlformats.org/drawingml/2006/main">
   <a:themeElements>
     <a:clrScheme name="Default">
       <a:dk1>
@@ -10998,5 +11112,7 @@
       </a:bgFillStyleLst>
     </a:fmtScheme>
   </a:themeElements>
+  <a:objectDefaults/>
+  <a:extraClrSchemeLst/>
 </a:theme>
 </file>